--- a/Predstavitev.pptx
+++ b/Predstavitev.pptx
@@ -12,7 +12,11 @@
     <p:sldId id="261" r:id="rId6"/>
     <p:sldId id="262" r:id="rId7"/>
     <p:sldId id="263" r:id="rId8"/>
-    <p:sldId id="264" r:id="rId9"/>
+    <p:sldId id="266" r:id="rId9"/>
+    <p:sldId id="265" r:id="rId10"/>
+    <p:sldId id="264" r:id="rId11"/>
+    <p:sldId id="267" r:id="rId12"/>
+    <p:sldId id="268" r:id="rId13"/>
   </p:sldIdLst>
   <p:sldSz cx="12192000" cy="6858000"/>
   <p:notesSz cx="6858000" cy="9144000"/>
@@ -842,7 +846,7 @@
             <a:fld id="{B61BEF0D-F0BB-DE4B-95CE-6DB70DBA9567}" type="datetimeFigureOut">
               <a:rPr lang="en-US" smtClean="0"/>
               <a:pPr/>
-              <a:t>3/18/2023</a:t>
+              <a:t>3/19/23</a:t>
             </a:fld>
             <a:endParaRPr lang="en-US" dirty="0"/>
           </a:p>
@@ -1095,7 +1099,7 @@
             <a:fld id="{B61BEF0D-F0BB-DE4B-95CE-6DB70DBA9567}" type="datetimeFigureOut">
               <a:rPr lang="en-US" smtClean="0"/>
               <a:pPr/>
-              <a:t>3/18/2023</a:t>
+              <a:t>3/19/23</a:t>
             </a:fld>
             <a:endParaRPr lang="en-US" dirty="0"/>
           </a:p>
@@ -1411,7 +1415,7 @@
             <a:fld id="{B61BEF0D-F0BB-DE4B-95CE-6DB70DBA9567}" type="datetimeFigureOut">
               <a:rPr lang="en-US" smtClean="0"/>
               <a:pPr/>
-              <a:t>3/18/2023</a:t>
+              <a:t>3/19/23</a:t>
             </a:fld>
             <a:endParaRPr lang="en-US" dirty="0"/>
           </a:p>
@@ -1754,7 +1758,7 @@
             <a:fld id="{B61BEF0D-F0BB-DE4B-95CE-6DB70DBA9567}" type="datetimeFigureOut">
               <a:rPr lang="en-US" smtClean="0"/>
               <a:pPr/>
-              <a:t>3/18/2023</a:t>
+              <a:t>3/19/23</a:t>
             </a:fld>
             <a:endParaRPr lang="en-US" dirty="0"/>
           </a:p>
@@ -2070,7 +2074,7 @@
             <a:fld id="{B61BEF0D-F0BB-DE4B-95CE-6DB70DBA9567}" type="datetimeFigureOut">
               <a:rPr lang="en-US" smtClean="0"/>
               <a:pPr/>
-              <a:t>3/18/2023</a:t>
+              <a:t>3/19/23</a:t>
             </a:fld>
             <a:endParaRPr lang="en-US" dirty="0"/>
           </a:p>
@@ -2465,7 +2469,7 @@
             <a:fld id="{B61BEF0D-F0BB-DE4B-95CE-6DB70DBA9567}" type="datetimeFigureOut">
               <a:rPr lang="en-US" smtClean="0"/>
               <a:pPr/>
-              <a:t>3/18/2023</a:t>
+              <a:t>3/19/23</a:t>
             </a:fld>
             <a:endParaRPr lang="en-US" dirty="0"/>
           </a:p>
@@ -2637,7 +2641,7 @@
             <a:fld id="{B61BEF0D-F0BB-DE4B-95CE-6DB70DBA9567}" type="datetimeFigureOut">
               <a:rPr lang="en-US" smtClean="0"/>
               <a:pPr/>
-              <a:t>3/18/2023</a:t>
+              <a:t>3/19/23</a:t>
             </a:fld>
             <a:endParaRPr lang="en-US" dirty="0"/>
           </a:p>
@@ -2819,7 +2823,7 @@
             <a:fld id="{B61BEF0D-F0BB-DE4B-95CE-6DB70DBA9567}" type="datetimeFigureOut">
               <a:rPr lang="en-US" smtClean="0"/>
               <a:pPr/>
-              <a:t>3/18/2023</a:t>
+              <a:t>3/19/23</a:t>
             </a:fld>
             <a:endParaRPr lang="en-US" dirty="0"/>
           </a:p>
@@ -2997,7 +3001,7 @@
             <a:fld id="{B61BEF0D-F0BB-DE4B-95CE-6DB70DBA9567}" type="datetimeFigureOut">
               <a:rPr lang="en-US" smtClean="0"/>
               <a:pPr/>
-              <a:t>3/18/2023</a:t>
+              <a:t>3/19/23</a:t>
             </a:fld>
             <a:endParaRPr lang="en-US" dirty="0"/>
           </a:p>
@@ -3246,7 +3250,7 @@
             <a:fld id="{B61BEF0D-F0BB-DE4B-95CE-6DB70DBA9567}" type="datetimeFigureOut">
               <a:rPr lang="en-US" smtClean="0"/>
               <a:pPr/>
-              <a:t>3/18/2023</a:t>
+              <a:t>3/19/23</a:t>
             </a:fld>
             <a:endParaRPr lang="en-US" dirty="0"/>
           </a:p>
@@ -3480,7 +3484,7 @@
             <a:fld id="{B61BEF0D-F0BB-DE4B-95CE-6DB70DBA9567}" type="datetimeFigureOut">
               <a:rPr lang="en-US" smtClean="0"/>
               <a:pPr/>
-              <a:t>3/18/2023</a:t>
+              <a:t>3/19/23</a:t>
             </a:fld>
             <a:endParaRPr lang="en-US" dirty="0"/>
           </a:p>
@@ -3856,7 +3860,7 @@
             <a:fld id="{B61BEF0D-F0BB-DE4B-95CE-6DB70DBA9567}" type="datetimeFigureOut">
               <a:rPr lang="en-US" smtClean="0"/>
               <a:pPr/>
-              <a:t>3/18/2023</a:t>
+              <a:t>3/19/23</a:t>
             </a:fld>
             <a:endParaRPr lang="en-US" dirty="0"/>
           </a:p>
@@ -3981,7 +3985,7 @@
             <a:fld id="{B61BEF0D-F0BB-DE4B-95CE-6DB70DBA9567}" type="datetimeFigureOut">
               <a:rPr lang="en-US" smtClean="0"/>
               <a:pPr/>
-              <a:t>3/18/2023</a:t>
+              <a:t>3/19/23</a:t>
             </a:fld>
             <a:endParaRPr lang="en-US" dirty="0"/>
           </a:p>
@@ -4078,7 +4082,7 @@
             <a:fld id="{B61BEF0D-F0BB-DE4B-95CE-6DB70DBA9567}" type="datetimeFigureOut">
               <a:rPr lang="en-US" smtClean="0"/>
               <a:pPr/>
-              <a:t>3/18/2023</a:t>
+              <a:t>3/19/23</a:t>
             </a:fld>
             <a:endParaRPr lang="en-US" dirty="0"/>
           </a:p>
@@ -4335,7 +4339,7 @@
             <a:fld id="{B61BEF0D-F0BB-DE4B-95CE-6DB70DBA9567}" type="datetimeFigureOut">
               <a:rPr lang="en-US" smtClean="0"/>
               <a:pPr/>
-              <a:t>3/18/2023</a:t>
+              <a:t>3/19/23</a:t>
             </a:fld>
             <a:endParaRPr lang="en-US" dirty="0"/>
           </a:p>
@@ -4600,7 +4604,7 @@
             <a:fld id="{B61BEF0D-F0BB-DE4B-95CE-6DB70DBA9567}" type="datetimeFigureOut">
               <a:rPr lang="en-US" smtClean="0"/>
               <a:pPr/>
-              <a:t>3/18/2023</a:t>
+              <a:t>3/19/23</a:t>
             </a:fld>
             <a:endParaRPr lang="en-US" dirty="0"/>
           </a:p>
@@ -5345,7 +5349,7 @@
             <a:fld id="{B61BEF0D-F0BB-DE4B-95CE-6DB70DBA9567}" type="datetimeFigureOut">
               <a:rPr lang="en-US" smtClean="0"/>
               <a:pPr/>
-              <a:t>3/18/2023</a:t>
+              <a:t>3/19/23</a:t>
             </a:fld>
             <a:endParaRPr lang="en-US" dirty="0"/>
           </a:p>
@@ -6049,6 +6053,629 @@
 </p:sld>
 </file>
 
+<file path=ppt/slides/slide10.xml><?xml version="1.0" encoding="utf-8"?>
+<p:sld xmlns:a="http://schemas.openxmlformats.org/drawingml/2006/main" xmlns:r="http://schemas.openxmlformats.org/officeDocument/2006/relationships" xmlns:p="http://schemas.openxmlformats.org/presentationml/2006/main">
+  <p:cSld>
+    <p:spTree>
+      <p:nvGrpSpPr>
+        <p:cNvPr id="1" name=""/>
+        <p:cNvGrpSpPr/>
+        <p:nvPr/>
+      </p:nvGrpSpPr>
+      <p:grpSpPr>
+        <a:xfrm>
+          <a:off x="0" y="0"/>
+          <a:ext cx="0" cy="0"/>
+          <a:chOff x="0" y="0"/>
+          <a:chExt cx="0" cy="0"/>
+        </a:xfrm>
+      </p:grpSpPr>
+      <p:sp>
+        <p:nvSpPr>
+          <p:cNvPr id="2" name="Naslov 1">
+            <a:extLst>
+              <a:ext uri="{FF2B5EF4-FFF2-40B4-BE49-F238E27FC236}">
+                <a16:creationId xmlns:a16="http://schemas.microsoft.com/office/drawing/2014/main" id="{16B39357-A92E-7A0D-284B-FF302F872349}"/>
+              </a:ext>
+            </a:extLst>
+          </p:cNvPr>
+          <p:cNvSpPr>
+            <a:spLocks noGrp="1"/>
+          </p:cNvSpPr>
+          <p:nvPr>
+            <p:ph type="title"/>
+          </p:nvPr>
+        </p:nvSpPr>
+        <p:spPr/>
+        <p:txBody>
+          <a:bodyPr>
+            <a:normAutofit/>
+          </a:bodyPr>
+          <a:lstStyle/>
+          <a:p>
+            <a:r>
+              <a:rPr lang="sl-SI" sz="4400" dirty="0"/>
+              <a:t>Naloga 3</a:t>
+            </a:r>
+          </a:p>
+        </p:txBody>
+      </p:sp>
+      <p:sp>
+        <p:nvSpPr>
+          <p:cNvPr id="3" name="Označba mesta vsebine 2">
+            <a:extLst>
+              <a:ext uri="{FF2B5EF4-FFF2-40B4-BE49-F238E27FC236}">
+                <a16:creationId xmlns:a16="http://schemas.microsoft.com/office/drawing/2014/main" id="{009D668B-4F72-41E0-DCCD-1A659EA63782}"/>
+              </a:ext>
+            </a:extLst>
+          </p:cNvPr>
+          <p:cNvSpPr>
+            <a:spLocks noGrp="1"/>
+          </p:cNvSpPr>
+          <p:nvPr>
+            <p:ph idx="1"/>
+          </p:nvPr>
+        </p:nvSpPr>
+        <p:spPr/>
+        <p:txBody>
+          <a:bodyPr>
+            <a:normAutofit/>
+          </a:bodyPr>
+          <a:lstStyle/>
+          <a:p>
+            <a:r>
+              <a:rPr lang="sl-SI" sz="2200" dirty="0"/>
+              <a:t>Podan imamo seznam števil. </a:t>
+            </a:r>
+          </a:p>
+        </p:txBody>
+      </p:sp>
+    </p:spTree>
+    <p:extLst>
+      <p:ext uri="{BB962C8B-B14F-4D97-AF65-F5344CB8AC3E}">
+        <p14:creationId xmlns:p14="http://schemas.microsoft.com/office/powerpoint/2010/main" val="863610771"/>
+      </p:ext>
+    </p:extLst>
+  </p:cSld>
+  <p:clrMapOvr>
+    <a:masterClrMapping/>
+  </p:clrMapOvr>
+</p:sld>
+</file>
+
+<file path=ppt/slides/slide11.xml><?xml version="1.0" encoding="utf-8"?>
+<p:sld xmlns:a="http://schemas.openxmlformats.org/drawingml/2006/main" xmlns:r="http://schemas.openxmlformats.org/officeDocument/2006/relationships" xmlns:p="http://schemas.openxmlformats.org/presentationml/2006/main">
+  <p:cSld>
+    <p:spTree>
+      <p:nvGrpSpPr>
+        <p:cNvPr id="1" name=""/>
+        <p:cNvGrpSpPr/>
+        <p:nvPr/>
+      </p:nvGrpSpPr>
+      <p:grpSpPr>
+        <a:xfrm>
+          <a:off x="0" y="0"/>
+          <a:ext cx="0" cy="0"/>
+          <a:chOff x="0" y="0"/>
+          <a:chExt cx="0" cy="0"/>
+        </a:xfrm>
+      </p:grpSpPr>
+      <p:sp>
+        <p:nvSpPr>
+          <p:cNvPr id="2" name="Title 1">
+            <a:extLst>
+              <a:ext uri="{FF2B5EF4-FFF2-40B4-BE49-F238E27FC236}">
+                <a16:creationId xmlns:a16="http://schemas.microsoft.com/office/drawing/2014/main" id="{86AABB38-F100-2E66-8F53-2DAB340537A9}"/>
+              </a:ext>
+            </a:extLst>
+          </p:cNvPr>
+          <p:cNvSpPr>
+            <a:spLocks noGrp="1"/>
+          </p:cNvSpPr>
+          <p:nvPr>
+            <p:ph type="title"/>
+          </p:nvPr>
+        </p:nvSpPr>
+        <p:spPr/>
+        <p:txBody>
+          <a:bodyPr>
+            <a:normAutofit/>
+          </a:bodyPr>
+          <a:lstStyle/>
+          <a:p>
+            <a:r>
+              <a:rPr lang="en-SI" sz="4400" dirty="0"/>
+              <a:t>Naloga 4</a:t>
+            </a:r>
+          </a:p>
+        </p:txBody>
+      </p:sp>
+      <mc:AlternateContent xmlns:mc="http://schemas.openxmlformats.org/markup-compatibility/2006">
+        <mc:Choice xmlns:a14="http://schemas.microsoft.com/office/drawing/2010/main" Requires="a14">
+          <p:sp>
+            <p:nvSpPr>
+              <p:cNvPr id="3" name="Content Placeholder 2">
+                <a:extLst>
+                  <a:ext uri="{FF2B5EF4-FFF2-40B4-BE49-F238E27FC236}">
+                    <a16:creationId xmlns:a16="http://schemas.microsoft.com/office/drawing/2014/main" id="{7949091C-262F-04DF-2F51-3E07C6F99286}"/>
+                  </a:ext>
+                </a:extLst>
+              </p:cNvPr>
+              <p:cNvSpPr>
+                <a:spLocks noGrp="1"/>
+              </p:cNvSpPr>
+              <p:nvPr>
+                <p:ph idx="1"/>
+              </p:nvPr>
+            </p:nvSpPr>
+            <p:spPr>
+              <a:xfrm>
+                <a:off x="677335" y="1789044"/>
+                <a:ext cx="10394856" cy="4252320"/>
+              </a:xfrm>
+            </p:spPr>
+            <p:txBody>
+              <a:bodyPr>
+                <a:normAutofit/>
+              </a:bodyPr>
+              <a:lstStyle/>
+              <a:p>
+                <a:r>
+                  <a:rPr lang="sl-SI" sz="2200" dirty="0"/>
+                  <a:t>Podano imamo množico </a:t>
+                </a:r>
+                <a14:m>
+                  <m:oMath xmlns:m="http://schemas.openxmlformats.org/officeDocument/2006/math">
+                    <m:r>
+                      <a:rPr lang="sl-SI" sz="2200" i="1" dirty="0" smtClean="0">
+                        <a:latin typeface="Cambria Math" panose="02040503050406030204" pitchFamily="18" charset="0"/>
+                      </a:rPr>
+                      <m:t>𝐿</m:t>
+                    </m:r>
+                  </m:oMath>
+                </a14:m>
+                <a:r>
+                  <a:rPr lang="sl-SI" sz="2200" dirty="0"/>
+                  <a:t>, ki vsebuje </a:t>
+                </a:r>
+                <a14:m>
+                  <m:oMath xmlns:m="http://schemas.openxmlformats.org/officeDocument/2006/math">
+                    <m:r>
+                      <a:rPr lang="sl-SI" sz="2200" i="1" dirty="0" smtClean="0">
+                        <a:latin typeface="Cambria Math" panose="02040503050406030204" pitchFamily="18" charset="0"/>
+                      </a:rPr>
+                      <m:t>𝑛</m:t>
+                    </m:r>
+                  </m:oMath>
+                </a14:m>
+                <a:r>
+                  <a:rPr lang="sl-SI" sz="2200" dirty="0"/>
+                  <a:t> daljic v ravnini. Vsaka daljica ima eno krajišče na premici </a:t>
+                </a:r>
+                <a14:m>
+                  <m:oMath xmlns:m="http://schemas.openxmlformats.org/officeDocument/2006/math">
+                    <m:r>
+                      <a:rPr lang="sl-SI" sz="2200" i="1" dirty="0" smtClean="0">
+                        <a:latin typeface="Cambria Math" panose="02040503050406030204" pitchFamily="18" charset="0"/>
+                      </a:rPr>
+                      <m:t>𝑦</m:t>
+                    </m:r>
+                    <m:r>
+                      <a:rPr lang="sl-SI" sz="2200" i="1" dirty="0" smtClean="0">
+                        <a:latin typeface="Cambria Math" panose="02040503050406030204" pitchFamily="18" charset="0"/>
+                      </a:rPr>
+                      <m:t> = 0 </m:t>
+                    </m:r>
+                  </m:oMath>
+                </a14:m>
+                <a:r>
+                  <a:rPr lang="sl-SI" sz="2200" dirty="0"/>
+                  <a:t>in drugo krajišče na premici </a:t>
+                </a:r>
+                <a14:m>
+                  <m:oMath xmlns:m="http://schemas.openxmlformats.org/officeDocument/2006/math">
+                    <m:r>
+                      <a:rPr lang="sl-SI" sz="2200" i="1" dirty="0" smtClean="0">
+                        <a:latin typeface="Cambria Math" panose="02040503050406030204" pitchFamily="18" charset="0"/>
+                      </a:rPr>
+                      <m:t>𝑦</m:t>
+                    </m:r>
+                    <m:r>
+                      <a:rPr lang="sl-SI" sz="2200" i="1" dirty="0" smtClean="0">
+                        <a:latin typeface="Cambria Math" panose="02040503050406030204" pitchFamily="18" charset="0"/>
+                      </a:rPr>
+                      <m:t> = 1</m:t>
+                    </m:r>
+                  </m:oMath>
+                </a14:m>
+                <a:r>
+                  <a:rPr lang="sl-SI" sz="2200" dirty="0"/>
+                  <a:t>. Vsa krajišča so različna.</a:t>
+                </a:r>
+              </a:p>
+              <a:p>
+                <a:pPr lvl="1"/>
+                <a:r>
+                  <a:rPr lang="sl-SI" sz="2000" dirty="0">
+                    <a:solidFill>
+                      <a:srgbClr val="1D2125"/>
+                    </a:solidFill>
+                    <a:effectLst/>
+                    <a:latin typeface="Times New Roman" panose="02020603050405020304" pitchFamily="18" charset="0"/>
+                    <a:ea typeface="Times New Roman" panose="02020603050405020304" pitchFamily="18" charset="0"/>
+                    <a:cs typeface="Times New Roman" panose="02020603050405020304" pitchFamily="18" charset="0"/>
+                  </a:rPr>
+                  <a:t>Opiši in analiziraj algoritem, ki izračuna največjo podmnožico množice L, kjer se nobeni dve daljici ne sekata.</a:t>
+                </a:r>
+                <a:endParaRPr lang="en-SI" sz="2000" dirty="0">
+                  <a:effectLst/>
+                  <a:latin typeface="Calibri" panose="020F0502020204030204" pitchFamily="34" charset="0"/>
+                  <a:ea typeface="Calibri" panose="020F0502020204030204" pitchFamily="34" charset="0"/>
+                  <a:cs typeface="Times New Roman" panose="02020603050405020304" pitchFamily="18" charset="0"/>
+                </a:endParaRPr>
+              </a:p>
+              <a:p>
+                <a:pPr lvl="1"/>
+                <a:r>
+                  <a:rPr lang="sl-SI" sz="2000" dirty="0">
+                    <a:solidFill>
+                      <a:srgbClr val="1D2125"/>
+                    </a:solidFill>
+                    <a:effectLst/>
+                    <a:latin typeface="Times New Roman" panose="02020603050405020304" pitchFamily="18" charset="0"/>
+                    <a:ea typeface="Times New Roman" panose="02020603050405020304" pitchFamily="18" charset="0"/>
+                    <a:cs typeface="Times New Roman" panose="02020603050405020304" pitchFamily="18" charset="0"/>
+                  </a:rPr>
+                  <a:t>Opiši in analiziraj algoritem, ki izračuna največjo podmnožico množice L, kjer se vsi pari daljic med seboj sekajo.</a:t>
+                </a:r>
+                <a:endParaRPr lang="en-SI" sz="2000" dirty="0">
+                  <a:effectLst/>
+                  <a:latin typeface="Calibri" panose="020F0502020204030204" pitchFamily="34" charset="0"/>
+                  <a:ea typeface="Calibri" panose="020F0502020204030204" pitchFamily="34" charset="0"/>
+                  <a:cs typeface="Times New Roman" panose="02020603050405020304" pitchFamily="18" charset="0"/>
+                </a:endParaRPr>
+              </a:p>
+              <a:p>
+                <a:pPr lvl="1"/>
+                <a:endParaRPr lang="en-SI" sz="2000" dirty="0"/>
+              </a:p>
+            </p:txBody>
+          </p:sp>
+        </mc:Choice>
+        <mc:Fallback>
+          <p:sp>
+            <p:nvSpPr>
+              <p:cNvPr id="3" name="Content Placeholder 2">
+                <a:extLst>
+                  <a:ext uri="{FF2B5EF4-FFF2-40B4-BE49-F238E27FC236}">
+                    <a16:creationId xmlns:a16="http://schemas.microsoft.com/office/drawing/2014/main" id="{7949091C-262F-04DF-2F51-3E07C6F99286}"/>
+                  </a:ext>
+                </a:extLst>
+              </p:cNvPr>
+              <p:cNvSpPr>
+                <a:spLocks noGrp="1" noRot="1" noChangeAspect="1" noMove="1" noResize="1" noEditPoints="1" noAdjustHandles="1" noChangeArrowheads="1" noChangeShapeType="1" noTextEdit="1"/>
+              </p:cNvSpPr>
+              <p:nvPr>
+                <p:ph idx="1"/>
+              </p:nvPr>
+            </p:nvSpPr>
+            <p:spPr>
+              <a:xfrm>
+                <a:off x="677335" y="1789044"/>
+                <a:ext cx="10394856" cy="4252320"/>
+              </a:xfrm>
+              <a:blipFill>
+                <a:blip r:embed="rId2"/>
+                <a:stretch>
+                  <a:fillRect l="-366" t="-893" r="-1099"/>
+                </a:stretch>
+              </a:blipFill>
+            </p:spPr>
+            <p:txBody>
+              <a:bodyPr/>
+              <a:lstStyle/>
+              <a:p>
+                <a:r>
+                  <a:rPr lang="en-SI">
+                    <a:noFill/>
+                  </a:rPr>
+                  <a:t> </a:t>
+                </a:r>
+              </a:p>
+            </p:txBody>
+          </p:sp>
+        </mc:Fallback>
+      </mc:AlternateContent>
+    </p:spTree>
+    <p:extLst>
+      <p:ext uri="{BB962C8B-B14F-4D97-AF65-F5344CB8AC3E}">
+        <p14:creationId xmlns:p14="http://schemas.microsoft.com/office/powerpoint/2010/main" val="1797152932"/>
+      </p:ext>
+    </p:extLst>
+  </p:cSld>
+  <p:clrMapOvr>
+    <a:masterClrMapping/>
+  </p:clrMapOvr>
+</p:sld>
+</file>
+
+<file path=ppt/slides/slide12.xml><?xml version="1.0" encoding="utf-8"?>
+<p:sld xmlns:a="http://schemas.openxmlformats.org/drawingml/2006/main" xmlns:r="http://schemas.openxmlformats.org/officeDocument/2006/relationships" xmlns:p="http://schemas.openxmlformats.org/presentationml/2006/main">
+  <p:cSld>
+    <p:spTree>
+      <p:nvGrpSpPr>
+        <p:cNvPr id="1" name=""/>
+        <p:cNvGrpSpPr/>
+        <p:nvPr/>
+      </p:nvGrpSpPr>
+      <p:grpSpPr>
+        <a:xfrm>
+          <a:off x="0" y="0"/>
+          <a:ext cx="0" cy="0"/>
+          <a:chOff x="0" y="0"/>
+          <a:chExt cx="0" cy="0"/>
+        </a:xfrm>
+      </p:grpSpPr>
+      <p:sp>
+        <p:nvSpPr>
+          <p:cNvPr id="2" name="Title 1">
+            <a:extLst>
+              <a:ext uri="{FF2B5EF4-FFF2-40B4-BE49-F238E27FC236}">
+                <a16:creationId xmlns:a16="http://schemas.microsoft.com/office/drawing/2014/main" id="{2D766DE9-D934-F8C2-2364-8D3406C387A6}"/>
+              </a:ext>
+            </a:extLst>
+          </p:cNvPr>
+          <p:cNvSpPr>
+            <a:spLocks noGrp="1"/>
+          </p:cNvSpPr>
+          <p:nvPr>
+            <p:ph type="title"/>
+          </p:nvPr>
+        </p:nvSpPr>
+        <p:spPr/>
+        <p:txBody>
+          <a:bodyPr>
+            <a:normAutofit/>
+          </a:bodyPr>
+          <a:lstStyle/>
+          <a:p>
+            <a:r>
+              <a:rPr lang="en-SI" sz="4400" dirty="0"/>
+              <a:t>Naloga 4</a:t>
+            </a:r>
+          </a:p>
+        </p:txBody>
+      </p:sp>
+      <mc:AlternateContent xmlns:mc="http://schemas.openxmlformats.org/markup-compatibility/2006">
+        <mc:Choice xmlns:a14="http://schemas.microsoft.com/office/drawing/2010/main" Requires="a14">
+          <p:sp>
+            <p:nvSpPr>
+              <p:cNvPr id="3" name="Content Placeholder 2">
+                <a:extLst>
+                  <a:ext uri="{FF2B5EF4-FFF2-40B4-BE49-F238E27FC236}">
+                    <a16:creationId xmlns:a16="http://schemas.microsoft.com/office/drawing/2014/main" id="{3996D8B6-383B-CE17-A796-63B7F5DFA4BE}"/>
+                  </a:ext>
+                </a:extLst>
+              </p:cNvPr>
+              <p:cNvSpPr>
+                <a:spLocks noGrp="1"/>
+              </p:cNvSpPr>
+              <p:nvPr>
+                <p:ph idx="1"/>
+              </p:nvPr>
+            </p:nvSpPr>
+            <p:spPr/>
+            <p:txBody>
+              <a:bodyPr/>
+              <a:lstStyle/>
+              <a:p>
+                <a:r>
+                  <a:rPr lang="sl-SI" sz="2200" dirty="0">
+                    <a:solidFill>
+                      <a:srgbClr val="1D2125"/>
+                    </a:solidFill>
+                    <a:effectLst/>
+                    <a:latin typeface="Times New Roman" panose="02020603050405020304" pitchFamily="18" charset="0"/>
+                    <a:ea typeface="Times New Roman" panose="02020603050405020304" pitchFamily="18" charset="0"/>
+                    <a:cs typeface="Times New Roman" panose="02020603050405020304" pitchFamily="18" charset="0"/>
+                  </a:rPr>
+                  <a:t>Sedaj predpostavimo, da imamo podano množico </a:t>
+                </a:r>
+                <a14:m>
+                  <m:oMath xmlns:m="http://schemas.openxmlformats.org/officeDocument/2006/math">
+                    <m:r>
+                      <a:rPr lang="sl-SI" sz="2200" i="1" dirty="0" smtClean="0">
+                        <a:solidFill>
+                          <a:srgbClr val="1D2125"/>
+                        </a:solidFill>
+                        <a:effectLst/>
+                        <a:latin typeface="Cambria Math" panose="02040503050406030204" pitchFamily="18" charset="0"/>
+                        <a:ea typeface="Times New Roman" panose="02020603050405020304" pitchFamily="18" charset="0"/>
+                        <a:cs typeface="Times New Roman" panose="02020603050405020304" pitchFamily="18" charset="0"/>
+                      </a:rPr>
+                      <m:t>𝐿</m:t>
+                    </m:r>
+                  </m:oMath>
+                </a14:m>
+                <a:r>
+                  <a:rPr lang="sl-SI" sz="2200" dirty="0">
+                    <a:solidFill>
+                      <a:srgbClr val="1D2125"/>
+                    </a:solidFill>
+                    <a:effectLst/>
+                    <a:latin typeface="Times New Roman" panose="02020603050405020304" pitchFamily="18" charset="0"/>
+                    <a:ea typeface="Times New Roman" panose="02020603050405020304" pitchFamily="18" charset="0"/>
+                    <a:cs typeface="Times New Roman" panose="02020603050405020304" pitchFamily="18" charset="0"/>
+                  </a:rPr>
+                  <a:t>, ki vsebuje n daljic. Par krajišč vsake daljice leži znotraj enotskega kroga.</a:t>
+                </a:r>
+              </a:p>
+              <a:p>
+                <a:pPr lvl="1"/>
+                <a:r>
+                  <a:rPr lang="sl-SI" sz="2000" dirty="0">
+                    <a:solidFill>
+                      <a:srgbClr val="1D2125"/>
+                    </a:solidFill>
+                    <a:effectLst/>
+                    <a:latin typeface="Times New Roman" panose="02020603050405020304" pitchFamily="18" charset="0"/>
+                    <a:ea typeface="Times New Roman" panose="02020603050405020304" pitchFamily="18" charset="0"/>
+                    <a:cs typeface="Times New Roman" panose="02020603050405020304" pitchFamily="18" charset="0"/>
+                  </a:rPr>
+                  <a:t>Opiši in analiziraj algoritem, ki izračuna največjo podmnožico množice </a:t>
+                </a:r>
+                <a14:m>
+                  <m:oMath xmlns:m="http://schemas.openxmlformats.org/officeDocument/2006/math">
+                    <m:r>
+                      <a:rPr lang="sl-SI" sz="2000" i="1" dirty="0" smtClean="0">
+                        <a:solidFill>
+                          <a:srgbClr val="1D2125"/>
+                        </a:solidFill>
+                        <a:effectLst/>
+                        <a:latin typeface="Cambria Math" panose="02040503050406030204" pitchFamily="18" charset="0"/>
+                        <a:ea typeface="Times New Roman" panose="02020603050405020304" pitchFamily="18" charset="0"/>
+                        <a:cs typeface="Times New Roman" panose="02020603050405020304" pitchFamily="18" charset="0"/>
+                      </a:rPr>
+                      <m:t>𝐿</m:t>
+                    </m:r>
+                  </m:oMath>
+                </a14:m>
+                <a:r>
+                  <a:rPr lang="sl-SI" sz="2000" dirty="0">
+                    <a:solidFill>
+                      <a:srgbClr val="1D2125"/>
+                    </a:solidFill>
+                    <a:effectLst/>
+                    <a:latin typeface="Times New Roman" panose="02020603050405020304" pitchFamily="18" charset="0"/>
+                    <a:ea typeface="Times New Roman" panose="02020603050405020304" pitchFamily="18" charset="0"/>
+                    <a:cs typeface="Times New Roman" panose="02020603050405020304" pitchFamily="18" charset="0"/>
+                  </a:rPr>
+                  <a:t>, kjer se nobeni dve daljici ne sekata.</a:t>
+                </a:r>
+                <a:endParaRPr lang="en-SI" sz="2000" dirty="0">
+                  <a:effectLst/>
+                  <a:latin typeface="Calibri" panose="020F0502020204030204" pitchFamily="34" charset="0"/>
+                  <a:ea typeface="Calibri" panose="020F0502020204030204" pitchFamily="34" charset="0"/>
+                  <a:cs typeface="Times New Roman" panose="02020603050405020304" pitchFamily="18" charset="0"/>
+                </a:endParaRPr>
+              </a:p>
+              <a:p>
+                <a:pPr lvl="1"/>
+                <a:r>
+                  <a:rPr lang="sl-SI" sz="2000" dirty="0">
+                    <a:solidFill>
+                      <a:srgbClr val="1D2125"/>
+                    </a:solidFill>
+                    <a:effectLst/>
+                    <a:latin typeface="Times New Roman" panose="02020603050405020304" pitchFamily="18" charset="0"/>
+                    <a:ea typeface="Times New Roman" panose="02020603050405020304" pitchFamily="18" charset="0"/>
+                    <a:cs typeface="Times New Roman" panose="02020603050405020304" pitchFamily="18" charset="0"/>
+                  </a:rPr>
+                  <a:t>Opiši in analiziraj algoritem, ki izračuna največjo podmnožico množice </a:t>
+                </a:r>
+                <a14:m>
+                  <m:oMath xmlns:m="http://schemas.openxmlformats.org/officeDocument/2006/math">
+                    <m:r>
+                      <a:rPr lang="sl-SI" sz="2000" i="1" dirty="0" smtClean="0">
+                        <a:solidFill>
+                          <a:srgbClr val="1D2125"/>
+                        </a:solidFill>
+                        <a:effectLst/>
+                        <a:latin typeface="Cambria Math" panose="02040503050406030204" pitchFamily="18" charset="0"/>
+                        <a:ea typeface="Times New Roman" panose="02020603050405020304" pitchFamily="18" charset="0"/>
+                        <a:cs typeface="Times New Roman" panose="02020603050405020304" pitchFamily="18" charset="0"/>
+                      </a:rPr>
+                      <m:t>𝐿</m:t>
+                    </m:r>
+                  </m:oMath>
+                </a14:m>
+                <a:r>
+                  <a:rPr lang="sl-SI" sz="2000" dirty="0">
+                    <a:solidFill>
+                      <a:srgbClr val="1D2125"/>
+                    </a:solidFill>
+                    <a:effectLst/>
+                    <a:latin typeface="Times New Roman" panose="02020603050405020304" pitchFamily="18" charset="0"/>
+                    <a:ea typeface="Times New Roman" panose="02020603050405020304" pitchFamily="18" charset="0"/>
+                    <a:cs typeface="Times New Roman" panose="02020603050405020304" pitchFamily="18" charset="0"/>
+                  </a:rPr>
+                  <a:t>, kjer se vsi pari daljic med seboj sekajo.</a:t>
+                </a:r>
+                <a:endParaRPr lang="en-SI" sz="2000" dirty="0">
+                  <a:effectLst/>
+                  <a:latin typeface="Calibri" panose="020F0502020204030204" pitchFamily="34" charset="0"/>
+                  <a:ea typeface="Calibri" panose="020F0502020204030204" pitchFamily="34" charset="0"/>
+                  <a:cs typeface="Times New Roman" panose="02020603050405020304" pitchFamily="18" charset="0"/>
+                </a:endParaRPr>
+              </a:p>
+              <a:p>
+                <a:pPr lvl="1"/>
+                <a:endParaRPr lang="en-SI" sz="2000" dirty="0">
+                  <a:effectLst/>
+                  <a:latin typeface="Calibri" panose="020F0502020204030204" pitchFamily="34" charset="0"/>
+                  <a:ea typeface="Calibri" panose="020F0502020204030204" pitchFamily="34" charset="0"/>
+                  <a:cs typeface="Times New Roman" panose="02020603050405020304" pitchFamily="18" charset="0"/>
+                </a:endParaRPr>
+              </a:p>
+              <a:p>
+                <a:endParaRPr lang="en-SI" dirty="0"/>
+              </a:p>
+            </p:txBody>
+          </p:sp>
+        </mc:Choice>
+        <mc:Fallback>
+          <p:sp>
+            <p:nvSpPr>
+              <p:cNvPr id="3" name="Content Placeholder 2">
+                <a:extLst>
+                  <a:ext uri="{FF2B5EF4-FFF2-40B4-BE49-F238E27FC236}">
+                    <a16:creationId xmlns:a16="http://schemas.microsoft.com/office/drawing/2014/main" id="{3996D8B6-383B-CE17-A796-63B7F5DFA4BE}"/>
+                  </a:ext>
+                </a:extLst>
+              </p:cNvPr>
+              <p:cNvSpPr>
+                <a:spLocks noGrp="1" noRot="1" noChangeAspect="1" noMove="1" noResize="1" noEditPoints="1" noAdjustHandles="1" noChangeArrowheads="1" noChangeShapeType="1" noTextEdit="1"/>
+              </p:cNvSpPr>
+              <p:nvPr>
+                <p:ph idx="1"/>
+              </p:nvPr>
+            </p:nvSpPr>
+            <p:spPr>
+              <a:blipFill>
+                <a:blip r:embed="rId2"/>
+                <a:stretch>
+                  <a:fillRect l="-442" t="-651" r="-885"/>
+                </a:stretch>
+              </a:blipFill>
+            </p:spPr>
+            <p:txBody>
+              <a:bodyPr/>
+              <a:lstStyle/>
+              <a:p>
+                <a:r>
+                  <a:rPr lang="en-SI">
+                    <a:noFill/>
+                  </a:rPr>
+                  <a:t> </a:t>
+                </a:r>
+              </a:p>
+            </p:txBody>
+          </p:sp>
+        </mc:Fallback>
+      </mc:AlternateContent>
+    </p:spTree>
+    <p:extLst>
+      <p:ext uri="{BB962C8B-B14F-4D97-AF65-F5344CB8AC3E}">
+        <p14:creationId xmlns:p14="http://schemas.microsoft.com/office/powerpoint/2010/main" val="2532994519"/>
+      </p:ext>
+    </p:extLst>
+  </p:cSld>
+  <p:clrMapOvr>
+    <a:masterClrMapping/>
+  </p:clrMapOvr>
+</p:sld>
+</file>
+
 <file path=ppt/slides/slide2.xml><?xml version="1.0" encoding="utf-8"?>
 <p:sld xmlns:a="http://schemas.openxmlformats.org/drawingml/2006/main" xmlns:r="http://schemas.openxmlformats.org/officeDocument/2006/relationships" xmlns:p="http://schemas.openxmlformats.org/presentationml/2006/main">
   <p:cSld>
@@ -6453,8 +7080,8 @@
           </a:p>
         </p:txBody>
       </p:sp>
-      <mc:AlternateContent xmlns:mc="http://schemas.openxmlformats.org/markup-compatibility/2006">
-        <mc:Choice xmlns:a14="http://schemas.microsoft.com/office/drawing/2010/main" Requires="a14">
+      <mc:AlternateContent xmlns:mc="http://schemas.openxmlformats.org/markup-compatibility/2006" xmlns:a14="http://schemas.microsoft.com/office/drawing/2010/main">
+        <mc:Choice Requires="a14">
           <p:sp>
             <p:nvSpPr>
               <p:cNvPr id="3" name="Označba mesta vsebine 2">
@@ -6612,7 +7239,7 @@
             </p:txBody>
           </p:sp>
         </mc:Choice>
-        <mc:Fallback>
+        <mc:Fallback xmlns="">
           <p:sp>
             <p:nvSpPr>
               <p:cNvPr id="3" name="Označba mesta vsebine 2">
@@ -6720,8 +7347,8 @@
           </a:p>
         </p:txBody>
       </p:sp>
-      <mc:AlternateContent xmlns:mc="http://schemas.openxmlformats.org/markup-compatibility/2006">
-        <mc:Choice xmlns:a14="http://schemas.microsoft.com/office/drawing/2010/main" Requires="a14">
+      <mc:AlternateContent xmlns:mc="http://schemas.openxmlformats.org/markup-compatibility/2006" xmlns:a14="http://schemas.microsoft.com/office/drawing/2010/main">
+        <mc:Choice Requires="a14">
           <p:sp>
             <p:nvSpPr>
               <p:cNvPr id="3" name="Označba mesta vsebine 2">
@@ -7029,7 +7656,7 @@
             </p:txBody>
           </p:sp>
         </mc:Choice>
-        <mc:Fallback>
+        <mc:Fallback xmlns="">
           <p:sp>
             <p:nvSpPr>
               <p:cNvPr id="3" name="Označba mesta vsebine 2">
@@ -7133,8 +7760,8 @@
           </a:p>
         </p:txBody>
       </p:sp>
-      <mc:AlternateContent xmlns:mc="http://schemas.openxmlformats.org/markup-compatibility/2006">
-        <mc:Choice xmlns:a14="http://schemas.microsoft.com/office/drawing/2010/main" Requires="a14">
+      <mc:AlternateContent xmlns:mc="http://schemas.openxmlformats.org/markup-compatibility/2006" xmlns:a14="http://schemas.microsoft.com/office/drawing/2010/main">
+        <mc:Choice Requires="a14">
           <p:sp>
             <p:nvSpPr>
               <p:cNvPr id="3" name="Označba mesta vsebine 2">
@@ -7357,7 +7984,7 @@
             </p:txBody>
           </p:sp>
         </mc:Choice>
-        <mc:Fallback>
+        <mc:Fallback xmlns="">
           <p:sp>
             <p:nvSpPr>
               <p:cNvPr id="3" name="Označba mesta vsebine 2">
@@ -7619,13 +8246,10 @@
                 <a14:m>
                   <m:oMath xmlns:m="http://schemas.openxmlformats.org/officeDocument/2006/math">
                     <m:r>
-                      <m:rPr>
-                        <m:sty m:val="p"/>
-                      </m:rPr>
                       <a:rPr lang="sl-SI" sz="2000" b="1" i="1" dirty="0" smtClean="0">
                         <a:latin typeface="Cambria Math" panose="02040503050406030204" pitchFamily="18" charset="0"/>
                       </a:rPr>
-                      <m:t>max</m:t>
+                      <m:t>𝒎𝒂𝒙</m:t>
                     </m:r>
                     <m:r>
                       <a:rPr lang="sl-SI" sz="2000" b="1" i="1" dirty="0" smtClean="0">
@@ -7813,13 +8437,7 @@
                       <a:rPr lang="sl-SI" sz="2000" b="1" i="1" dirty="0" smtClean="0">
                         <a:latin typeface="Cambria Math" panose="02040503050406030204" pitchFamily="18" charset="0"/>
                       </a:rPr>
-                      <m:t>𝒎𝒂</m:t>
-                    </m:r>
-                    <m:r>
-                      <a:rPr lang="sl-SI" sz="2000" b="1" i="1" dirty="0">
-                        <a:latin typeface="Cambria Math" panose="02040503050406030204" pitchFamily="18" charset="0"/>
-                      </a:rPr>
-                      <m:t>𝒙</m:t>
+                      <m:t>𝒎𝒂𝒙</m:t>
                     </m:r>
                     <m:r>
                       <a:rPr lang="sl-SI" sz="2000" b="1" i="1" dirty="0" smtClean="0">
@@ -8334,7 +8952,7 @@
               <a:blipFill>
                 <a:blip r:embed="rId2"/>
                 <a:stretch>
-                  <a:fillRect l="-284" t="-786" b="-262"/>
+                  <a:fillRect l="-295" t="-545" b="-1090"/>
                 </a:stretch>
               </a:blipFill>
             </p:spPr>
@@ -8343,7 +8961,7 @@
               <a:lstStyle/>
               <a:p>
                 <a:r>
-                  <a:rPr lang="sl-SI">
+                  <a:rPr lang="en-SI">
                     <a:noFill/>
                   </a:rPr>
                   <a:t> </a:t>
@@ -8555,7 +9173,7 @@
               <a:blipFill>
                 <a:blip r:embed="rId2"/>
                 <a:stretch>
-                  <a:fillRect l="-426" t="-1216" r="-1844"/>
+                  <a:fillRect l="-442" t="-946" r="-1770"/>
                 </a:stretch>
               </a:blipFill>
             </p:spPr>
@@ -8564,7 +9182,998 @@
               <a:lstStyle/>
               <a:p>
                 <a:r>
-                  <a:rPr lang="sl-SI">
+                  <a:rPr lang="en-SI">
+                    <a:noFill/>
+                  </a:rPr>
+                  <a:t> </a:t>
+                </a:r>
+              </a:p>
+            </p:txBody>
+          </p:sp>
+        </mc:Fallback>
+      </mc:AlternateContent>
+      <mc:AlternateContent xmlns:mc="http://schemas.openxmlformats.org/markup-compatibility/2006">
+        <mc:Choice xmlns:a14="http://schemas.microsoft.com/office/drawing/2010/main" Requires="a14">
+          <p:sp>
+            <p:nvSpPr>
+              <p:cNvPr id="4" name="Rectangle 3">
+                <a:extLst>
+                  <a:ext uri="{FF2B5EF4-FFF2-40B4-BE49-F238E27FC236}">
+                    <a16:creationId xmlns:a16="http://schemas.microsoft.com/office/drawing/2014/main" id="{986AB458-AE05-CC8E-BCCE-59A61646C0AE}"/>
+                  </a:ext>
+                </a:extLst>
+              </p:cNvPr>
+              <p:cNvSpPr/>
+              <p:nvPr/>
+            </p:nvSpPr>
+            <p:spPr>
+              <a:xfrm>
+                <a:off x="7782340" y="854765"/>
+                <a:ext cx="4224130" cy="1620079"/>
+              </a:xfrm>
+              <a:prstGeom prst="rect">
+                <a:avLst/>
+              </a:prstGeom>
+            </p:spPr>
+            <p:style>
+              <a:lnRef idx="2">
+                <a:schemeClr val="accent1">
+                  <a:shade val="50000"/>
+                </a:schemeClr>
+              </a:lnRef>
+              <a:fillRef idx="1">
+                <a:schemeClr val="accent1"/>
+              </a:fillRef>
+              <a:effectRef idx="0">
+                <a:schemeClr val="accent1"/>
+              </a:effectRef>
+              <a:fontRef idx="minor">
+                <a:schemeClr val="lt1"/>
+              </a:fontRef>
+            </p:style>
+            <p:txBody>
+              <a:bodyPr rtlCol="0" anchor="ctr"/>
+              <a:lstStyle/>
+              <a:p>
+                <a:pPr marL="285750" indent="-285750" algn="ctr">
+                  <a:buFont typeface="Arial" panose="020B0604020202020204" pitchFamily="34" charset="0"/>
+                  <a:buChar char="•"/>
+                </a:pPr>
+                <a14:m>
+                  <m:oMath xmlns:m="http://schemas.openxmlformats.org/officeDocument/2006/math">
+                    <m:r>
+                      <a:rPr lang="sl-SI" sz="1600" b="1" i="1" smtClean="0">
+                        <a:solidFill>
+                          <a:schemeClr val="tx1"/>
+                        </a:solidFill>
+                        <a:latin typeface="Cambria Math" panose="02040503050406030204" pitchFamily="18" charset="0"/>
+                      </a:rPr>
+                      <m:t>𝟏</m:t>
+                    </m:r>
+                    <m:r>
+                      <a:rPr lang="sl-SI" sz="1600" b="1" i="1" smtClean="0">
+                        <a:solidFill>
+                          <a:schemeClr val="tx1"/>
+                        </a:solidFill>
+                        <a:latin typeface="Cambria Math" panose="02040503050406030204" pitchFamily="18" charset="0"/>
+                        <a:ea typeface="Cambria Math" panose="02040503050406030204" pitchFamily="18" charset="0"/>
+                      </a:rPr>
+                      <m:t>≤</m:t>
+                    </m:r>
+                    <m:r>
+                      <a:rPr lang="sl-SI" sz="1600" b="1" i="1" smtClean="0">
+                        <a:solidFill>
+                          <a:schemeClr val="tx1"/>
+                        </a:solidFill>
+                        <a:latin typeface="Cambria Math" panose="02040503050406030204" pitchFamily="18" charset="0"/>
+                        <a:ea typeface="Cambria Math" panose="02040503050406030204" pitchFamily="18" charset="0"/>
+                      </a:rPr>
+                      <m:t>𝑰</m:t>
+                    </m:r>
+                    <m:d>
+                      <m:dPr>
+                        <m:begChr m:val="["/>
+                        <m:endChr m:val="]"/>
+                        <m:ctrlPr>
+                          <a:rPr lang="sl-SI" sz="1600" b="1" i="1" smtClean="0">
+                            <a:solidFill>
+                              <a:schemeClr val="tx1"/>
+                            </a:solidFill>
+                            <a:latin typeface="Cambria Math" panose="02040503050406030204" pitchFamily="18" charset="0"/>
+                            <a:ea typeface="Cambria Math" panose="02040503050406030204" pitchFamily="18" charset="0"/>
+                          </a:rPr>
+                        </m:ctrlPr>
+                      </m:dPr>
+                      <m:e>
+                        <m:r>
+                          <a:rPr lang="sl-SI" sz="1600" b="1" i="1" smtClean="0">
+                            <a:solidFill>
+                              <a:schemeClr val="tx1"/>
+                            </a:solidFill>
+                            <a:latin typeface="Cambria Math" panose="02040503050406030204" pitchFamily="18" charset="0"/>
+                            <a:ea typeface="Cambria Math" panose="02040503050406030204" pitchFamily="18" charset="0"/>
+                          </a:rPr>
+                          <m:t>𝒋</m:t>
+                        </m:r>
+                      </m:e>
+                    </m:d>
+                    <m:r>
+                      <a:rPr lang="sl-SI" sz="1600" b="1" i="1" smtClean="0">
+                        <a:solidFill>
+                          <a:schemeClr val="tx1"/>
+                        </a:solidFill>
+                        <a:latin typeface="Cambria Math" panose="02040503050406030204" pitchFamily="18" charset="0"/>
+                        <a:ea typeface="Cambria Math" panose="02040503050406030204" pitchFamily="18" charset="0"/>
+                      </a:rPr>
+                      <m:t>≤</m:t>
+                    </m:r>
+                    <m:r>
+                      <a:rPr lang="sl-SI" sz="1600" b="1" i="1" smtClean="0">
+                        <a:solidFill>
+                          <a:schemeClr val="tx1"/>
+                        </a:solidFill>
+                        <a:latin typeface="Cambria Math" panose="02040503050406030204" pitchFamily="18" charset="0"/>
+                        <a:ea typeface="Cambria Math" panose="02040503050406030204" pitchFamily="18" charset="0"/>
+                      </a:rPr>
+                      <m:t>𝒏</m:t>
+                    </m:r>
+                    <m:r>
+                      <a:rPr lang="sl-SI" sz="1600" b="1" i="1" smtClean="0">
+                        <a:solidFill>
+                          <a:schemeClr val="tx1"/>
+                        </a:solidFill>
+                        <a:latin typeface="Cambria Math" panose="02040503050406030204" pitchFamily="18" charset="0"/>
+                        <a:ea typeface="Cambria Math" panose="02040503050406030204" pitchFamily="18" charset="0"/>
+                      </a:rPr>
+                      <m:t> </m:t>
+                    </m:r>
+                    <m:r>
+                      <a:rPr lang="sl-SI" sz="1600" b="1" i="1" smtClean="0">
+                        <a:solidFill>
+                          <a:schemeClr val="tx1"/>
+                        </a:solidFill>
+                        <a:latin typeface="Cambria Math" panose="02040503050406030204" pitchFamily="18" charset="0"/>
+                        <a:ea typeface="Cambria Math" panose="02040503050406030204" pitchFamily="18" charset="0"/>
+                      </a:rPr>
+                      <m:t>𝒛𝒂</m:t>
+                    </m:r>
+                    <m:r>
+                      <a:rPr lang="sl-SI" sz="1600" b="1" i="1" smtClean="0">
+                        <a:solidFill>
+                          <a:schemeClr val="tx1"/>
+                        </a:solidFill>
+                        <a:latin typeface="Cambria Math" panose="02040503050406030204" pitchFamily="18" charset="0"/>
+                        <a:ea typeface="Cambria Math" panose="02040503050406030204" pitchFamily="18" charset="0"/>
+                      </a:rPr>
+                      <m:t> </m:t>
+                    </m:r>
+                    <m:r>
+                      <a:rPr lang="sl-SI" sz="1600" b="1" i="1" smtClean="0">
+                        <a:solidFill>
+                          <a:schemeClr val="tx1"/>
+                        </a:solidFill>
+                        <a:latin typeface="Cambria Math" panose="02040503050406030204" pitchFamily="18" charset="0"/>
+                        <a:ea typeface="Cambria Math" panose="02040503050406030204" pitchFamily="18" charset="0"/>
+                      </a:rPr>
+                      <m:t>𝒗𝒔𝒆</m:t>
+                    </m:r>
+                    <m:r>
+                      <a:rPr lang="sl-SI" sz="1600" b="1" i="1" smtClean="0">
+                        <a:solidFill>
+                          <a:schemeClr val="tx1"/>
+                        </a:solidFill>
+                        <a:latin typeface="Cambria Math" panose="02040503050406030204" pitchFamily="18" charset="0"/>
+                        <a:ea typeface="Cambria Math" panose="02040503050406030204" pitchFamily="18" charset="0"/>
+                      </a:rPr>
+                      <m:t> </m:t>
+                    </m:r>
+                    <m:r>
+                      <a:rPr lang="sl-SI" sz="1600" b="1" i="1" smtClean="0">
+                        <a:solidFill>
+                          <a:schemeClr val="tx1"/>
+                        </a:solidFill>
+                        <a:latin typeface="Cambria Math" panose="02040503050406030204" pitchFamily="18" charset="0"/>
+                        <a:ea typeface="Cambria Math" panose="02040503050406030204" pitchFamily="18" charset="0"/>
+                      </a:rPr>
+                      <m:t>𝒋</m:t>
+                    </m:r>
+                  </m:oMath>
+                </a14:m>
+                <a:endParaRPr lang="sl-SI" sz="1600" b="1" dirty="0">
+                  <a:solidFill>
+                    <a:schemeClr val="tx1"/>
+                  </a:solidFill>
+                  <a:ea typeface="Cambria Math" panose="02040503050406030204" pitchFamily="18" charset="0"/>
+                </a:endParaRPr>
+              </a:p>
+              <a:p>
+                <a:pPr marL="285750" indent="-285750" algn="ctr">
+                  <a:buFont typeface="Arial" panose="020B0604020202020204" pitchFamily="34" charset="0"/>
+                  <a:buChar char="•"/>
+                </a:pPr>
+                <a14:m>
+                  <m:oMath xmlns:m="http://schemas.openxmlformats.org/officeDocument/2006/math">
+                    <m:r>
+                      <a:rPr lang="sl-SI" sz="1600" b="1" i="1" smtClean="0">
+                        <a:solidFill>
+                          <a:schemeClr val="tx1"/>
+                        </a:solidFill>
+                        <a:latin typeface="Cambria Math" panose="02040503050406030204" pitchFamily="18" charset="0"/>
+                      </a:rPr>
+                      <m:t>𝑨</m:t>
+                    </m:r>
+                    <m:d>
+                      <m:dPr>
+                        <m:begChr m:val="["/>
+                        <m:endChr m:val="]"/>
+                        <m:ctrlPr>
+                          <a:rPr lang="sl-SI" sz="1600" b="1" i="1" smtClean="0">
+                            <a:solidFill>
+                              <a:schemeClr val="tx1"/>
+                            </a:solidFill>
+                            <a:latin typeface="Cambria Math" panose="02040503050406030204" pitchFamily="18" charset="0"/>
+                          </a:rPr>
+                        </m:ctrlPr>
+                      </m:dPr>
+                      <m:e>
+                        <m:r>
+                          <a:rPr lang="sl-SI" sz="1600" b="1" i="1" smtClean="0">
+                            <a:solidFill>
+                              <a:schemeClr val="tx1"/>
+                            </a:solidFill>
+                            <a:latin typeface="Cambria Math" panose="02040503050406030204" pitchFamily="18" charset="0"/>
+                          </a:rPr>
+                          <m:t>𝑰</m:t>
+                        </m:r>
+                        <m:d>
+                          <m:dPr>
+                            <m:begChr m:val="["/>
+                            <m:endChr m:val="]"/>
+                            <m:ctrlPr>
+                              <a:rPr lang="sl-SI" sz="1600" b="1" i="1" smtClean="0">
+                                <a:solidFill>
+                                  <a:schemeClr val="tx1"/>
+                                </a:solidFill>
+                                <a:latin typeface="Cambria Math" panose="02040503050406030204" pitchFamily="18" charset="0"/>
+                              </a:rPr>
+                            </m:ctrlPr>
+                          </m:dPr>
+                          <m:e>
+                            <m:r>
+                              <a:rPr lang="sl-SI" sz="1600" b="1" i="1" smtClean="0">
+                                <a:solidFill>
+                                  <a:schemeClr val="tx1"/>
+                                </a:solidFill>
+                                <a:latin typeface="Cambria Math" panose="02040503050406030204" pitchFamily="18" charset="0"/>
+                              </a:rPr>
+                              <m:t>𝒋</m:t>
+                            </m:r>
+                          </m:e>
+                        </m:d>
+                      </m:e>
+                    </m:d>
+                    <m:r>
+                      <a:rPr lang="sl-SI" sz="1600" b="1" i="1">
+                        <a:solidFill>
+                          <a:schemeClr val="tx1"/>
+                        </a:solidFill>
+                        <a:latin typeface="Cambria Math" panose="02040503050406030204" pitchFamily="18" charset="0"/>
+                        <a:ea typeface="Cambria Math" panose="02040503050406030204" pitchFamily="18" charset="0"/>
+                      </a:rPr>
+                      <m:t>&lt;</m:t>
+                    </m:r>
+                    <m:r>
+                      <a:rPr lang="sl-SI" sz="1600" b="1" i="1" smtClean="0">
+                        <a:solidFill>
+                          <a:schemeClr val="tx1"/>
+                        </a:solidFill>
+                        <a:latin typeface="Cambria Math" panose="02040503050406030204" pitchFamily="18" charset="0"/>
+                        <a:ea typeface="Cambria Math" panose="02040503050406030204" pitchFamily="18" charset="0"/>
+                      </a:rPr>
+                      <m:t>𝑨</m:t>
+                    </m:r>
+                    <m:d>
+                      <m:dPr>
+                        <m:begChr m:val="["/>
+                        <m:endChr m:val="]"/>
+                        <m:ctrlPr>
+                          <a:rPr lang="sl-SI" sz="1600" b="1" i="1" smtClean="0">
+                            <a:solidFill>
+                              <a:schemeClr val="tx1"/>
+                            </a:solidFill>
+                            <a:latin typeface="Cambria Math" panose="02040503050406030204" pitchFamily="18" charset="0"/>
+                            <a:ea typeface="Cambria Math" panose="02040503050406030204" pitchFamily="18" charset="0"/>
+                          </a:rPr>
+                        </m:ctrlPr>
+                      </m:dPr>
+                      <m:e>
+                        <m:r>
+                          <a:rPr lang="sl-SI" sz="1600" b="1" i="1" smtClean="0">
+                            <a:solidFill>
+                              <a:schemeClr val="tx1"/>
+                            </a:solidFill>
+                            <a:latin typeface="Cambria Math" panose="02040503050406030204" pitchFamily="18" charset="0"/>
+                            <a:ea typeface="Cambria Math" panose="02040503050406030204" pitchFamily="18" charset="0"/>
+                          </a:rPr>
+                          <m:t>𝑰</m:t>
+                        </m:r>
+                        <m:d>
+                          <m:dPr>
+                            <m:begChr m:val="["/>
+                            <m:endChr m:val="]"/>
+                            <m:ctrlPr>
+                              <a:rPr lang="sl-SI" sz="1600" b="1" i="1" smtClean="0">
+                                <a:solidFill>
+                                  <a:schemeClr val="tx1"/>
+                                </a:solidFill>
+                                <a:latin typeface="Cambria Math" panose="02040503050406030204" pitchFamily="18" charset="0"/>
+                                <a:ea typeface="Cambria Math" panose="02040503050406030204" pitchFamily="18" charset="0"/>
+                              </a:rPr>
+                            </m:ctrlPr>
+                          </m:dPr>
+                          <m:e>
+                            <m:r>
+                              <a:rPr lang="sl-SI" sz="1600" b="1" i="1" smtClean="0">
+                                <a:solidFill>
+                                  <a:schemeClr val="tx1"/>
+                                </a:solidFill>
+                                <a:latin typeface="Cambria Math" panose="02040503050406030204" pitchFamily="18" charset="0"/>
+                                <a:ea typeface="Cambria Math" panose="02040503050406030204" pitchFamily="18" charset="0"/>
+                              </a:rPr>
+                              <m:t>𝒋</m:t>
+                            </m:r>
+                            <m:r>
+                              <a:rPr lang="sl-SI" sz="1600" b="1" i="1" smtClean="0">
+                                <a:solidFill>
+                                  <a:schemeClr val="tx1"/>
+                                </a:solidFill>
+                                <a:latin typeface="Cambria Math" panose="02040503050406030204" pitchFamily="18" charset="0"/>
+                                <a:ea typeface="Cambria Math" panose="02040503050406030204" pitchFamily="18" charset="0"/>
+                              </a:rPr>
+                              <m:t>+</m:t>
+                            </m:r>
+                            <m:r>
+                              <a:rPr lang="sl-SI" sz="1600" b="1" i="1" smtClean="0">
+                                <a:solidFill>
+                                  <a:schemeClr val="tx1"/>
+                                </a:solidFill>
+                                <a:latin typeface="Cambria Math" panose="02040503050406030204" pitchFamily="18" charset="0"/>
+                                <a:ea typeface="Cambria Math" panose="02040503050406030204" pitchFamily="18" charset="0"/>
+                              </a:rPr>
+                              <m:t>𝟏</m:t>
+                            </m:r>
+                          </m:e>
+                        </m:d>
+                      </m:e>
+                    </m:d>
+                    <m:r>
+                      <a:rPr lang="sl-SI" sz="1600" b="1" i="1" smtClean="0">
+                        <a:solidFill>
+                          <a:schemeClr val="tx1"/>
+                        </a:solidFill>
+                        <a:latin typeface="Cambria Math" panose="02040503050406030204" pitchFamily="18" charset="0"/>
+                        <a:ea typeface="Cambria Math" panose="02040503050406030204" pitchFamily="18" charset="0"/>
+                      </a:rPr>
+                      <m:t> </m:t>
+                    </m:r>
+                    <m:r>
+                      <a:rPr lang="sl-SI" sz="1600" b="1" i="1" smtClean="0">
+                        <a:solidFill>
+                          <a:schemeClr val="tx1"/>
+                        </a:solidFill>
+                        <a:latin typeface="Cambria Math" panose="02040503050406030204" pitchFamily="18" charset="0"/>
+                        <a:ea typeface="Cambria Math" panose="02040503050406030204" pitchFamily="18" charset="0"/>
+                      </a:rPr>
+                      <m:t>𝒛𝒂</m:t>
+                    </m:r>
+                    <m:r>
+                      <a:rPr lang="sl-SI" sz="1600" b="1" i="1" smtClean="0">
+                        <a:solidFill>
+                          <a:schemeClr val="tx1"/>
+                        </a:solidFill>
+                        <a:latin typeface="Cambria Math" panose="02040503050406030204" pitchFamily="18" charset="0"/>
+                        <a:ea typeface="Cambria Math" panose="02040503050406030204" pitchFamily="18" charset="0"/>
+                      </a:rPr>
+                      <m:t> </m:t>
+                    </m:r>
+                    <m:r>
+                      <a:rPr lang="sl-SI" sz="1600" b="1" i="1" smtClean="0">
+                        <a:solidFill>
+                          <a:schemeClr val="tx1"/>
+                        </a:solidFill>
+                        <a:latin typeface="Cambria Math" panose="02040503050406030204" pitchFamily="18" charset="0"/>
+                        <a:ea typeface="Cambria Math" panose="02040503050406030204" pitchFamily="18" charset="0"/>
+                      </a:rPr>
+                      <m:t>𝒗𝒔𝒆</m:t>
+                    </m:r>
+                    <m:r>
+                      <a:rPr lang="sl-SI" sz="1600" b="1" i="1" smtClean="0">
+                        <a:solidFill>
+                          <a:schemeClr val="tx1"/>
+                        </a:solidFill>
+                        <a:latin typeface="Cambria Math" panose="02040503050406030204" pitchFamily="18" charset="0"/>
+                        <a:ea typeface="Cambria Math" panose="02040503050406030204" pitchFamily="18" charset="0"/>
+                      </a:rPr>
+                      <m:t> </m:t>
+                    </m:r>
+                    <m:r>
+                      <a:rPr lang="sl-SI" sz="1600" b="1" i="1" smtClean="0">
+                        <a:solidFill>
+                          <a:schemeClr val="tx1"/>
+                        </a:solidFill>
+                        <a:latin typeface="Cambria Math" panose="02040503050406030204" pitchFamily="18" charset="0"/>
+                        <a:ea typeface="Cambria Math" panose="02040503050406030204" pitchFamily="18" charset="0"/>
+                      </a:rPr>
+                      <m:t>𝒋</m:t>
+                    </m:r>
+                    <m:r>
+                      <a:rPr lang="sl-SI" sz="1600" b="1" i="1" smtClean="0">
+                        <a:solidFill>
+                          <a:schemeClr val="tx1"/>
+                        </a:solidFill>
+                        <a:latin typeface="Cambria Math" panose="02040503050406030204" pitchFamily="18" charset="0"/>
+                        <a:ea typeface="Cambria Math" panose="02040503050406030204" pitchFamily="18" charset="0"/>
+                      </a:rPr>
+                      <m:t> &lt;</m:t>
+                    </m:r>
+                    <m:r>
+                      <a:rPr lang="sl-SI" sz="1600" b="1" i="1" smtClean="0">
+                        <a:solidFill>
+                          <a:schemeClr val="tx1"/>
+                        </a:solidFill>
+                        <a:latin typeface="Cambria Math" panose="02040503050406030204" pitchFamily="18" charset="0"/>
+                        <a:ea typeface="Cambria Math" panose="02040503050406030204" pitchFamily="18" charset="0"/>
+                      </a:rPr>
+                      <m:t>𝒍</m:t>
+                    </m:r>
+                  </m:oMath>
+                </a14:m>
+                <a:endParaRPr lang="sl-SI" sz="1600" b="1" dirty="0">
+                  <a:solidFill>
+                    <a:schemeClr val="tx1"/>
+                  </a:solidFill>
+                  <a:ea typeface="Cambria Math" panose="02040503050406030204" pitchFamily="18" charset="0"/>
+                </a:endParaRPr>
+              </a:p>
+              <a:p>
+                <a:pPr marL="285750" indent="-285750" algn="ctr">
+                  <a:buFont typeface="Arial" panose="020B0604020202020204" pitchFamily="34" charset="0"/>
+                  <a:buChar char="•"/>
+                </a:pPr>
+                <a14:m>
+                  <m:oMath xmlns:m="http://schemas.openxmlformats.org/officeDocument/2006/math">
+                    <m:r>
+                      <a:rPr lang="sl-SI" sz="1600" b="1" i="1" smtClean="0">
+                        <a:solidFill>
+                          <a:schemeClr val="tx1"/>
+                        </a:solidFill>
+                        <a:latin typeface="Cambria Math" panose="02040503050406030204" pitchFamily="18" charset="0"/>
+                      </a:rPr>
+                      <m:t>Č</m:t>
+                    </m:r>
+                    <m:r>
+                      <a:rPr lang="sl-SI" sz="1600" b="1" i="1" smtClean="0">
+                        <a:solidFill>
+                          <a:schemeClr val="tx1"/>
+                        </a:solidFill>
+                        <a:latin typeface="Cambria Math" panose="02040503050406030204" pitchFamily="18" charset="0"/>
+                      </a:rPr>
+                      <m:t>𝒆</m:t>
+                    </m:r>
+                    <m:r>
+                      <a:rPr lang="sl-SI" sz="1600" b="1" i="1" smtClean="0">
+                        <a:solidFill>
+                          <a:schemeClr val="tx1"/>
+                        </a:solidFill>
+                        <a:latin typeface="Cambria Math" panose="02040503050406030204" pitchFamily="18" charset="0"/>
+                      </a:rPr>
+                      <m:t> </m:t>
+                    </m:r>
+                    <m:r>
+                      <a:rPr lang="sl-SI" sz="1600" b="1" i="1" smtClean="0">
+                        <a:solidFill>
+                          <a:schemeClr val="tx1"/>
+                        </a:solidFill>
+                        <a:latin typeface="Cambria Math" panose="02040503050406030204" pitchFamily="18" charset="0"/>
+                      </a:rPr>
+                      <m:t>𝑰</m:t>
+                    </m:r>
+                    <m:d>
+                      <m:dPr>
+                        <m:begChr m:val="["/>
+                        <m:endChr m:val="]"/>
+                        <m:ctrlPr>
+                          <a:rPr lang="sl-SI" sz="1600" b="1" i="1" smtClean="0">
+                            <a:solidFill>
+                              <a:schemeClr val="tx1"/>
+                            </a:solidFill>
+                            <a:latin typeface="Cambria Math" panose="02040503050406030204" pitchFamily="18" charset="0"/>
+                          </a:rPr>
+                        </m:ctrlPr>
+                      </m:dPr>
+                      <m:e>
+                        <m:r>
+                          <a:rPr lang="sl-SI" sz="1600" b="1" i="1" smtClean="0">
+                            <a:solidFill>
+                              <a:schemeClr val="tx1"/>
+                            </a:solidFill>
+                            <a:latin typeface="Cambria Math" panose="02040503050406030204" pitchFamily="18" charset="0"/>
+                          </a:rPr>
+                          <m:t>𝒋</m:t>
+                        </m:r>
+                      </m:e>
+                    </m:d>
+                    <m:r>
+                      <a:rPr lang="sl-SI" sz="1600" b="1" i="1" smtClean="0">
+                        <a:solidFill>
+                          <a:schemeClr val="tx1"/>
+                        </a:solidFill>
+                        <a:latin typeface="Cambria Math" panose="02040503050406030204" pitchFamily="18" charset="0"/>
+                      </a:rPr>
+                      <m:t> </m:t>
+                    </m:r>
+                    <m:r>
+                      <a:rPr lang="sl-SI" sz="1600" b="1" i="1" smtClean="0">
+                        <a:solidFill>
+                          <a:schemeClr val="tx1"/>
+                        </a:solidFill>
+                        <a:latin typeface="Cambria Math" panose="02040503050406030204" pitchFamily="18" charset="0"/>
+                      </a:rPr>
+                      <m:t>𝒋𝒆</m:t>
+                    </m:r>
+                    <m:r>
+                      <a:rPr lang="sl-SI" sz="1600" b="1" i="1" smtClean="0">
+                        <a:solidFill>
+                          <a:schemeClr val="tx1"/>
+                        </a:solidFill>
+                        <a:latin typeface="Cambria Math" panose="02040503050406030204" pitchFamily="18" charset="0"/>
+                      </a:rPr>
+                      <m:t> </m:t>
+                    </m:r>
+                    <m:r>
+                      <a:rPr lang="sl-SI" sz="1600" b="1" i="1" smtClean="0">
+                        <a:solidFill>
+                          <a:schemeClr val="tx1"/>
+                        </a:solidFill>
+                        <a:latin typeface="Cambria Math" panose="02040503050406030204" pitchFamily="18" charset="0"/>
+                      </a:rPr>
+                      <m:t>𝒔𝒐𝒅</m:t>
+                    </m:r>
+                    <m:r>
+                      <a:rPr lang="sl-SI" sz="1600" b="1" i="1" smtClean="0">
+                        <a:solidFill>
+                          <a:schemeClr val="tx1"/>
+                        </a:solidFill>
+                        <a:latin typeface="Cambria Math" panose="02040503050406030204" pitchFamily="18" charset="0"/>
+                      </a:rPr>
+                      <m:t>, </m:t>
+                    </m:r>
+                    <m:r>
+                      <a:rPr lang="sl-SI" sz="1600" b="1" i="1" smtClean="0">
+                        <a:solidFill>
+                          <a:schemeClr val="tx1"/>
+                        </a:solidFill>
+                        <a:latin typeface="Cambria Math" panose="02040503050406030204" pitchFamily="18" charset="0"/>
+                      </a:rPr>
+                      <m:t>𝒑𝒐𝒕𝒆𝒎</m:t>
+                    </m:r>
+                    <m:r>
+                      <a:rPr lang="sl-SI" sz="1600" b="1" i="1" smtClean="0">
+                        <a:solidFill>
+                          <a:schemeClr val="tx1"/>
+                        </a:solidFill>
+                        <a:latin typeface="Cambria Math" panose="02040503050406030204" pitchFamily="18" charset="0"/>
+                      </a:rPr>
+                      <m:t> </m:t>
+                    </m:r>
+                    <m:r>
+                      <a:rPr lang="sl-SI" sz="1600" b="1" i="1" smtClean="0">
+                        <a:solidFill>
+                          <a:schemeClr val="tx1"/>
+                        </a:solidFill>
+                        <a:latin typeface="Cambria Math" panose="02040503050406030204" pitchFamily="18" charset="0"/>
+                      </a:rPr>
+                      <m:t>𝑰</m:t>
+                    </m:r>
+                    <m:d>
+                      <m:dPr>
+                        <m:begChr m:val="["/>
+                        <m:endChr m:val="]"/>
+                        <m:ctrlPr>
+                          <a:rPr lang="sl-SI" sz="1600" b="1" i="1" smtClean="0">
+                            <a:solidFill>
+                              <a:schemeClr val="tx1"/>
+                            </a:solidFill>
+                            <a:latin typeface="Cambria Math" panose="02040503050406030204" pitchFamily="18" charset="0"/>
+                          </a:rPr>
+                        </m:ctrlPr>
+                      </m:dPr>
+                      <m:e>
+                        <m:r>
+                          <a:rPr lang="sl-SI" sz="1600" b="1" i="1" smtClean="0">
+                            <a:solidFill>
+                              <a:schemeClr val="tx1"/>
+                            </a:solidFill>
+                            <a:latin typeface="Cambria Math" panose="02040503050406030204" pitchFamily="18" charset="0"/>
+                          </a:rPr>
+                          <m:t>𝒋</m:t>
+                        </m:r>
+                        <m:r>
+                          <a:rPr lang="sl-SI" sz="1600" b="1" i="1" smtClean="0">
+                            <a:solidFill>
+                              <a:schemeClr val="tx1"/>
+                            </a:solidFill>
+                            <a:latin typeface="Cambria Math" panose="02040503050406030204" pitchFamily="18" charset="0"/>
+                          </a:rPr>
+                          <m:t>+</m:t>
+                        </m:r>
+                        <m:r>
+                          <a:rPr lang="sl-SI" sz="1600" b="1" i="1" smtClean="0">
+                            <a:solidFill>
+                              <a:schemeClr val="tx1"/>
+                            </a:solidFill>
+                            <a:latin typeface="Cambria Math" panose="02040503050406030204" pitchFamily="18" charset="0"/>
+                          </a:rPr>
+                          <m:t>𝟏</m:t>
+                        </m:r>
+                      </m:e>
+                    </m:d>
+                    <m:r>
+                      <a:rPr lang="sl-SI" sz="1600" b="1" i="1" smtClean="0">
+                        <a:solidFill>
+                          <a:schemeClr val="tx1"/>
+                        </a:solidFill>
+                        <a:latin typeface="Cambria Math" panose="02040503050406030204" pitchFamily="18" charset="0"/>
+                        <a:ea typeface="Cambria Math" panose="02040503050406030204" pitchFamily="18" charset="0"/>
+                      </a:rPr>
+                      <m:t>&gt;</m:t>
+                    </m:r>
+                    <m:r>
+                      <a:rPr lang="sl-SI" sz="1600" b="1" i="1" smtClean="0">
+                        <a:solidFill>
+                          <a:schemeClr val="tx1"/>
+                        </a:solidFill>
+                        <a:latin typeface="Cambria Math" panose="02040503050406030204" pitchFamily="18" charset="0"/>
+                        <a:ea typeface="Cambria Math" panose="02040503050406030204" pitchFamily="18" charset="0"/>
+                      </a:rPr>
+                      <m:t>𝑰</m:t>
+                    </m:r>
+                    <m:d>
+                      <m:dPr>
+                        <m:begChr m:val="["/>
+                        <m:endChr m:val="]"/>
+                        <m:ctrlPr>
+                          <a:rPr lang="sl-SI" sz="1600" b="1" i="1" smtClean="0">
+                            <a:solidFill>
+                              <a:schemeClr val="tx1"/>
+                            </a:solidFill>
+                            <a:latin typeface="Cambria Math" panose="02040503050406030204" pitchFamily="18" charset="0"/>
+                            <a:ea typeface="Cambria Math" panose="02040503050406030204" pitchFamily="18" charset="0"/>
+                          </a:rPr>
+                        </m:ctrlPr>
+                      </m:dPr>
+                      <m:e>
+                        <m:r>
+                          <a:rPr lang="sl-SI" sz="1600" b="1" i="1" smtClean="0">
+                            <a:solidFill>
+                              <a:schemeClr val="tx1"/>
+                            </a:solidFill>
+                            <a:latin typeface="Cambria Math" panose="02040503050406030204" pitchFamily="18" charset="0"/>
+                            <a:ea typeface="Cambria Math" panose="02040503050406030204" pitchFamily="18" charset="0"/>
+                          </a:rPr>
+                          <m:t>𝒋</m:t>
+                        </m:r>
+                      </m:e>
+                    </m:d>
+                  </m:oMath>
+                </a14:m>
+                <a:endParaRPr lang="sl-SI" sz="1600" b="1" dirty="0">
+                  <a:solidFill>
+                    <a:schemeClr val="tx1"/>
+                  </a:solidFill>
+                  <a:ea typeface="Cambria Math" panose="02040503050406030204" pitchFamily="18" charset="0"/>
+                </a:endParaRPr>
+              </a:p>
+              <a:p>
+                <a:pPr marL="285750" indent="-285750" algn="ctr">
+                  <a:buFont typeface="Arial" panose="020B0604020202020204" pitchFamily="34" charset="0"/>
+                  <a:buChar char="•"/>
+                </a:pPr>
+                <a14:m>
+                  <m:oMath xmlns:m="http://schemas.openxmlformats.org/officeDocument/2006/math">
+                    <m:r>
+                      <a:rPr lang="sl-SI" sz="1600" b="1" i="1" smtClean="0">
+                        <a:solidFill>
+                          <a:schemeClr val="tx1"/>
+                        </a:solidFill>
+                        <a:latin typeface="Cambria Math" panose="02040503050406030204" pitchFamily="18" charset="0"/>
+                        <a:ea typeface="Cambria Math" panose="02040503050406030204" pitchFamily="18" charset="0"/>
+                      </a:rPr>
+                      <m:t>Č</m:t>
+                    </m:r>
+                    <m:r>
+                      <a:rPr lang="sl-SI" sz="1600" b="1" i="1" smtClean="0">
+                        <a:solidFill>
+                          <a:schemeClr val="tx1"/>
+                        </a:solidFill>
+                        <a:latin typeface="Cambria Math" panose="02040503050406030204" pitchFamily="18" charset="0"/>
+                        <a:ea typeface="Cambria Math" panose="02040503050406030204" pitchFamily="18" charset="0"/>
+                      </a:rPr>
+                      <m:t>𝒆</m:t>
+                    </m:r>
+                    <m:r>
+                      <a:rPr lang="sl-SI" sz="1600" b="1" i="1" smtClean="0">
+                        <a:solidFill>
+                          <a:schemeClr val="tx1"/>
+                        </a:solidFill>
+                        <a:latin typeface="Cambria Math" panose="02040503050406030204" pitchFamily="18" charset="0"/>
+                        <a:ea typeface="Cambria Math" panose="02040503050406030204" pitchFamily="18" charset="0"/>
+                      </a:rPr>
+                      <m:t> </m:t>
+                    </m:r>
+                    <m:r>
+                      <a:rPr lang="sl-SI" sz="1600" b="1" i="1" smtClean="0">
+                        <a:solidFill>
+                          <a:schemeClr val="tx1"/>
+                        </a:solidFill>
+                        <a:latin typeface="Cambria Math" panose="02040503050406030204" pitchFamily="18" charset="0"/>
+                        <a:ea typeface="Cambria Math" panose="02040503050406030204" pitchFamily="18" charset="0"/>
+                      </a:rPr>
+                      <m:t>𝑰</m:t>
+                    </m:r>
+                    <m:d>
+                      <m:dPr>
+                        <m:begChr m:val="["/>
+                        <m:endChr m:val="]"/>
+                        <m:ctrlPr>
+                          <a:rPr lang="sl-SI" sz="1600" b="1" i="1" smtClean="0">
+                            <a:solidFill>
+                              <a:schemeClr val="tx1"/>
+                            </a:solidFill>
+                            <a:latin typeface="Cambria Math" panose="02040503050406030204" pitchFamily="18" charset="0"/>
+                            <a:ea typeface="Cambria Math" panose="02040503050406030204" pitchFamily="18" charset="0"/>
+                          </a:rPr>
+                        </m:ctrlPr>
+                      </m:dPr>
+                      <m:e>
+                        <m:r>
+                          <a:rPr lang="sl-SI" sz="1600" b="1" i="1" smtClean="0">
+                            <a:solidFill>
+                              <a:schemeClr val="tx1"/>
+                            </a:solidFill>
+                            <a:latin typeface="Cambria Math" panose="02040503050406030204" pitchFamily="18" charset="0"/>
+                            <a:ea typeface="Cambria Math" panose="02040503050406030204" pitchFamily="18" charset="0"/>
+                          </a:rPr>
+                          <m:t>𝒋</m:t>
+                        </m:r>
+                      </m:e>
+                    </m:d>
+                    <m:r>
+                      <a:rPr lang="sl-SI" sz="1600" b="1" i="1" smtClean="0">
+                        <a:solidFill>
+                          <a:schemeClr val="tx1"/>
+                        </a:solidFill>
+                        <a:latin typeface="Cambria Math" panose="02040503050406030204" pitchFamily="18" charset="0"/>
+                        <a:ea typeface="Cambria Math" panose="02040503050406030204" pitchFamily="18" charset="0"/>
+                      </a:rPr>
+                      <m:t> </m:t>
+                    </m:r>
+                    <m:r>
+                      <a:rPr lang="sl-SI" sz="1600" b="1" i="1" smtClean="0">
+                        <a:solidFill>
+                          <a:schemeClr val="tx1"/>
+                        </a:solidFill>
+                        <a:latin typeface="Cambria Math" panose="02040503050406030204" pitchFamily="18" charset="0"/>
+                        <a:ea typeface="Cambria Math" panose="02040503050406030204" pitchFamily="18" charset="0"/>
+                      </a:rPr>
+                      <m:t>𝒋𝒆</m:t>
+                    </m:r>
+                    <m:r>
+                      <a:rPr lang="sl-SI" sz="1600" b="1" i="1" smtClean="0">
+                        <a:solidFill>
+                          <a:schemeClr val="tx1"/>
+                        </a:solidFill>
+                        <a:latin typeface="Cambria Math" panose="02040503050406030204" pitchFamily="18" charset="0"/>
+                        <a:ea typeface="Cambria Math" panose="02040503050406030204" pitchFamily="18" charset="0"/>
+                      </a:rPr>
+                      <m:t> </m:t>
+                    </m:r>
+                    <m:r>
+                      <a:rPr lang="sl-SI" sz="1600" b="1" i="1" smtClean="0">
+                        <a:solidFill>
+                          <a:schemeClr val="tx1"/>
+                        </a:solidFill>
+                        <a:latin typeface="Cambria Math" panose="02040503050406030204" pitchFamily="18" charset="0"/>
+                        <a:ea typeface="Cambria Math" panose="02040503050406030204" pitchFamily="18" charset="0"/>
+                      </a:rPr>
+                      <m:t>𝒍𝒊𝒉</m:t>
+                    </m:r>
+                    <m:r>
+                      <a:rPr lang="sl-SI" sz="1600" b="1" i="1" smtClean="0">
+                        <a:solidFill>
+                          <a:schemeClr val="tx1"/>
+                        </a:solidFill>
+                        <a:latin typeface="Cambria Math" panose="02040503050406030204" pitchFamily="18" charset="0"/>
+                        <a:ea typeface="Cambria Math" panose="02040503050406030204" pitchFamily="18" charset="0"/>
+                      </a:rPr>
+                      <m:t>, </m:t>
+                    </m:r>
+                    <m:r>
+                      <a:rPr lang="sl-SI" sz="1600" b="1" i="1" smtClean="0">
+                        <a:solidFill>
+                          <a:schemeClr val="tx1"/>
+                        </a:solidFill>
+                        <a:latin typeface="Cambria Math" panose="02040503050406030204" pitchFamily="18" charset="0"/>
+                        <a:ea typeface="Cambria Math" panose="02040503050406030204" pitchFamily="18" charset="0"/>
+                      </a:rPr>
+                      <m:t>𝒑𝒐𝒕𝒆𝒎</m:t>
+                    </m:r>
+                    <m:r>
+                      <a:rPr lang="sl-SI" sz="1600" b="1" i="1" smtClean="0">
+                        <a:solidFill>
+                          <a:schemeClr val="tx1"/>
+                        </a:solidFill>
+                        <a:latin typeface="Cambria Math" panose="02040503050406030204" pitchFamily="18" charset="0"/>
+                        <a:ea typeface="Cambria Math" panose="02040503050406030204" pitchFamily="18" charset="0"/>
+                      </a:rPr>
+                      <m:t> </m:t>
+                    </m:r>
+                    <m:r>
+                      <a:rPr lang="sl-SI" sz="1600" b="1" i="1" smtClean="0">
+                        <a:solidFill>
+                          <a:schemeClr val="tx1"/>
+                        </a:solidFill>
+                        <a:latin typeface="Cambria Math" panose="02040503050406030204" pitchFamily="18" charset="0"/>
+                        <a:ea typeface="Cambria Math" panose="02040503050406030204" pitchFamily="18" charset="0"/>
+                      </a:rPr>
+                      <m:t>𝑰</m:t>
+                    </m:r>
+                    <m:r>
+                      <a:rPr lang="sl-SI" sz="1600" b="1" i="1" smtClean="0">
+                        <a:solidFill>
+                          <a:schemeClr val="tx1"/>
+                        </a:solidFill>
+                        <a:latin typeface="Cambria Math" panose="02040503050406030204" pitchFamily="18" charset="0"/>
+                        <a:ea typeface="Cambria Math" panose="02040503050406030204" pitchFamily="18" charset="0"/>
+                      </a:rPr>
+                      <m:t>[</m:t>
+                    </m:r>
+                    <m:r>
+                      <a:rPr lang="sl-SI" sz="1600" b="1" i="1" smtClean="0">
+                        <a:solidFill>
+                          <a:schemeClr val="tx1"/>
+                        </a:solidFill>
+                        <a:latin typeface="Cambria Math" panose="02040503050406030204" pitchFamily="18" charset="0"/>
+                        <a:ea typeface="Cambria Math" panose="02040503050406030204" pitchFamily="18" charset="0"/>
+                      </a:rPr>
+                      <m:t>𝒋</m:t>
+                    </m:r>
+                    <m:r>
+                      <a:rPr lang="sl-SI" sz="1600" b="1" i="1" smtClean="0">
+                        <a:solidFill>
+                          <a:schemeClr val="tx1"/>
+                        </a:solidFill>
+                        <a:latin typeface="Cambria Math" panose="02040503050406030204" pitchFamily="18" charset="0"/>
+                        <a:ea typeface="Cambria Math" panose="02040503050406030204" pitchFamily="18" charset="0"/>
+                      </a:rPr>
+                      <m:t>+</m:t>
+                    </m:r>
+                    <m:r>
+                      <a:rPr lang="sl-SI" sz="1600" b="1" i="1" smtClean="0">
+                        <a:solidFill>
+                          <a:schemeClr val="tx1"/>
+                        </a:solidFill>
+                        <a:latin typeface="Cambria Math" panose="02040503050406030204" pitchFamily="18" charset="0"/>
+                        <a:ea typeface="Cambria Math" panose="02040503050406030204" pitchFamily="18" charset="0"/>
+                      </a:rPr>
+                      <m:t>𝟏</m:t>
+                    </m:r>
+                    <m:r>
+                      <a:rPr lang="sl-SI" sz="1600" b="1" i="1" smtClean="0">
+                        <a:solidFill>
+                          <a:schemeClr val="tx1"/>
+                        </a:solidFill>
+                        <a:latin typeface="Cambria Math" panose="02040503050406030204" pitchFamily="18" charset="0"/>
+                        <a:ea typeface="Cambria Math" panose="02040503050406030204" pitchFamily="18" charset="0"/>
+                      </a:rPr>
+                      <m:t>]&lt;</m:t>
+                    </m:r>
+                    <m:r>
+                      <a:rPr lang="sl-SI" sz="1600" b="1" i="1" smtClean="0">
+                        <a:solidFill>
+                          <a:schemeClr val="tx1"/>
+                        </a:solidFill>
+                        <a:latin typeface="Cambria Math" panose="02040503050406030204" pitchFamily="18" charset="0"/>
+                        <a:ea typeface="Cambria Math" panose="02040503050406030204" pitchFamily="18" charset="0"/>
+                      </a:rPr>
+                      <m:t>𝑰</m:t>
+                    </m:r>
+                    <m:r>
+                      <a:rPr lang="sl-SI" sz="1600" b="1" i="1" smtClean="0">
+                        <a:solidFill>
+                          <a:schemeClr val="tx1"/>
+                        </a:solidFill>
+                        <a:latin typeface="Cambria Math" panose="02040503050406030204" pitchFamily="18" charset="0"/>
+                        <a:ea typeface="Cambria Math" panose="02040503050406030204" pitchFamily="18" charset="0"/>
+                      </a:rPr>
+                      <m:t>[</m:t>
+                    </m:r>
+                    <m:r>
+                      <a:rPr lang="sl-SI" sz="1600" b="1" i="1" smtClean="0">
+                        <a:solidFill>
+                          <a:schemeClr val="tx1"/>
+                        </a:solidFill>
+                        <a:latin typeface="Cambria Math" panose="02040503050406030204" pitchFamily="18" charset="0"/>
+                        <a:ea typeface="Cambria Math" panose="02040503050406030204" pitchFamily="18" charset="0"/>
+                      </a:rPr>
+                      <m:t>𝒋</m:t>
+                    </m:r>
+                    <m:r>
+                      <a:rPr lang="sl-SI" sz="1600" b="1" i="1" smtClean="0">
+                        <a:solidFill>
+                          <a:schemeClr val="tx1"/>
+                        </a:solidFill>
+                        <a:latin typeface="Cambria Math" panose="02040503050406030204" pitchFamily="18" charset="0"/>
+                        <a:ea typeface="Cambria Math" panose="02040503050406030204" pitchFamily="18" charset="0"/>
+                      </a:rPr>
+                      <m:t>]</m:t>
+                    </m:r>
+                  </m:oMath>
+                </a14:m>
+                <a:endParaRPr lang="sl-SI" sz="1600" b="1" dirty="0">
+                  <a:solidFill>
+                    <a:schemeClr val="tx1"/>
+                  </a:solidFill>
+                  <a:ea typeface="Cambria Math" panose="02040503050406030204" pitchFamily="18" charset="0"/>
+                </a:endParaRPr>
+              </a:p>
+              <a:p>
+                <a:pPr algn="ctr"/>
+                <a:endParaRPr lang="en-SI" dirty="0">
+                  <a:solidFill>
+                    <a:schemeClr val="tx1"/>
+                  </a:solidFill>
+                </a:endParaRPr>
+              </a:p>
+            </p:txBody>
+          </p:sp>
+        </mc:Choice>
+        <mc:Fallback>
+          <p:sp>
+            <p:nvSpPr>
+              <p:cNvPr id="4" name="Rectangle 3">
+                <a:extLst>
+                  <a:ext uri="{FF2B5EF4-FFF2-40B4-BE49-F238E27FC236}">
+                    <a16:creationId xmlns:a16="http://schemas.microsoft.com/office/drawing/2014/main" id="{986AB458-AE05-CC8E-BCCE-59A61646C0AE}"/>
+                  </a:ext>
+                </a:extLst>
+              </p:cNvPr>
+              <p:cNvSpPr>
+                <a:spLocks noRot="1" noChangeAspect="1" noMove="1" noResize="1" noEditPoints="1" noAdjustHandles="1" noChangeArrowheads="1" noChangeShapeType="1" noTextEdit="1"/>
+              </p:cNvSpPr>
+              <p:nvPr/>
+            </p:nvSpPr>
+            <p:spPr>
+              <a:xfrm>
+                <a:off x="7782340" y="854765"/>
+                <a:ext cx="4224130" cy="1620079"/>
+              </a:xfrm>
+              <a:prstGeom prst="rect">
+                <a:avLst/>
+              </a:prstGeom>
+              <a:blipFill>
+                <a:blip r:embed="rId3"/>
+                <a:stretch>
+                  <a:fillRect/>
+                </a:stretch>
+              </a:blipFill>
+            </p:spPr>
+            <p:txBody>
+              <a:bodyPr/>
+              <a:lstStyle/>
+              <a:p>
+                <a:r>
+                  <a:rPr lang="en-SI">
                     <a:noFill/>
                   </a:rPr>
                   <a:t> </a:t>
@@ -8606,10 +10215,10 @@
       </p:grpSpPr>
       <p:sp>
         <p:nvSpPr>
-          <p:cNvPr id="2" name="Naslov 1">
+          <p:cNvPr id="2" name="Title 1">
             <a:extLst>
               <a:ext uri="{FF2B5EF4-FFF2-40B4-BE49-F238E27FC236}">
-                <a16:creationId xmlns:a16="http://schemas.microsoft.com/office/drawing/2014/main" id="{16B39357-A92E-7A0D-284B-FF302F872349}"/>
+                <a16:creationId xmlns:a16="http://schemas.microsoft.com/office/drawing/2014/main" id="{4ED684C9-C52B-2C62-DF21-E5F8BF0CD215}"/>
               </a:ext>
             </a:extLst>
           </p:cNvPr>
@@ -8628,18 +10237,18 @@
           <a:lstStyle/>
           <a:p>
             <a:r>
-              <a:rPr lang="sl-SI" sz="4000" dirty="0"/>
-              <a:t>Naloga 3</a:t>
+              <a:rPr lang="en-SI" sz="4400" dirty="0"/>
+              <a:t>Ideja</a:t>
             </a:r>
           </a:p>
         </p:txBody>
       </p:sp>
       <p:sp>
         <p:nvSpPr>
-          <p:cNvPr id="3" name="Označba mesta vsebine 2">
+          <p:cNvPr id="3" name="Content Placeholder 2">
             <a:extLst>
               <a:ext uri="{FF2B5EF4-FFF2-40B4-BE49-F238E27FC236}">
-                <a16:creationId xmlns:a16="http://schemas.microsoft.com/office/drawing/2014/main" id="{009D668B-4F72-41E0-DCCD-1A659EA63782}"/>
+                <a16:creationId xmlns:a16="http://schemas.microsoft.com/office/drawing/2014/main" id="{AE64F441-5E1E-D53D-61F2-6F9FA8858EF0}"/>
               </a:ext>
             </a:extLst>
           </p:cNvPr>
@@ -8655,14 +10264,106 @@
           <a:bodyPr/>
           <a:lstStyle/>
           <a:p>
-            <a:endParaRPr lang="sl-SI" dirty="0"/>
+            <a:endParaRPr lang="en-SI" dirty="0"/>
           </a:p>
         </p:txBody>
       </p:sp>
     </p:spTree>
     <p:extLst>
       <p:ext uri="{BB962C8B-B14F-4D97-AF65-F5344CB8AC3E}">
-        <p14:creationId xmlns:p14="http://schemas.microsoft.com/office/powerpoint/2010/main" val="863610771"/>
+        <p14:creationId xmlns:p14="http://schemas.microsoft.com/office/powerpoint/2010/main" val="2907174547"/>
+      </p:ext>
+    </p:extLst>
+  </p:cSld>
+  <p:clrMapOvr>
+    <a:masterClrMapping/>
+  </p:clrMapOvr>
+</p:sld>
+</file>
+
+<file path=ppt/slides/slide9.xml><?xml version="1.0" encoding="utf-8"?>
+<p:sld xmlns:a="http://schemas.openxmlformats.org/drawingml/2006/main" xmlns:r="http://schemas.openxmlformats.org/officeDocument/2006/relationships" xmlns:p="http://schemas.openxmlformats.org/presentationml/2006/main">
+  <p:cSld>
+    <p:spTree>
+      <p:nvGrpSpPr>
+        <p:cNvPr id="1" name=""/>
+        <p:cNvGrpSpPr/>
+        <p:nvPr/>
+      </p:nvGrpSpPr>
+      <p:grpSpPr>
+        <a:xfrm>
+          <a:off x="0" y="0"/>
+          <a:ext cx="0" cy="0"/>
+          <a:chOff x="0" y="0"/>
+          <a:chExt cx="0" cy="0"/>
+        </a:xfrm>
+      </p:grpSpPr>
+      <p:sp>
+        <p:nvSpPr>
+          <p:cNvPr id="2" name="Title 1">
+            <a:extLst>
+              <a:ext uri="{FF2B5EF4-FFF2-40B4-BE49-F238E27FC236}">
+                <a16:creationId xmlns:a16="http://schemas.microsoft.com/office/drawing/2014/main" id="{7D47C906-3577-E1B4-8102-A508A2538023}"/>
+              </a:ext>
+            </a:extLst>
+          </p:cNvPr>
+          <p:cNvSpPr>
+            <a:spLocks noGrp="1"/>
+          </p:cNvSpPr>
+          <p:nvPr>
+            <p:ph type="title"/>
+          </p:nvPr>
+        </p:nvSpPr>
+        <p:spPr/>
+        <p:txBody>
+          <a:bodyPr>
+            <a:normAutofit/>
+          </a:bodyPr>
+          <a:lstStyle/>
+          <a:p>
+            <a:r>
+              <a:rPr lang="en-SI" sz="4400" dirty="0"/>
+              <a:t>Napaka</a:t>
+            </a:r>
+          </a:p>
+        </p:txBody>
+      </p:sp>
+      <p:pic>
+        <p:nvPicPr>
+          <p:cNvPr id="4" name="Content Placeholder 3">
+            <a:extLst>
+              <a:ext uri="{FF2B5EF4-FFF2-40B4-BE49-F238E27FC236}">
+                <a16:creationId xmlns:a16="http://schemas.microsoft.com/office/drawing/2014/main" id="{BA82FB9B-B62B-D45E-98A5-B400C1038CBD}"/>
+              </a:ext>
+            </a:extLst>
+          </p:cNvPr>
+          <p:cNvPicPr>
+            <a:picLocks noGrp="1" noChangeAspect="1"/>
+          </p:cNvPicPr>
+          <p:nvPr>
+            <p:ph idx="1"/>
+          </p:nvPr>
+        </p:nvPicPr>
+        <p:blipFill>
+          <a:blip r:embed="rId2"/>
+          <a:stretch>
+            <a:fillRect/>
+          </a:stretch>
+        </p:blipFill>
+        <p:spPr>
+          <a:xfrm>
+            <a:off x="1115185" y="2369699"/>
+            <a:ext cx="10365618" cy="2705884"/>
+          </a:xfrm>
+          <a:prstGeom prst="rect">
+            <a:avLst/>
+          </a:prstGeom>
+        </p:spPr>
+      </p:pic>
+    </p:spTree>
+    <p:extLst>
+      <p:ext uri="{BB962C8B-B14F-4D97-AF65-F5344CB8AC3E}">
+        <p14:creationId xmlns:p14="http://schemas.microsoft.com/office/powerpoint/2010/main" val="2045320590"/>
       </p:ext>
     </p:extLst>
   </p:cSld>

--- a/Predstavitev.pptx
+++ b/Predstavitev.pptx
@@ -15,8 +15,9 @@
     <p:sldId id="266" r:id="rId9"/>
     <p:sldId id="265" r:id="rId10"/>
     <p:sldId id="264" r:id="rId11"/>
-    <p:sldId id="267" r:id="rId12"/>
-    <p:sldId id="268" r:id="rId13"/>
+    <p:sldId id="269" r:id="rId12"/>
+    <p:sldId id="267" r:id="rId13"/>
+    <p:sldId id="268" r:id="rId14"/>
   </p:sldIdLst>
   <p:sldSz cx="12192000" cy="6858000"/>
   <p:notesSz cx="6858000" cy="9144000"/>
@@ -6100,12 +6101,363 @@
           </a:p>
         </p:txBody>
       </p:sp>
+      <mc:AlternateContent xmlns:mc="http://schemas.openxmlformats.org/markup-compatibility/2006">
+        <mc:Choice xmlns:a14="http://schemas.microsoft.com/office/drawing/2010/main" Requires="a14">
+          <p:sp>
+            <p:nvSpPr>
+              <p:cNvPr id="3" name="Označba mesta vsebine 2">
+                <a:extLst>
+                  <a:ext uri="{FF2B5EF4-FFF2-40B4-BE49-F238E27FC236}">
+                    <a16:creationId xmlns:a16="http://schemas.microsoft.com/office/drawing/2014/main" id="{009D668B-4F72-41E0-DCCD-1A659EA63782}"/>
+                  </a:ext>
+                </a:extLst>
+              </p:cNvPr>
+              <p:cNvSpPr>
+                <a:spLocks noGrp="1"/>
+              </p:cNvSpPr>
+              <p:nvPr>
+                <p:ph idx="1"/>
+              </p:nvPr>
+            </p:nvSpPr>
+            <p:spPr/>
+            <p:txBody>
+              <a:bodyPr>
+                <a:normAutofit/>
+              </a:bodyPr>
+              <a:lstStyle/>
+              <a:p>
+                <a:r>
+                  <a:rPr lang="sl-SI" sz="2200" dirty="0"/>
+                  <a:t>Podan imamo seznam števil. </a:t>
+                </a:r>
+              </a:p>
+              <a:p>
+                <a:pPr marL="457188" lvl="1" indent="0">
+                  <a:buNone/>
+                </a:pPr>
+                <a14:m>
+                  <m:oMathPara xmlns:m="http://schemas.openxmlformats.org/officeDocument/2006/math">
+                    <m:oMathParaPr>
+                      <m:jc m:val="centerGroup"/>
+                    </m:oMathParaPr>
+                    <m:oMath xmlns:m="http://schemas.openxmlformats.org/officeDocument/2006/math">
+                      <m:r>
+                        <a:rPr lang="sl-SI" sz="2400" i="1" dirty="0" smtClean="0">
+                          <a:latin typeface="Cambria Math" panose="02040503050406030204" pitchFamily="18" charset="0"/>
+                        </a:rPr>
+                        <m:t>𝐴</m:t>
+                      </m:r>
+                      <m:r>
+                        <a:rPr lang="sl-SI" sz="2400" i="1" dirty="0" smtClean="0">
+                          <a:latin typeface="Cambria Math" panose="02040503050406030204" pitchFamily="18" charset="0"/>
+                        </a:rPr>
+                        <m:t> = [</m:t>
+                      </m:r>
+                      <m:sSub>
+                        <m:sSubPr>
+                          <m:ctrlPr>
+                            <a:rPr lang="sl-SI" sz="2400" i="1" dirty="0" smtClean="0">
+                              <a:latin typeface="Cambria Math" panose="02040503050406030204" pitchFamily="18" charset="0"/>
+                            </a:rPr>
+                          </m:ctrlPr>
+                        </m:sSubPr>
+                        <m:e>
+                          <m:r>
+                            <a:rPr lang="sl-SI" sz="2400" b="0" i="1" dirty="0" smtClean="0">
+                              <a:latin typeface="Cambria Math" panose="02040503050406030204" pitchFamily="18" charset="0"/>
+                            </a:rPr>
+                            <m:t>𝑎</m:t>
+                          </m:r>
+                        </m:e>
+                        <m:sub>
+                          <m:r>
+                            <a:rPr lang="sl-SI" sz="2400" b="0" i="1" dirty="0" smtClean="0">
+                              <a:latin typeface="Cambria Math" panose="02040503050406030204" pitchFamily="18" charset="0"/>
+                            </a:rPr>
+                            <m:t>1</m:t>
+                          </m:r>
+                        </m:sub>
+                      </m:sSub>
+                      <m:r>
+                        <a:rPr lang="sl-SI" sz="2400" b="0" i="1" dirty="0" smtClean="0">
+                          <a:latin typeface="Cambria Math" panose="02040503050406030204" pitchFamily="18" charset="0"/>
+                        </a:rPr>
+                        <m:t>…</m:t>
+                      </m:r>
+                      <m:sSub>
+                        <m:sSubPr>
+                          <m:ctrlPr>
+                            <a:rPr lang="sl-SI" sz="2400" i="1" dirty="0" smtClean="0">
+                              <a:latin typeface="Cambria Math" panose="02040503050406030204" pitchFamily="18" charset="0"/>
+                            </a:rPr>
+                          </m:ctrlPr>
+                        </m:sSubPr>
+                        <m:e>
+                          <m:r>
+                            <a:rPr lang="sl-SI" sz="2400" b="0" i="1" dirty="0" smtClean="0">
+                              <a:latin typeface="Cambria Math" panose="02040503050406030204" pitchFamily="18" charset="0"/>
+                            </a:rPr>
+                            <m:t>𝑎</m:t>
+                          </m:r>
+                        </m:e>
+                        <m:sub>
+                          <m:r>
+                            <a:rPr lang="sl-SI" sz="2400" b="0" i="1" dirty="0" smtClean="0">
+                              <a:latin typeface="Cambria Math" panose="02040503050406030204" pitchFamily="18" charset="0"/>
+                            </a:rPr>
+                            <m:t>𝑛</m:t>
+                          </m:r>
+                        </m:sub>
+                      </m:sSub>
+                      <m:r>
+                        <a:rPr lang="sl-SI" sz="2400" i="1" dirty="0" smtClean="0">
+                          <a:latin typeface="Cambria Math" panose="02040503050406030204" pitchFamily="18" charset="0"/>
+                        </a:rPr>
+                        <m:t>]</m:t>
+                      </m:r>
+                    </m:oMath>
+                  </m:oMathPara>
+                </a14:m>
+                <a:endParaRPr lang="sl-SI" sz="2400" dirty="0"/>
+              </a:p>
+              <a:p>
+                <a:r>
+                  <a:rPr lang="sl-SI" sz="2200" dirty="0"/>
+                  <a:t>Števila </a:t>
+                </a:r>
+                <a14:m>
+                  <m:oMath xmlns:m="http://schemas.openxmlformats.org/officeDocument/2006/math">
+                    <m:r>
+                      <a:rPr lang="sl-SI" sz="2200" i="1" dirty="0" smtClean="0">
+                        <a:latin typeface="Cambria Math" panose="02040503050406030204" pitchFamily="18" charset="0"/>
+                      </a:rPr>
+                      <m:t>𝑎</m:t>
+                    </m:r>
+                  </m:oMath>
+                </a14:m>
+                <a:r>
+                  <a:rPr lang="sl-SI" sz="2200" dirty="0"/>
+                  <a:t> so lahko negativna, pozitivna ali enaka nič.</a:t>
+                </a:r>
+              </a:p>
+              <a:p>
+                <a:r>
+                  <a:rPr lang="sl-SI" sz="2200" dirty="0"/>
+                  <a:t>Na vsakem koraku se odločimo ali rečemo “Ring“ ali “Ding“.</a:t>
+                </a:r>
+              </a:p>
+              <a:p>
+                <a:pPr lvl="1"/>
+                <a:r>
+                  <a:rPr lang="sl-SI" sz="2000" dirty="0"/>
+                  <a:t>Ding: poberemo </a:t>
+                </a:r>
+                <a14:m>
+                  <m:oMath xmlns:m="http://schemas.openxmlformats.org/officeDocument/2006/math">
+                    <m:r>
+                      <a:rPr lang="sl-SI" sz="2000" i="1" dirty="0" smtClean="0">
+                        <a:latin typeface="Cambria Math" panose="02040503050406030204" pitchFamily="18" charset="0"/>
+                      </a:rPr>
+                      <m:t>–</m:t>
+                    </m:r>
+                    <m:r>
+                      <a:rPr lang="sl-SI" sz="2000" i="1" dirty="0" smtClean="0">
+                        <a:latin typeface="Cambria Math" panose="02040503050406030204" pitchFamily="18" charset="0"/>
+                      </a:rPr>
+                      <m:t>𝐴</m:t>
+                    </m:r>
+                    <m:r>
+                      <a:rPr lang="sl-SI" sz="2000" i="1" dirty="0" smtClean="0">
+                        <a:latin typeface="Cambria Math" panose="02040503050406030204" pitchFamily="18" charset="0"/>
+                      </a:rPr>
+                      <m:t>[</m:t>
+                    </m:r>
+                    <m:r>
+                      <a:rPr lang="sl-SI" sz="2000" i="1" dirty="0" smtClean="0">
+                        <a:latin typeface="Cambria Math" panose="02040503050406030204" pitchFamily="18" charset="0"/>
+                      </a:rPr>
+                      <m:t>𝑖</m:t>
+                    </m:r>
+                    <m:r>
+                      <a:rPr lang="sl-SI" sz="2000" i="1" dirty="0" smtClean="0">
+                        <a:latin typeface="Cambria Math" panose="02040503050406030204" pitchFamily="18" charset="0"/>
+                      </a:rPr>
+                      <m:t>]</m:t>
+                    </m:r>
+                  </m:oMath>
+                </a14:m>
+                <a:r>
+                  <a:rPr lang="sl-SI" sz="2000" dirty="0"/>
+                  <a:t> </a:t>
+                </a:r>
+              </a:p>
+              <a:p>
+                <a:pPr lvl="1"/>
+                <a:r>
+                  <a:rPr lang="sl-SI" sz="2000" dirty="0"/>
+                  <a:t>Ring: poberemo </a:t>
+                </a:r>
+                <a14:m>
+                  <m:oMath xmlns:m="http://schemas.openxmlformats.org/officeDocument/2006/math">
+                    <m:r>
+                      <a:rPr lang="sl-SI" sz="2000" i="1" dirty="0" smtClean="0">
+                        <a:latin typeface="Cambria Math" panose="02040503050406030204" pitchFamily="18" charset="0"/>
+                      </a:rPr>
+                      <m:t>𝐴</m:t>
+                    </m:r>
+                    <m:r>
+                      <a:rPr lang="sl-SI" sz="2000" i="1" dirty="0" smtClean="0">
+                        <a:latin typeface="Cambria Math" panose="02040503050406030204" pitchFamily="18" charset="0"/>
+                      </a:rPr>
+                      <m:t>[</m:t>
+                    </m:r>
+                    <m:r>
+                      <a:rPr lang="sl-SI" sz="2000" i="1" dirty="0" smtClean="0">
+                        <a:latin typeface="Cambria Math" panose="02040503050406030204" pitchFamily="18" charset="0"/>
+                      </a:rPr>
+                      <m:t>𝑖</m:t>
+                    </m:r>
+                    <m:r>
+                      <a:rPr lang="sl-SI" sz="2000" i="1" dirty="0" smtClean="0">
+                        <a:latin typeface="Cambria Math" panose="02040503050406030204" pitchFamily="18" charset="0"/>
+                      </a:rPr>
+                      <m:t>]</m:t>
+                    </m:r>
+                  </m:oMath>
+                </a14:m>
+                <a:endParaRPr lang="sl-SI" sz="2000" dirty="0"/>
+              </a:p>
+              <a:p>
+                <a:r>
+                  <a:rPr lang="sl-SI" sz="2200" dirty="0"/>
+                  <a:t>Omejitve:</a:t>
+                </a:r>
+              </a:p>
+              <a:p>
+                <a:pPr lvl="1"/>
+                <a:r>
+                  <a:rPr lang="sl-SI" sz="2000" dirty="0"/>
+                  <a:t>Zaporedoma lahko samo trikrat rečemo “Ring“ ali “Ding“.</a:t>
+                </a:r>
+              </a:p>
+              <a:p>
+                <a:endParaRPr lang="sl-SI" sz="2200" dirty="0"/>
+              </a:p>
+              <a:p>
+                <a:endParaRPr lang="sl-SI" sz="2200" dirty="0"/>
+              </a:p>
+              <a:p>
+                <a:endParaRPr lang="sl-SI" sz="2200" dirty="0"/>
+              </a:p>
+            </p:txBody>
+          </p:sp>
+        </mc:Choice>
+        <mc:Fallback>
+          <p:sp>
+            <p:nvSpPr>
+              <p:cNvPr id="3" name="Označba mesta vsebine 2">
+                <a:extLst>
+                  <a:ext uri="{FF2B5EF4-FFF2-40B4-BE49-F238E27FC236}">
+                    <a16:creationId xmlns:a16="http://schemas.microsoft.com/office/drawing/2014/main" id="{009D668B-4F72-41E0-DCCD-1A659EA63782}"/>
+                  </a:ext>
+                </a:extLst>
+              </p:cNvPr>
+              <p:cNvSpPr>
+                <a:spLocks noGrp="1" noRot="1" noChangeAspect="1" noMove="1" noResize="1" noEditPoints="1" noAdjustHandles="1" noChangeArrowheads="1" noChangeShapeType="1" noTextEdit="1"/>
+              </p:cNvSpPr>
+              <p:nvPr>
+                <p:ph idx="1"/>
+              </p:nvPr>
+            </p:nvSpPr>
+            <p:spPr>
+              <a:blipFill>
+                <a:blip r:embed="rId2"/>
+                <a:stretch>
+                  <a:fillRect l="-442" t="-651"/>
+                </a:stretch>
+              </a:blipFill>
+            </p:spPr>
+            <p:txBody>
+              <a:bodyPr/>
+              <a:lstStyle/>
+              <a:p>
+                <a:r>
+                  <a:rPr lang="en-SI">
+                    <a:noFill/>
+                  </a:rPr>
+                  <a:t> </a:t>
+                </a:r>
+              </a:p>
+            </p:txBody>
+          </p:sp>
+        </mc:Fallback>
+      </mc:AlternateContent>
+    </p:spTree>
+    <p:extLst>
+      <p:ext uri="{BB962C8B-B14F-4D97-AF65-F5344CB8AC3E}">
+        <p14:creationId xmlns:p14="http://schemas.microsoft.com/office/powerpoint/2010/main" val="863610771"/>
+      </p:ext>
+    </p:extLst>
+  </p:cSld>
+  <p:clrMapOvr>
+    <a:masterClrMapping/>
+  </p:clrMapOvr>
+</p:sld>
+</file>
+
+<file path=ppt/slides/slide11.xml><?xml version="1.0" encoding="utf-8"?>
+<p:sld xmlns:a="http://schemas.openxmlformats.org/drawingml/2006/main" xmlns:r="http://schemas.openxmlformats.org/officeDocument/2006/relationships" xmlns:p="http://schemas.openxmlformats.org/presentationml/2006/main">
+  <p:cSld>
+    <p:spTree>
+      <p:nvGrpSpPr>
+        <p:cNvPr id="1" name=""/>
+        <p:cNvGrpSpPr/>
+        <p:nvPr/>
+      </p:nvGrpSpPr>
+      <p:grpSpPr>
+        <a:xfrm>
+          <a:off x="0" y="0"/>
+          <a:ext cx="0" cy="0"/>
+          <a:chOff x="0" y="0"/>
+          <a:chExt cx="0" cy="0"/>
+        </a:xfrm>
+      </p:grpSpPr>
       <p:sp>
         <p:nvSpPr>
-          <p:cNvPr id="3" name="Označba mesta vsebine 2">
+          <p:cNvPr id="2" name="Title 1">
             <a:extLst>
               <a:ext uri="{FF2B5EF4-FFF2-40B4-BE49-F238E27FC236}">
-                <a16:creationId xmlns:a16="http://schemas.microsoft.com/office/drawing/2014/main" id="{009D668B-4F72-41E0-DCCD-1A659EA63782}"/>
+                <a16:creationId xmlns:a16="http://schemas.microsoft.com/office/drawing/2014/main" id="{0F1622A5-776E-D451-7A28-86A86805CE93}"/>
+              </a:ext>
+            </a:extLst>
+          </p:cNvPr>
+          <p:cNvSpPr>
+            <a:spLocks noGrp="1"/>
+          </p:cNvSpPr>
+          <p:nvPr>
+            <p:ph type="title"/>
+          </p:nvPr>
+        </p:nvSpPr>
+        <p:spPr/>
+        <p:txBody>
+          <a:bodyPr>
+            <a:normAutofit/>
+          </a:bodyPr>
+          <a:lstStyle/>
+          <a:p>
+            <a:r>
+              <a:rPr lang="en-SI" sz="4400" dirty="0"/>
+              <a:t>Ideja</a:t>
+            </a:r>
+          </a:p>
+        </p:txBody>
+      </p:sp>
+      <p:sp>
+        <p:nvSpPr>
+          <p:cNvPr id="3" name="Content Placeholder 2">
+            <a:extLst>
+              <a:ext uri="{FF2B5EF4-FFF2-40B4-BE49-F238E27FC236}">
+                <a16:creationId xmlns:a16="http://schemas.microsoft.com/office/drawing/2014/main" id="{13BF1B0E-91F3-81A6-70A5-39AFDEE10AF5}"/>
               </a:ext>
             </a:extLst>
           </p:cNvPr>
@@ -6124,26 +6476,1151 @@
           <a:lstStyle/>
           <a:p>
             <a:r>
-              <a:rPr lang="sl-SI" sz="2200" dirty="0"/>
-              <a:t>Podan imamo seznam števil. </a:t>
+              <a:rPr lang="en-SI" sz="2200" dirty="0"/>
+              <a:t>S = 81</a:t>
+            </a:r>
+          </a:p>
+          <a:p>
+            <a:endParaRPr lang="en-SI" sz="2200" dirty="0"/>
+          </a:p>
+          <a:p>
+            <a:endParaRPr lang="en-SI" sz="2200" dirty="0"/>
+          </a:p>
+          <a:p>
+            <a:endParaRPr lang="en-SI" sz="2200" dirty="0"/>
+          </a:p>
+          <a:p>
+            <a:r>
+              <a:rPr lang="en-SI" sz="2200" dirty="0"/>
+              <a:t>Generiramo nize 0 in 1.</a:t>
+            </a:r>
+          </a:p>
+          <a:p>
+            <a:r>
+              <a:rPr lang="en-SI" sz="2200" dirty="0"/>
+              <a:t>Preverimo ali vsebuje “0000” ali “1111” in niz zanemarimo.</a:t>
+            </a:r>
+          </a:p>
+          <a:p>
+            <a:r>
+              <a:rPr lang="en-SI" sz="2200" dirty="0"/>
+              <a:t>Vse niz ovrednotimo in poiščemo maksimum.</a:t>
             </a:r>
           </a:p>
         </p:txBody>
       </p:sp>
+      <p:graphicFrame>
+        <p:nvGraphicFramePr>
+          <p:cNvPr id="4" name="Table 4">
+            <a:extLst>
+              <a:ext uri="{FF2B5EF4-FFF2-40B4-BE49-F238E27FC236}">
+                <a16:creationId xmlns:a16="http://schemas.microsoft.com/office/drawing/2014/main" id="{32A8F9AF-0B68-6045-27E3-19B36D18A1F8}"/>
+              </a:ext>
+            </a:extLst>
+          </p:cNvPr>
+          <p:cNvGraphicFramePr>
+            <a:graphicFrameLocks noGrp="1"/>
+          </p:cNvGraphicFramePr>
+          <p:nvPr>
+            <p:extLst>
+              <p:ext uri="{D42A27DB-BD31-4B8C-83A1-F6EECF244321}">
+                <p14:modId xmlns:p14="http://schemas.microsoft.com/office/powerpoint/2010/main" val="2383563192"/>
+              </p:ext>
+            </p:extLst>
+          </p:nvPr>
+        </p:nvGraphicFramePr>
+        <p:xfrm>
+          <a:off x="2950122" y="2069348"/>
+          <a:ext cx="5040000" cy="540000"/>
+        </p:xfrm>
+        <a:graphic>
+          <a:graphicData uri="http://schemas.openxmlformats.org/drawingml/2006/table">
+            <a:tbl>
+              <a:tblPr firstRow="1" bandRow="1">
+                <a:tableStyleId>{5940675A-B579-460E-94D1-54222C63F5DA}</a:tableStyleId>
+              </a:tblPr>
+              <a:tblGrid>
+                <a:gridCol w="630000">
+                  <a:extLst>
+                    <a:ext uri="{9D8B030D-6E8A-4147-A177-3AD203B41FA5}">
+                      <a16:colId xmlns:a16="http://schemas.microsoft.com/office/drawing/2014/main" val="2815169863"/>
+                    </a:ext>
+                  </a:extLst>
+                </a:gridCol>
+                <a:gridCol w="630000">
+                  <a:extLst>
+                    <a:ext uri="{9D8B030D-6E8A-4147-A177-3AD203B41FA5}">
+                      <a16:colId xmlns:a16="http://schemas.microsoft.com/office/drawing/2014/main" val="1568295835"/>
+                    </a:ext>
+                  </a:extLst>
+                </a:gridCol>
+                <a:gridCol w="630000">
+                  <a:extLst>
+                    <a:ext uri="{9D8B030D-6E8A-4147-A177-3AD203B41FA5}">
+                      <a16:colId xmlns:a16="http://schemas.microsoft.com/office/drawing/2014/main" val="2636992123"/>
+                    </a:ext>
+                  </a:extLst>
+                </a:gridCol>
+                <a:gridCol w="630000">
+                  <a:extLst>
+                    <a:ext uri="{9D8B030D-6E8A-4147-A177-3AD203B41FA5}">
+                      <a16:colId xmlns:a16="http://schemas.microsoft.com/office/drawing/2014/main" val="20916459"/>
+                    </a:ext>
+                  </a:extLst>
+                </a:gridCol>
+                <a:gridCol w="630000">
+                  <a:extLst>
+                    <a:ext uri="{9D8B030D-6E8A-4147-A177-3AD203B41FA5}">
+                      <a16:colId xmlns:a16="http://schemas.microsoft.com/office/drawing/2014/main" val="3515652901"/>
+                    </a:ext>
+                  </a:extLst>
+                </a:gridCol>
+                <a:gridCol w="630000">
+                  <a:extLst>
+                    <a:ext uri="{9D8B030D-6E8A-4147-A177-3AD203B41FA5}">
+                      <a16:colId xmlns:a16="http://schemas.microsoft.com/office/drawing/2014/main" val="374458838"/>
+                    </a:ext>
+                  </a:extLst>
+                </a:gridCol>
+                <a:gridCol w="630000">
+                  <a:extLst>
+                    <a:ext uri="{9D8B030D-6E8A-4147-A177-3AD203B41FA5}">
+                      <a16:colId xmlns:a16="http://schemas.microsoft.com/office/drawing/2014/main" val="3315795796"/>
+                    </a:ext>
+                  </a:extLst>
+                </a:gridCol>
+                <a:gridCol w="630000">
+                  <a:extLst>
+                    <a:ext uri="{9D8B030D-6E8A-4147-A177-3AD203B41FA5}">
+                      <a16:colId xmlns:a16="http://schemas.microsoft.com/office/drawing/2014/main" val="2813982660"/>
+                    </a:ext>
+                  </a:extLst>
+                </a:gridCol>
+              </a:tblGrid>
+              <a:tr h="540000">
+                <a:tc>
+                  <a:txBody>
+                    <a:bodyPr/>
+                    <a:lstStyle/>
+                    <a:p>
+                      <a:pPr algn="ctr"/>
+                      <a:r>
+                        <a:rPr lang="en-SI" dirty="0"/>
+                        <a:t>5</a:t>
+                      </a:r>
+                    </a:p>
+                  </a:txBody>
+                  <a:tcPr anchor="ctr"/>
+                </a:tc>
+                <a:tc>
+                  <a:txBody>
+                    <a:bodyPr/>
+                    <a:lstStyle/>
+                    <a:p>
+                      <a:pPr algn="ctr"/>
+                      <a:r>
+                        <a:rPr lang="en-SI" dirty="0"/>
+                        <a:t>2</a:t>
+                      </a:r>
+                    </a:p>
+                  </a:txBody>
+                  <a:tcPr anchor="ctr"/>
+                </a:tc>
+                <a:tc>
+                  <a:txBody>
+                    <a:bodyPr/>
+                    <a:lstStyle/>
+                    <a:p>
+                      <a:pPr algn="ctr"/>
+                      <a:r>
+                        <a:rPr lang="en-SI" dirty="0"/>
+                        <a:t>3</a:t>
+                      </a:r>
+                    </a:p>
+                  </a:txBody>
+                  <a:tcPr anchor="ctr"/>
+                </a:tc>
+                <a:tc>
+                  <a:txBody>
+                    <a:bodyPr/>
+                    <a:lstStyle/>
+                    <a:p>
+                      <a:pPr algn="ctr"/>
+                      <a:r>
+                        <a:rPr lang="en-SI" dirty="0"/>
+                        <a:t>20</a:t>
+                      </a:r>
+                    </a:p>
+                  </a:txBody>
+                  <a:tcPr anchor="ctr"/>
+                </a:tc>
+                <a:tc>
+                  <a:txBody>
+                    <a:bodyPr/>
+                    <a:lstStyle/>
+                    <a:p>
+                      <a:pPr algn="ctr"/>
+                      <a:r>
+                        <a:rPr lang="en-SI" dirty="0"/>
+                        <a:t>-10</a:t>
+                      </a:r>
+                    </a:p>
+                  </a:txBody>
+                  <a:tcPr anchor="ctr"/>
+                </a:tc>
+                <a:tc>
+                  <a:txBody>
+                    <a:bodyPr/>
+                    <a:lstStyle/>
+                    <a:p>
+                      <a:pPr algn="ctr"/>
+                      <a:r>
+                        <a:rPr lang="en-SI" dirty="0"/>
+                        <a:t>-13</a:t>
+                      </a:r>
+                    </a:p>
+                  </a:txBody>
+                  <a:tcPr anchor="ctr"/>
+                </a:tc>
+                <a:tc>
+                  <a:txBody>
+                    <a:bodyPr/>
+                    <a:lstStyle/>
+                    <a:p>
+                      <a:pPr algn="ctr"/>
+                      <a:r>
+                        <a:rPr lang="en-SI" dirty="0"/>
+                        <a:t>10</a:t>
+                      </a:r>
+                    </a:p>
+                  </a:txBody>
+                  <a:tcPr anchor="ctr"/>
+                </a:tc>
+                <a:tc>
+                  <a:txBody>
+                    <a:bodyPr/>
+                    <a:lstStyle/>
+                    <a:p>
+                      <a:pPr algn="ctr"/>
+                      <a:r>
+                        <a:rPr lang="en-SI" dirty="0"/>
+                        <a:t>22</a:t>
+                      </a:r>
+                    </a:p>
+                  </a:txBody>
+                  <a:tcPr anchor="ctr"/>
+                </a:tc>
+                <a:extLst>
+                  <a:ext uri="{0D108BD9-81ED-4DB2-BD59-A6C34878D82A}">
+                    <a16:rowId xmlns:a16="http://schemas.microsoft.com/office/drawing/2014/main" val="2771205379"/>
+                  </a:ext>
+                </a:extLst>
+              </a:tr>
+            </a:tbl>
+          </a:graphicData>
+        </a:graphic>
+      </p:graphicFrame>
+      <p:graphicFrame>
+        <p:nvGraphicFramePr>
+          <p:cNvPr id="5" name="Table 4">
+            <a:extLst>
+              <a:ext uri="{FF2B5EF4-FFF2-40B4-BE49-F238E27FC236}">
+                <a16:creationId xmlns:a16="http://schemas.microsoft.com/office/drawing/2014/main" id="{88BE9E3E-0E52-40ED-3DEC-C1397B8CFC2A}"/>
+              </a:ext>
+            </a:extLst>
+          </p:cNvPr>
+          <p:cNvGraphicFramePr>
+            <a:graphicFrameLocks noGrp="1"/>
+          </p:cNvGraphicFramePr>
+          <p:nvPr>
+            <p:extLst>
+              <p:ext uri="{D42A27DB-BD31-4B8C-83A1-F6EECF244321}">
+                <p14:modId xmlns:p14="http://schemas.microsoft.com/office/powerpoint/2010/main" val="448248557"/>
+              </p:ext>
+            </p:extLst>
+          </p:nvPr>
+        </p:nvGraphicFramePr>
+        <p:xfrm>
+          <a:off x="2975911" y="2714118"/>
+          <a:ext cx="5040000" cy="540000"/>
+        </p:xfrm>
+        <a:graphic>
+          <a:graphicData uri="http://schemas.openxmlformats.org/drawingml/2006/table">
+            <a:tbl>
+              <a:tblPr firstRow="1" bandRow="1">
+                <a:tableStyleId>{2D5ABB26-0587-4C30-8999-92F81FD0307C}</a:tableStyleId>
+              </a:tblPr>
+              <a:tblGrid>
+                <a:gridCol w="630000">
+                  <a:extLst>
+                    <a:ext uri="{9D8B030D-6E8A-4147-A177-3AD203B41FA5}">
+                      <a16:colId xmlns:a16="http://schemas.microsoft.com/office/drawing/2014/main" val="2815169863"/>
+                    </a:ext>
+                  </a:extLst>
+                </a:gridCol>
+                <a:gridCol w="630000">
+                  <a:extLst>
+                    <a:ext uri="{9D8B030D-6E8A-4147-A177-3AD203B41FA5}">
+                      <a16:colId xmlns:a16="http://schemas.microsoft.com/office/drawing/2014/main" val="1568295835"/>
+                    </a:ext>
+                  </a:extLst>
+                </a:gridCol>
+                <a:gridCol w="630000">
+                  <a:extLst>
+                    <a:ext uri="{9D8B030D-6E8A-4147-A177-3AD203B41FA5}">
+                      <a16:colId xmlns:a16="http://schemas.microsoft.com/office/drawing/2014/main" val="2636992123"/>
+                    </a:ext>
+                  </a:extLst>
+                </a:gridCol>
+                <a:gridCol w="630000">
+                  <a:extLst>
+                    <a:ext uri="{9D8B030D-6E8A-4147-A177-3AD203B41FA5}">
+                      <a16:colId xmlns:a16="http://schemas.microsoft.com/office/drawing/2014/main" val="20916459"/>
+                    </a:ext>
+                  </a:extLst>
+                </a:gridCol>
+                <a:gridCol w="630000">
+                  <a:extLst>
+                    <a:ext uri="{9D8B030D-6E8A-4147-A177-3AD203B41FA5}">
+                      <a16:colId xmlns:a16="http://schemas.microsoft.com/office/drawing/2014/main" val="3515652901"/>
+                    </a:ext>
+                  </a:extLst>
+                </a:gridCol>
+                <a:gridCol w="630000">
+                  <a:extLst>
+                    <a:ext uri="{9D8B030D-6E8A-4147-A177-3AD203B41FA5}">
+                      <a16:colId xmlns:a16="http://schemas.microsoft.com/office/drawing/2014/main" val="374458838"/>
+                    </a:ext>
+                  </a:extLst>
+                </a:gridCol>
+                <a:gridCol w="630000">
+                  <a:extLst>
+                    <a:ext uri="{9D8B030D-6E8A-4147-A177-3AD203B41FA5}">
+                      <a16:colId xmlns:a16="http://schemas.microsoft.com/office/drawing/2014/main" val="3315795796"/>
+                    </a:ext>
+                  </a:extLst>
+                </a:gridCol>
+                <a:gridCol w="630000">
+                  <a:extLst>
+                    <a:ext uri="{9D8B030D-6E8A-4147-A177-3AD203B41FA5}">
+                      <a16:colId xmlns:a16="http://schemas.microsoft.com/office/drawing/2014/main" val="2813982660"/>
+                    </a:ext>
+                  </a:extLst>
+                </a:gridCol>
+              </a:tblGrid>
+              <a:tr h="540000">
+                <a:tc>
+                  <a:txBody>
+                    <a:bodyPr/>
+                    <a:lstStyle/>
+                    <a:p>
+                      <a:pPr algn="ctr"/>
+                      <a:r>
+                        <a:rPr lang="en-SI" dirty="0"/>
+                        <a:t>R</a:t>
+                      </a:r>
+                    </a:p>
+                  </a:txBody>
+                  <a:tcPr anchor="ctr"/>
+                </a:tc>
+                <a:tc>
+                  <a:txBody>
+                    <a:bodyPr/>
+                    <a:lstStyle/>
+                    <a:p>
+                      <a:pPr algn="ctr"/>
+                      <a:r>
+                        <a:rPr lang="en-SI" dirty="0"/>
+                        <a:t>D</a:t>
+                      </a:r>
+                    </a:p>
+                  </a:txBody>
+                  <a:tcPr anchor="ctr"/>
+                </a:tc>
+                <a:tc>
+                  <a:txBody>
+                    <a:bodyPr/>
+                    <a:lstStyle/>
+                    <a:p>
+                      <a:pPr algn="ctr"/>
+                      <a:r>
+                        <a:rPr lang="en-SI" dirty="0"/>
+                        <a:t>R</a:t>
+                      </a:r>
+                    </a:p>
+                  </a:txBody>
+                  <a:tcPr anchor="ctr"/>
+                </a:tc>
+                <a:tc>
+                  <a:txBody>
+                    <a:bodyPr/>
+                    <a:lstStyle/>
+                    <a:p>
+                      <a:pPr algn="ctr"/>
+                      <a:r>
+                        <a:rPr lang="en-SI" dirty="0"/>
+                        <a:t>R</a:t>
+                      </a:r>
+                    </a:p>
+                  </a:txBody>
+                  <a:tcPr anchor="ctr"/>
+                </a:tc>
+                <a:tc>
+                  <a:txBody>
+                    <a:bodyPr/>
+                    <a:lstStyle/>
+                    <a:p>
+                      <a:pPr algn="ctr"/>
+                      <a:r>
+                        <a:rPr lang="en-SI" dirty="0"/>
+                        <a:t>D</a:t>
+                      </a:r>
+                    </a:p>
+                  </a:txBody>
+                  <a:tcPr anchor="ctr"/>
+                </a:tc>
+                <a:tc>
+                  <a:txBody>
+                    <a:bodyPr/>
+                    <a:lstStyle/>
+                    <a:p>
+                      <a:pPr algn="ctr"/>
+                      <a:r>
+                        <a:rPr lang="en-SI" dirty="0"/>
+                        <a:t>D</a:t>
+                      </a:r>
+                    </a:p>
+                  </a:txBody>
+                  <a:tcPr anchor="ctr"/>
+                </a:tc>
+                <a:tc>
+                  <a:txBody>
+                    <a:bodyPr/>
+                    <a:lstStyle/>
+                    <a:p>
+                      <a:pPr algn="ctr"/>
+                      <a:r>
+                        <a:rPr lang="en-SI" dirty="0"/>
+                        <a:t>R</a:t>
+                      </a:r>
+                    </a:p>
+                  </a:txBody>
+                  <a:tcPr anchor="ctr"/>
+                </a:tc>
+                <a:tc>
+                  <a:txBody>
+                    <a:bodyPr/>
+                    <a:lstStyle/>
+                    <a:p>
+                      <a:pPr algn="ctr"/>
+                      <a:r>
+                        <a:rPr lang="en-SI" dirty="0"/>
+                        <a:t>R</a:t>
+                      </a:r>
+                    </a:p>
+                  </a:txBody>
+                  <a:tcPr anchor="ctr"/>
+                </a:tc>
+                <a:extLst>
+                  <a:ext uri="{0D108BD9-81ED-4DB2-BD59-A6C34878D82A}">
+                    <a16:rowId xmlns:a16="http://schemas.microsoft.com/office/drawing/2014/main" val="2771205379"/>
+                  </a:ext>
+                </a:extLst>
+              </a:tr>
+            </a:tbl>
+          </a:graphicData>
+        </a:graphic>
+      </p:graphicFrame>
     </p:spTree>
     <p:extLst>
       <p:ext uri="{BB962C8B-B14F-4D97-AF65-F5344CB8AC3E}">
-        <p14:creationId xmlns:p14="http://schemas.microsoft.com/office/powerpoint/2010/main" val="863610771"/>
+        <p14:creationId xmlns:p14="http://schemas.microsoft.com/office/powerpoint/2010/main" val="960391824"/>
       </p:ext>
     </p:extLst>
   </p:cSld>
   <p:clrMapOvr>
     <a:masterClrMapping/>
   </p:clrMapOvr>
+  <p:timing>
+    <p:tnLst>
+      <p:par>
+        <p:cTn id="1" dur="indefinite" restart="never" nodeType="tmRoot">
+          <p:childTnLst>
+            <p:seq concurrent="1" nextAc="seek">
+              <p:cTn id="2" dur="indefinite" nodeType="mainSeq">
+                <p:childTnLst>
+                  <p:par>
+                    <p:cTn id="3" fill="hold">
+                      <p:stCondLst>
+                        <p:cond delay="indefinite"/>
+                        <p:cond evt="onBegin" delay="0">
+                          <p:tn val="2"/>
+                        </p:cond>
+                      </p:stCondLst>
+                      <p:childTnLst>
+                        <p:par>
+                          <p:cTn id="4" fill="hold">
+                            <p:stCondLst>
+                              <p:cond delay="0"/>
+                            </p:stCondLst>
+                            <p:childTnLst>
+                              <p:par>
+                                <p:cTn id="5" presetID="2" presetClass="entr" presetSubtype="4" fill="hold" grpId="0" nodeType="withEffect">
+                                  <p:stCondLst>
+                                    <p:cond delay="0"/>
+                                  </p:stCondLst>
+                                  <p:childTnLst>
+                                    <p:set>
+                                      <p:cBhvr>
+                                        <p:cTn id="6" dur="1" fill="hold">
+                                          <p:stCondLst>
+                                            <p:cond delay="0"/>
+                                          </p:stCondLst>
+                                        </p:cTn>
+                                        <p:tgtEl>
+                                          <p:spTgt spid="2"/>
+                                        </p:tgtEl>
+                                        <p:attrNameLst>
+                                          <p:attrName>style.visibility</p:attrName>
+                                        </p:attrNameLst>
+                                      </p:cBhvr>
+                                      <p:to>
+                                        <p:strVal val="visible"/>
+                                      </p:to>
+                                    </p:set>
+                                    <p:anim calcmode="lin" valueType="num">
+                                      <p:cBhvr additive="base">
+                                        <p:cTn id="7" dur="500" fill="hold"/>
+                                        <p:tgtEl>
+                                          <p:spTgt spid="2"/>
+                                        </p:tgtEl>
+                                        <p:attrNameLst>
+                                          <p:attrName>ppt_x</p:attrName>
+                                        </p:attrNameLst>
+                                      </p:cBhvr>
+                                      <p:tavLst>
+                                        <p:tav tm="0">
+                                          <p:val>
+                                            <p:strVal val="#ppt_x"/>
+                                          </p:val>
+                                        </p:tav>
+                                        <p:tav tm="100000">
+                                          <p:val>
+                                            <p:strVal val="#ppt_x"/>
+                                          </p:val>
+                                        </p:tav>
+                                      </p:tavLst>
+                                    </p:anim>
+                                    <p:anim calcmode="lin" valueType="num">
+                                      <p:cBhvr additive="base">
+                                        <p:cTn id="8" dur="500" fill="hold"/>
+                                        <p:tgtEl>
+                                          <p:spTgt spid="2"/>
+                                        </p:tgtEl>
+                                        <p:attrNameLst>
+                                          <p:attrName>ppt_y</p:attrName>
+                                        </p:attrNameLst>
+                                      </p:cBhvr>
+                                      <p:tavLst>
+                                        <p:tav tm="0">
+                                          <p:val>
+                                            <p:strVal val="1+#ppt_h/2"/>
+                                          </p:val>
+                                        </p:tav>
+                                        <p:tav tm="100000">
+                                          <p:val>
+                                            <p:strVal val="#ppt_y"/>
+                                          </p:val>
+                                        </p:tav>
+                                      </p:tavLst>
+                                    </p:anim>
+                                  </p:childTnLst>
+                                </p:cTn>
+                              </p:par>
+                            </p:childTnLst>
+                          </p:cTn>
+                        </p:par>
+                      </p:childTnLst>
+                    </p:cTn>
+                  </p:par>
+                  <p:par>
+                    <p:cTn id="9" fill="hold">
+                      <p:stCondLst>
+                        <p:cond delay="indefinite"/>
+                      </p:stCondLst>
+                      <p:childTnLst>
+                        <p:par>
+                          <p:cTn id="10" fill="hold">
+                            <p:stCondLst>
+                              <p:cond delay="0"/>
+                            </p:stCondLst>
+                            <p:childTnLst>
+                              <p:par>
+                                <p:cTn id="11" presetID="2" presetClass="entr" presetSubtype="4" fill="hold" nodeType="clickEffect">
+                                  <p:stCondLst>
+                                    <p:cond delay="0"/>
+                                  </p:stCondLst>
+                                  <p:childTnLst>
+                                    <p:set>
+                                      <p:cBhvr>
+                                        <p:cTn id="12" dur="1" fill="hold">
+                                          <p:stCondLst>
+                                            <p:cond delay="0"/>
+                                          </p:stCondLst>
+                                        </p:cTn>
+                                        <p:tgtEl>
+                                          <p:spTgt spid="4"/>
+                                        </p:tgtEl>
+                                        <p:attrNameLst>
+                                          <p:attrName>style.visibility</p:attrName>
+                                        </p:attrNameLst>
+                                      </p:cBhvr>
+                                      <p:to>
+                                        <p:strVal val="visible"/>
+                                      </p:to>
+                                    </p:set>
+                                    <p:anim calcmode="lin" valueType="num">
+                                      <p:cBhvr additive="base">
+                                        <p:cTn id="13" dur="500" fill="hold"/>
+                                        <p:tgtEl>
+                                          <p:spTgt spid="4"/>
+                                        </p:tgtEl>
+                                        <p:attrNameLst>
+                                          <p:attrName>ppt_x</p:attrName>
+                                        </p:attrNameLst>
+                                      </p:cBhvr>
+                                      <p:tavLst>
+                                        <p:tav tm="0">
+                                          <p:val>
+                                            <p:strVal val="#ppt_x"/>
+                                          </p:val>
+                                        </p:tav>
+                                        <p:tav tm="100000">
+                                          <p:val>
+                                            <p:strVal val="#ppt_x"/>
+                                          </p:val>
+                                        </p:tav>
+                                      </p:tavLst>
+                                    </p:anim>
+                                    <p:anim calcmode="lin" valueType="num">
+                                      <p:cBhvr additive="base">
+                                        <p:cTn id="14" dur="500" fill="hold"/>
+                                        <p:tgtEl>
+                                          <p:spTgt spid="4"/>
+                                        </p:tgtEl>
+                                        <p:attrNameLst>
+                                          <p:attrName>ppt_y</p:attrName>
+                                        </p:attrNameLst>
+                                      </p:cBhvr>
+                                      <p:tavLst>
+                                        <p:tav tm="0">
+                                          <p:val>
+                                            <p:strVal val="1+#ppt_h/2"/>
+                                          </p:val>
+                                        </p:tav>
+                                        <p:tav tm="100000">
+                                          <p:val>
+                                            <p:strVal val="#ppt_y"/>
+                                          </p:val>
+                                        </p:tav>
+                                      </p:tavLst>
+                                    </p:anim>
+                                  </p:childTnLst>
+                                </p:cTn>
+                              </p:par>
+                            </p:childTnLst>
+                          </p:cTn>
+                        </p:par>
+                      </p:childTnLst>
+                    </p:cTn>
+                  </p:par>
+                  <p:par>
+                    <p:cTn id="15" fill="hold">
+                      <p:stCondLst>
+                        <p:cond delay="indefinite"/>
+                      </p:stCondLst>
+                      <p:childTnLst>
+                        <p:par>
+                          <p:cTn id="16" fill="hold">
+                            <p:stCondLst>
+                              <p:cond delay="0"/>
+                            </p:stCondLst>
+                            <p:childTnLst>
+                              <p:par>
+                                <p:cTn id="17" presetID="2" presetClass="entr" presetSubtype="4" fill="hold" nodeType="clickEffect">
+                                  <p:stCondLst>
+                                    <p:cond delay="0"/>
+                                  </p:stCondLst>
+                                  <p:childTnLst>
+                                    <p:set>
+                                      <p:cBhvr>
+                                        <p:cTn id="18" dur="1" fill="hold">
+                                          <p:stCondLst>
+                                            <p:cond delay="0"/>
+                                          </p:stCondLst>
+                                        </p:cTn>
+                                        <p:tgtEl>
+                                          <p:spTgt spid="3">
+                                            <p:txEl>
+                                              <p:pRg st="0" end="0"/>
+                                            </p:txEl>
+                                          </p:spTgt>
+                                        </p:tgtEl>
+                                        <p:attrNameLst>
+                                          <p:attrName>style.visibility</p:attrName>
+                                        </p:attrNameLst>
+                                      </p:cBhvr>
+                                      <p:to>
+                                        <p:strVal val="visible"/>
+                                      </p:to>
+                                    </p:set>
+                                    <p:anim calcmode="lin" valueType="num">
+                                      <p:cBhvr additive="base">
+                                        <p:cTn id="19" dur="500" fill="hold"/>
+                                        <p:tgtEl>
+                                          <p:spTgt spid="3">
+                                            <p:txEl>
+                                              <p:pRg st="0" end="0"/>
+                                            </p:txEl>
+                                          </p:spTgt>
+                                        </p:tgtEl>
+                                        <p:attrNameLst>
+                                          <p:attrName>ppt_x</p:attrName>
+                                        </p:attrNameLst>
+                                      </p:cBhvr>
+                                      <p:tavLst>
+                                        <p:tav tm="0">
+                                          <p:val>
+                                            <p:strVal val="#ppt_x"/>
+                                          </p:val>
+                                        </p:tav>
+                                        <p:tav tm="100000">
+                                          <p:val>
+                                            <p:strVal val="#ppt_x"/>
+                                          </p:val>
+                                        </p:tav>
+                                      </p:tavLst>
+                                    </p:anim>
+                                    <p:anim calcmode="lin" valueType="num">
+                                      <p:cBhvr additive="base">
+                                        <p:cTn id="20" dur="500" fill="hold"/>
+                                        <p:tgtEl>
+                                          <p:spTgt spid="3">
+                                            <p:txEl>
+                                              <p:pRg st="0" end="0"/>
+                                            </p:txEl>
+                                          </p:spTgt>
+                                        </p:tgtEl>
+                                        <p:attrNameLst>
+                                          <p:attrName>ppt_y</p:attrName>
+                                        </p:attrNameLst>
+                                      </p:cBhvr>
+                                      <p:tavLst>
+                                        <p:tav tm="0">
+                                          <p:val>
+                                            <p:strVal val="1+#ppt_h/2"/>
+                                          </p:val>
+                                        </p:tav>
+                                        <p:tav tm="100000">
+                                          <p:val>
+                                            <p:strVal val="#ppt_y"/>
+                                          </p:val>
+                                        </p:tav>
+                                      </p:tavLst>
+                                    </p:anim>
+                                  </p:childTnLst>
+                                </p:cTn>
+                              </p:par>
+                            </p:childTnLst>
+                          </p:cTn>
+                        </p:par>
+                        <p:par>
+                          <p:cTn id="21" fill="hold">
+                            <p:stCondLst>
+                              <p:cond delay="500"/>
+                            </p:stCondLst>
+                            <p:childTnLst>
+                              <p:par>
+                                <p:cTn id="22" presetID="2" presetClass="entr" presetSubtype="4" fill="hold" nodeType="afterEffect">
+                                  <p:stCondLst>
+                                    <p:cond delay="0"/>
+                                  </p:stCondLst>
+                                  <p:childTnLst>
+                                    <p:set>
+                                      <p:cBhvr>
+                                        <p:cTn id="23" dur="1" fill="hold">
+                                          <p:stCondLst>
+                                            <p:cond delay="0"/>
+                                          </p:stCondLst>
+                                        </p:cTn>
+                                        <p:tgtEl>
+                                          <p:spTgt spid="5"/>
+                                        </p:tgtEl>
+                                        <p:attrNameLst>
+                                          <p:attrName>style.visibility</p:attrName>
+                                        </p:attrNameLst>
+                                      </p:cBhvr>
+                                      <p:to>
+                                        <p:strVal val="visible"/>
+                                      </p:to>
+                                    </p:set>
+                                    <p:anim calcmode="lin" valueType="num">
+                                      <p:cBhvr additive="base">
+                                        <p:cTn id="24" dur="500" fill="hold"/>
+                                        <p:tgtEl>
+                                          <p:spTgt spid="5"/>
+                                        </p:tgtEl>
+                                        <p:attrNameLst>
+                                          <p:attrName>ppt_x</p:attrName>
+                                        </p:attrNameLst>
+                                      </p:cBhvr>
+                                      <p:tavLst>
+                                        <p:tav tm="0">
+                                          <p:val>
+                                            <p:strVal val="#ppt_x"/>
+                                          </p:val>
+                                        </p:tav>
+                                        <p:tav tm="100000">
+                                          <p:val>
+                                            <p:strVal val="#ppt_x"/>
+                                          </p:val>
+                                        </p:tav>
+                                      </p:tavLst>
+                                    </p:anim>
+                                    <p:anim calcmode="lin" valueType="num">
+                                      <p:cBhvr additive="base">
+                                        <p:cTn id="25" dur="500" fill="hold"/>
+                                        <p:tgtEl>
+                                          <p:spTgt spid="5"/>
+                                        </p:tgtEl>
+                                        <p:attrNameLst>
+                                          <p:attrName>ppt_y</p:attrName>
+                                        </p:attrNameLst>
+                                      </p:cBhvr>
+                                      <p:tavLst>
+                                        <p:tav tm="0">
+                                          <p:val>
+                                            <p:strVal val="1+#ppt_h/2"/>
+                                          </p:val>
+                                        </p:tav>
+                                        <p:tav tm="100000">
+                                          <p:val>
+                                            <p:strVal val="#ppt_y"/>
+                                          </p:val>
+                                        </p:tav>
+                                      </p:tavLst>
+                                    </p:anim>
+                                  </p:childTnLst>
+                                </p:cTn>
+                              </p:par>
+                            </p:childTnLst>
+                          </p:cTn>
+                        </p:par>
+                      </p:childTnLst>
+                    </p:cTn>
+                  </p:par>
+                  <p:par>
+                    <p:cTn id="26" fill="hold">
+                      <p:stCondLst>
+                        <p:cond delay="indefinite"/>
+                      </p:stCondLst>
+                      <p:childTnLst>
+                        <p:par>
+                          <p:cTn id="27" fill="hold">
+                            <p:stCondLst>
+                              <p:cond delay="0"/>
+                            </p:stCondLst>
+                            <p:childTnLst>
+                              <p:par>
+                                <p:cTn id="28" presetID="2" presetClass="entr" presetSubtype="4" fill="hold" nodeType="clickEffect">
+                                  <p:stCondLst>
+                                    <p:cond delay="0"/>
+                                  </p:stCondLst>
+                                  <p:childTnLst>
+                                    <p:set>
+                                      <p:cBhvr>
+                                        <p:cTn id="29" dur="1" fill="hold">
+                                          <p:stCondLst>
+                                            <p:cond delay="0"/>
+                                          </p:stCondLst>
+                                        </p:cTn>
+                                        <p:tgtEl>
+                                          <p:spTgt spid="3">
+                                            <p:txEl>
+                                              <p:pRg st="4" end="4"/>
+                                            </p:txEl>
+                                          </p:spTgt>
+                                        </p:tgtEl>
+                                        <p:attrNameLst>
+                                          <p:attrName>style.visibility</p:attrName>
+                                        </p:attrNameLst>
+                                      </p:cBhvr>
+                                      <p:to>
+                                        <p:strVal val="visible"/>
+                                      </p:to>
+                                    </p:set>
+                                    <p:anim calcmode="lin" valueType="num">
+                                      <p:cBhvr additive="base">
+                                        <p:cTn id="30" dur="500" fill="hold"/>
+                                        <p:tgtEl>
+                                          <p:spTgt spid="3">
+                                            <p:txEl>
+                                              <p:pRg st="4" end="4"/>
+                                            </p:txEl>
+                                          </p:spTgt>
+                                        </p:tgtEl>
+                                        <p:attrNameLst>
+                                          <p:attrName>ppt_x</p:attrName>
+                                        </p:attrNameLst>
+                                      </p:cBhvr>
+                                      <p:tavLst>
+                                        <p:tav tm="0">
+                                          <p:val>
+                                            <p:strVal val="#ppt_x"/>
+                                          </p:val>
+                                        </p:tav>
+                                        <p:tav tm="100000">
+                                          <p:val>
+                                            <p:strVal val="#ppt_x"/>
+                                          </p:val>
+                                        </p:tav>
+                                      </p:tavLst>
+                                    </p:anim>
+                                    <p:anim calcmode="lin" valueType="num">
+                                      <p:cBhvr additive="base">
+                                        <p:cTn id="31" dur="500" fill="hold"/>
+                                        <p:tgtEl>
+                                          <p:spTgt spid="3">
+                                            <p:txEl>
+                                              <p:pRg st="4" end="4"/>
+                                            </p:txEl>
+                                          </p:spTgt>
+                                        </p:tgtEl>
+                                        <p:attrNameLst>
+                                          <p:attrName>ppt_y</p:attrName>
+                                        </p:attrNameLst>
+                                      </p:cBhvr>
+                                      <p:tavLst>
+                                        <p:tav tm="0">
+                                          <p:val>
+                                            <p:strVal val="1+#ppt_h/2"/>
+                                          </p:val>
+                                        </p:tav>
+                                        <p:tav tm="100000">
+                                          <p:val>
+                                            <p:strVal val="#ppt_y"/>
+                                          </p:val>
+                                        </p:tav>
+                                      </p:tavLst>
+                                    </p:anim>
+                                  </p:childTnLst>
+                                </p:cTn>
+                              </p:par>
+                              <p:par>
+                                <p:cTn id="32" presetID="2" presetClass="entr" presetSubtype="4" fill="hold" nodeType="withEffect">
+                                  <p:stCondLst>
+                                    <p:cond delay="0"/>
+                                  </p:stCondLst>
+                                  <p:childTnLst>
+                                    <p:set>
+                                      <p:cBhvr>
+                                        <p:cTn id="33" dur="1" fill="hold">
+                                          <p:stCondLst>
+                                            <p:cond delay="0"/>
+                                          </p:stCondLst>
+                                        </p:cTn>
+                                        <p:tgtEl>
+                                          <p:spTgt spid="3">
+                                            <p:txEl>
+                                              <p:pRg st="5" end="5"/>
+                                            </p:txEl>
+                                          </p:spTgt>
+                                        </p:tgtEl>
+                                        <p:attrNameLst>
+                                          <p:attrName>style.visibility</p:attrName>
+                                        </p:attrNameLst>
+                                      </p:cBhvr>
+                                      <p:to>
+                                        <p:strVal val="visible"/>
+                                      </p:to>
+                                    </p:set>
+                                    <p:anim calcmode="lin" valueType="num">
+                                      <p:cBhvr additive="base">
+                                        <p:cTn id="34" dur="500" fill="hold"/>
+                                        <p:tgtEl>
+                                          <p:spTgt spid="3">
+                                            <p:txEl>
+                                              <p:pRg st="5" end="5"/>
+                                            </p:txEl>
+                                          </p:spTgt>
+                                        </p:tgtEl>
+                                        <p:attrNameLst>
+                                          <p:attrName>ppt_x</p:attrName>
+                                        </p:attrNameLst>
+                                      </p:cBhvr>
+                                      <p:tavLst>
+                                        <p:tav tm="0">
+                                          <p:val>
+                                            <p:strVal val="#ppt_x"/>
+                                          </p:val>
+                                        </p:tav>
+                                        <p:tav tm="100000">
+                                          <p:val>
+                                            <p:strVal val="#ppt_x"/>
+                                          </p:val>
+                                        </p:tav>
+                                      </p:tavLst>
+                                    </p:anim>
+                                    <p:anim calcmode="lin" valueType="num">
+                                      <p:cBhvr additive="base">
+                                        <p:cTn id="35" dur="500" fill="hold"/>
+                                        <p:tgtEl>
+                                          <p:spTgt spid="3">
+                                            <p:txEl>
+                                              <p:pRg st="5" end="5"/>
+                                            </p:txEl>
+                                          </p:spTgt>
+                                        </p:tgtEl>
+                                        <p:attrNameLst>
+                                          <p:attrName>ppt_y</p:attrName>
+                                        </p:attrNameLst>
+                                      </p:cBhvr>
+                                      <p:tavLst>
+                                        <p:tav tm="0">
+                                          <p:val>
+                                            <p:strVal val="1+#ppt_h/2"/>
+                                          </p:val>
+                                        </p:tav>
+                                        <p:tav tm="100000">
+                                          <p:val>
+                                            <p:strVal val="#ppt_y"/>
+                                          </p:val>
+                                        </p:tav>
+                                      </p:tavLst>
+                                    </p:anim>
+                                  </p:childTnLst>
+                                </p:cTn>
+                              </p:par>
+                              <p:par>
+                                <p:cTn id="36" presetID="2" presetClass="entr" presetSubtype="4" fill="hold" nodeType="withEffect">
+                                  <p:stCondLst>
+                                    <p:cond delay="0"/>
+                                  </p:stCondLst>
+                                  <p:childTnLst>
+                                    <p:set>
+                                      <p:cBhvr>
+                                        <p:cTn id="37" dur="1" fill="hold">
+                                          <p:stCondLst>
+                                            <p:cond delay="0"/>
+                                          </p:stCondLst>
+                                        </p:cTn>
+                                        <p:tgtEl>
+                                          <p:spTgt spid="3">
+                                            <p:txEl>
+                                              <p:pRg st="6" end="6"/>
+                                            </p:txEl>
+                                          </p:spTgt>
+                                        </p:tgtEl>
+                                        <p:attrNameLst>
+                                          <p:attrName>style.visibility</p:attrName>
+                                        </p:attrNameLst>
+                                      </p:cBhvr>
+                                      <p:to>
+                                        <p:strVal val="visible"/>
+                                      </p:to>
+                                    </p:set>
+                                    <p:anim calcmode="lin" valueType="num">
+                                      <p:cBhvr additive="base">
+                                        <p:cTn id="38" dur="500" fill="hold"/>
+                                        <p:tgtEl>
+                                          <p:spTgt spid="3">
+                                            <p:txEl>
+                                              <p:pRg st="6" end="6"/>
+                                            </p:txEl>
+                                          </p:spTgt>
+                                        </p:tgtEl>
+                                        <p:attrNameLst>
+                                          <p:attrName>ppt_x</p:attrName>
+                                        </p:attrNameLst>
+                                      </p:cBhvr>
+                                      <p:tavLst>
+                                        <p:tav tm="0">
+                                          <p:val>
+                                            <p:strVal val="#ppt_x"/>
+                                          </p:val>
+                                        </p:tav>
+                                        <p:tav tm="100000">
+                                          <p:val>
+                                            <p:strVal val="#ppt_x"/>
+                                          </p:val>
+                                        </p:tav>
+                                      </p:tavLst>
+                                    </p:anim>
+                                    <p:anim calcmode="lin" valueType="num">
+                                      <p:cBhvr additive="base">
+                                        <p:cTn id="39" dur="500" fill="hold"/>
+                                        <p:tgtEl>
+                                          <p:spTgt spid="3">
+                                            <p:txEl>
+                                              <p:pRg st="6" end="6"/>
+                                            </p:txEl>
+                                          </p:spTgt>
+                                        </p:tgtEl>
+                                        <p:attrNameLst>
+                                          <p:attrName>ppt_y</p:attrName>
+                                        </p:attrNameLst>
+                                      </p:cBhvr>
+                                      <p:tavLst>
+                                        <p:tav tm="0">
+                                          <p:val>
+                                            <p:strVal val="1+#ppt_h/2"/>
+                                          </p:val>
+                                        </p:tav>
+                                        <p:tav tm="100000">
+                                          <p:val>
+                                            <p:strVal val="#ppt_y"/>
+                                          </p:val>
+                                        </p:tav>
+                                      </p:tavLst>
+                                    </p:anim>
+                                  </p:childTnLst>
+                                </p:cTn>
+                              </p:par>
+                            </p:childTnLst>
+                          </p:cTn>
+                        </p:par>
+                      </p:childTnLst>
+                    </p:cTn>
+                  </p:par>
+                </p:childTnLst>
+              </p:cTn>
+              <p:prevCondLst>
+                <p:cond evt="onPrev" delay="0">
+                  <p:tgtEl>
+                    <p:sldTgt/>
+                  </p:tgtEl>
+                </p:cond>
+              </p:prevCondLst>
+              <p:nextCondLst>
+                <p:cond evt="onNext" delay="0">
+                  <p:tgtEl>
+                    <p:sldTgt/>
+                  </p:tgtEl>
+                </p:cond>
+              </p:nextCondLst>
+            </p:seq>
+          </p:childTnLst>
+        </p:cTn>
+      </p:par>
+    </p:tnLst>
+    <p:bldLst>
+      <p:bldP spid="2" grpId="0"/>
+    </p:bldLst>
+  </p:timing>
 </p:sld>
 </file>
 
-<file path=ppt/slides/slide11.xml><?xml version="1.0" encoding="utf-8"?>
+<file path=ppt/slides/slide12.xml><?xml version="1.0" encoding="utf-8"?>
 <p:sld xmlns:a="http://schemas.openxmlformats.org/drawingml/2006/main" xmlns:r="http://schemas.openxmlformats.org/officeDocument/2006/relationships" xmlns:p="http://schemas.openxmlformats.org/presentationml/2006/main">
   <p:cSld>
     <p:spTree>
@@ -6190,8 +7667,8 @@
           </a:p>
         </p:txBody>
       </p:sp>
-      <mc:AlternateContent xmlns:mc="http://schemas.openxmlformats.org/markup-compatibility/2006">
-        <mc:Choice xmlns:a14="http://schemas.microsoft.com/office/drawing/2010/main" Requires="a14">
+      <mc:AlternateContent xmlns:mc="http://schemas.openxmlformats.org/markup-compatibility/2006" xmlns:a14="http://schemas.microsoft.com/office/drawing/2010/main">
+        <mc:Choice Requires="a14">
           <p:sp>
             <p:nvSpPr>
               <p:cNvPr id="3" name="Content Placeholder 2">
@@ -6342,7 +7819,7 @@
             </p:txBody>
           </p:sp>
         </mc:Choice>
-        <mc:Fallback>
+        <mc:Fallback xmlns="">
           <p:sp>
             <p:nvSpPr>
               <p:cNvPr id="3" name="Content Placeholder 2">
@@ -6399,7 +7876,7 @@
 </p:sld>
 </file>
 
-<file path=ppt/slides/slide12.xml><?xml version="1.0" encoding="utf-8"?>
+<file path=ppt/slides/slide13.xml><?xml version="1.0" encoding="utf-8"?>
 <p:sld xmlns:a="http://schemas.openxmlformats.org/drawingml/2006/main" xmlns:r="http://schemas.openxmlformats.org/officeDocument/2006/relationships" xmlns:p="http://schemas.openxmlformats.org/presentationml/2006/main">
   <p:cSld>
     <p:spTree>
@@ -6446,8 +7923,8 @@
           </a:p>
         </p:txBody>
       </p:sp>
-      <mc:AlternateContent xmlns:mc="http://schemas.openxmlformats.org/markup-compatibility/2006">
-        <mc:Choice xmlns:a14="http://schemas.microsoft.com/office/drawing/2010/main" Requires="a14">
+      <mc:AlternateContent xmlns:mc="http://schemas.openxmlformats.org/markup-compatibility/2006" xmlns:a14="http://schemas.microsoft.com/office/drawing/2010/main">
+        <mc:Choice Requires="a14">
           <p:sp>
             <p:nvSpPr>
               <p:cNvPr id="3" name="Content Placeholder 2">
@@ -6623,7 +8100,7 @@
             </p:txBody>
           </p:sp>
         </mc:Choice>
-        <mc:Fallback>
+        <mc:Fallback xmlns="">
           <p:sp>
             <p:nvSpPr>
               <p:cNvPr id="3" name="Content Placeholder 2">
@@ -8089,8 +9566,8 @@
           </a:p>
         </p:txBody>
       </p:sp>
-      <mc:AlternateContent xmlns:mc="http://schemas.openxmlformats.org/markup-compatibility/2006">
-        <mc:Choice xmlns:a14="http://schemas.microsoft.com/office/drawing/2010/main" Requires="a14">
+      <mc:AlternateContent xmlns:mc="http://schemas.openxmlformats.org/markup-compatibility/2006" xmlns:a14="http://schemas.microsoft.com/office/drawing/2010/main">
+        <mc:Choice Requires="a14">
           <p:sp>
             <p:nvSpPr>
               <p:cNvPr id="3" name="Označba mesta vsebine 2">
@@ -8927,7 +10404,7 @@
             </p:txBody>
           </p:sp>
         </mc:Choice>
-        <mc:Fallback>
+        <mc:Fallback xmlns="">
           <p:sp>
             <p:nvSpPr>
               <p:cNvPr id="3" name="Označba mesta vsebine 2">
@@ -9031,8 +10508,8 @@
           </a:p>
         </p:txBody>
       </p:sp>
-      <mc:AlternateContent xmlns:mc="http://schemas.openxmlformats.org/markup-compatibility/2006">
-        <mc:Choice xmlns:a14="http://schemas.microsoft.com/office/drawing/2010/main" Requires="a14">
+      <mc:AlternateContent xmlns:mc="http://schemas.openxmlformats.org/markup-compatibility/2006" xmlns:a14="http://schemas.microsoft.com/office/drawing/2010/main">
+        <mc:Choice Requires="a14">
           <p:sp>
             <p:nvSpPr>
               <p:cNvPr id="3" name="Označba mesta vsebine 2">
@@ -9148,7 +10625,7 @@
             </p:txBody>
           </p:sp>
         </mc:Choice>
-        <mc:Fallback>
+        <mc:Fallback xmlns="">
           <p:sp>
             <p:nvSpPr>
               <p:cNvPr id="3" name="Označba mesta vsebine 2">
@@ -9192,8 +10669,8 @@
           </p:sp>
         </mc:Fallback>
       </mc:AlternateContent>
-      <mc:AlternateContent xmlns:mc="http://schemas.openxmlformats.org/markup-compatibility/2006">
-        <mc:Choice xmlns:a14="http://schemas.microsoft.com/office/drawing/2010/main" Requires="a14">
+      <mc:AlternateContent xmlns:mc="http://schemas.openxmlformats.org/markup-compatibility/2006" xmlns:a14="http://schemas.microsoft.com/office/drawing/2010/main">
+        <mc:Choice Requires="a14">
           <p:sp>
             <p:nvSpPr>
               <p:cNvPr id="4" name="Rectangle 3">
@@ -10138,7 +11615,7 @@
             </p:txBody>
           </p:sp>
         </mc:Choice>
-        <mc:Fallback>
+        <mc:Fallback xmlns="">
           <p:sp>
             <p:nvSpPr>
               <p:cNvPr id="4" name="Rectangle 3">
@@ -10264,10 +11741,2039 @@
           <a:bodyPr/>
           <a:lstStyle/>
           <a:p>
+            <a:r>
+              <a:rPr lang="en-SI" dirty="0"/>
+              <a:t>Postavimo se na poljubno mesto v seznamu.</a:t>
+            </a:r>
+          </a:p>
+          <a:p>
+            <a:r>
+              <a:rPr lang="en-SI" dirty="0"/>
+              <a:t>Preverimo indeks.</a:t>
+            </a:r>
+          </a:p>
+          <a:p>
+            <a:pPr lvl="1"/>
+            <a:r>
+              <a:rPr lang="en-SI" dirty="0"/>
+              <a:t>Če smo na sodem indeksu gledamo elemente na desni strani. </a:t>
+            </a:r>
+            <a:r>
+              <a:rPr lang="en-SI" dirty="0">
+                <a:solidFill>
+                  <a:srgbClr val="0070C0"/>
+                </a:solidFill>
+              </a:rPr>
+              <a:t>(MODER)</a:t>
+            </a:r>
+          </a:p>
+          <a:p>
+            <a:pPr lvl="1"/>
+            <a:r>
+              <a:rPr lang="en-SI" dirty="0"/>
+              <a:t>Če smo na lihem indeksu gledamo elemente na levi strani. </a:t>
+            </a:r>
+            <a:r>
+              <a:rPr lang="en-SI" dirty="0">
+                <a:solidFill>
+                  <a:srgbClr val="C00000"/>
+                </a:solidFill>
+              </a:rPr>
+              <a:t>(RDEČ)	</a:t>
+            </a:r>
+          </a:p>
+          <a:p>
+            <a:pPr lvl="1"/>
             <a:endParaRPr lang="en-SI" dirty="0"/>
+          </a:p>
+          <a:p>
+            <a:pPr lvl="1"/>
+            <a:endParaRPr lang="en-SI" dirty="0"/>
+          </a:p>
+          <a:p>
+            <a:pPr marL="457188" lvl="1" indent="0">
+              <a:buNone/>
+            </a:pPr>
+            <a:endParaRPr lang="en-SI" dirty="0"/>
+          </a:p>
+          <a:p>
+            <a:pPr lvl="1"/>
+            <a:r>
+              <a:rPr lang="en-SI" dirty="0"/>
+              <a:t>N = 10</a:t>
+            </a:r>
           </a:p>
         </p:txBody>
       </p:sp>
+      <p:graphicFrame>
+        <p:nvGraphicFramePr>
+          <p:cNvPr id="4" name="Table 4">
+            <a:extLst>
+              <a:ext uri="{FF2B5EF4-FFF2-40B4-BE49-F238E27FC236}">
+                <a16:creationId xmlns:a16="http://schemas.microsoft.com/office/drawing/2014/main" id="{7D66C1ED-BB0F-FDB0-CEB6-DC24718B6F06}"/>
+              </a:ext>
+            </a:extLst>
+          </p:cNvPr>
+          <p:cNvGraphicFramePr>
+            <a:graphicFrameLocks noGrp="1"/>
+          </p:cNvGraphicFramePr>
+          <p:nvPr>
+            <p:extLst>
+              <p:ext uri="{D42A27DB-BD31-4B8C-83A1-F6EECF244321}">
+                <p14:modId xmlns:p14="http://schemas.microsoft.com/office/powerpoint/2010/main" val="2552225844"/>
+              </p:ext>
+            </p:extLst>
+          </p:nvPr>
+        </p:nvGraphicFramePr>
+        <p:xfrm>
+          <a:off x="636104" y="3896140"/>
+          <a:ext cx="10800000" cy="540000"/>
+        </p:xfrm>
+        <a:graphic>
+          <a:graphicData uri="http://schemas.openxmlformats.org/drawingml/2006/table">
+            <a:tbl>
+              <a:tblPr firstRow="1" bandRow="1">
+                <a:tableStyleId>{5940675A-B579-460E-94D1-54222C63F5DA}</a:tableStyleId>
+              </a:tblPr>
+              <a:tblGrid>
+                <a:gridCol w="540000">
+                  <a:extLst>
+                    <a:ext uri="{9D8B030D-6E8A-4147-A177-3AD203B41FA5}">
+                      <a16:colId xmlns:a16="http://schemas.microsoft.com/office/drawing/2014/main" val="4232747365"/>
+                    </a:ext>
+                  </a:extLst>
+                </a:gridCol>
+                <a:gridCol w="540000">
+                  <a:extLst>
+                    <a:ext uri="{9D8B030D-6E8A-4147-A177-3AD203B41FA5}">
+                      <a16:colId xmlns:a16="http://schemas.microsoft.com/office/drawing/2014/main" val="3296193685"/>
+                    </a:ext>
+                  </a:extLst>
+                </a:gridCol>
+                <a:gridCol w="540000">
+                  <a:extLst>
+                    <a:ext uri="{9D8B030D-6E8A-4147-A177-3AD203B41FA5}">
+                      <a16:colId xmlns:a16="http://schemas.microsoft.com/office/drawing/2014/main" val="4081525451"/>
+                    </a:ext>
+                  </a:extLst>
+                </a:gridCol>
+                <a:gridCol w="540000">
+                  <a:extLst>
+                    <a:ext uri="{9D8B030D-6E8A-4147-A177-3AD203B41FA5}">
+                      <a16:colId xmlns:a16="http://schemas.microsoft.com/office/drawing/2014/main" val="3013727427"/>
+                    </a:ext>
+                  </a:extLst>
+                </a:gridCol>
+                <a:gridCol w="540000">
+                  <a:extLst>
+                    <a:ext uri="{9D8B030D-6E8A-4147-A177-3AD203B41FA5}">
+                      <a16:colId xmlns:a16="http://schemas.microsoft.com/office/drawing/2014/main" val="2959148038"/>
+                    </a:ext>
+                  </a:extLst>
+                </a:gridCol>
+                <a:gridCol w="540000">
+                  <a:extLst>
+                    <a:ext uri="{9D8B030D-6E8A-4147-A177-3AD203B41FA5}">
+                      <a16:colId xmlns:a16="http://schemas.microsoft.com/office/drawing/2014/main" val="3938344035"/>
+                    </a:ext>
+                  </a:extLst>
+                </a:gridCol>
+                <a:gridCol w="540000">
+                  <a:extLst>
+                    <a:ext uri="{9D8B030D-6E8A-4147-A177-3AD203B41FA5}">
+                      <a16:colId xmlns:a16="http://schemas.microsoft.com/office/drawing/2014/main" val="2802187671"/>
+                    </a:ext>
+                  </a:extLst>
+                </a:gridCol>
+                <a:gridCol w="540000">
+                  <a:extLst>
+                    <a:ext uri="{9D8B030D-6E8A-4147-A177-3AD203B41FA5}">
+                      <a16:colId xmlns:a16="http://schemas.microsoft.com/office/drawing/2014/main" val="1463534504"/>
+                    </a:ext>
+                  </a:extLst>
+                </a:gridCol>
+                <a:gridCol w="540000">
+                  <a:extLst>
+                    <a:ext uri="{9D8B030D-6E8A-4147-A177-3AD203B41FA5}">
+                      <a16:colId xmlns:a16="http://schemas.microsoft.com/office/drawing/2014/main" val="503147601"/>
+                    </a:ext>
+                  </a:extLst>
+                </a:gridCol>
+                <a:gridCol w="540000">
+                  <a:extLst>
+                    <a:ext uri="{9D8B030D-6E8A-4147-A177-3AD203B41FA5}">
+                      <a16:colId xmlns:a16="http://schemas.microsoft.com/office/drawing/2014/main" val="3705210164"/>
+                    </a:ext>
+                  </a:extLst>
+                </a:gridCol>
+                <a:gridCol w="540000">
+                  <a:extLst>
+                    <a:ext uri="{9D8B030D-6E8A-4147-A177-3AD203B41FA5}">
+                      <a16:colId xmlns:a16="http://schemas.microsoft.com/office/drawing/2014/main" val="3214377186"/>
+                    </a:ext>
+                  </a:extLst>
+                </a:gridCol>
+                <a:gridCol w="540000">
+                  <a:extLst>
+                    <a:ext uri="{9D8B030D-6E8A-4147-A177-3AD203B41FA5}">
+                      <a16:colId xmlns:a16="http://schemas.microsoft.com/office/drawing/2014/main" val="67733307"/>
+                    </a:ext>
+                  </a:extLst>
+                </a:gridCol>
+                <a:gridCol w="540000">
+                  <a:extLst>
+                    <a:ext uri="{9D8B030D-6E8A-4147-A177-3AD203B41FA5}">
+                      <a16:colId xmlns:a16="http://schemas.microsoft.com/office/drawing/2014/main" val="3143927989"/>
+                    </a:ext>
+                  </a:extLst>
+                </a:gridCol>
+                <a:gridCol w="540000">
+                  <a:extLst>
+                    <a:ext uri="{9D8B030D-6E8A-4147-A177-3AD203B41FA5}">
+                      <a16:colId xmlns:a16="http://schemas.microsoft.com/office/drawing/2014/main" val="1211040311"/>
+                    </a:ext>
+                  </a:extLst>
+                </a:gridCol>
+                <a:gridCol w="540000">
+                  <a:extLst>
+                    <a:ext uri="{9D8B030D-6E8A-4147-A177-3AD203B41FA5}">
+                      <a16:colId xmlns:a16="http://schemas.microsoft.com/office/drawing/2014/main" val="4086816256"/>
+                    </a:ext>
+                  </a:extLst>
+                </a:gridCol>
+                <a:gridCol w="540000">
+                  <a:extLst>
+                    <a:ext uri="{9D8B030D-6E8A-4147-A177-3AD203B41FA5}">
+                      <a16:colId xmlns:a16="http://schemas.microsoft.com/office/drawing/2014/main" val="2194444486"/>
+                    </a:ext>
+                  </a:extLst>
+                </a:gridCol>
+                <a:gridCol w="540000">
+                  <a:extLst>
+                    <a:ext uri="{9D8B030D-6E8A-4147-A177-3AD203B41FA5}">
+                      <a16:colId xmlns:a16="http://schemas.microsoft.com/office/drawing/2014/main" val="2330529557"/>
+                    </a:ext>
+                  </a:extLst>
+                </a:gridCol>
+                <a:gridCol w="540000">
+                  <a:extLst>
+                    <a:ext uri="{9D8B030D-6E8A-4147-A177-3AD203B41FA5}">
+                      <a16:colId xmlns:a16="http://schemas.microsoft.com/office/drawing/2014/main" val="2874831356"/>
+                    </a:ext>
+                  </a:extLst>
+                </a:gridCol>
+                <a:gridCol w="540000">
+                  <a:extLst>
+                    <a:ext uri="{9D8B030D-6E8A-4147-A177-3AD203B41FA5}">
+                      <a16:colId xmlns:a16="http://schemas.microsoft.com/office/drawing/2014/main" val="280207789"/>
+                    </a:ext>
+                  </a:extLst>
+                </a:gridCol>
+                <a:gridCol w="540000">
+                  <a:extLst>
+                    <a:ext uri="{9D8B030D-6E8A-4147-A177-3AD203B41FA5}">
+                      <a16:colId xmlns:a16="http://schemas.microsoft.com/office/drawing/2014/main" val="819632331"/>
+                    </a:ext>
+                  </a:extLst>
+                </a:gridCol>
+              </a:tblGrid>
+              <a:tr h="540000">
+                <a:tc>
+                  <a:txBody>
+                    <a:bodyPr/>
+                    <a:lstStyle/>
+                    <a:p>
+                      <a:pPr algn="ctr"/>
+                      <a:r>
+                        <a:rPr lang="en-SI" dirty="0"/>
+                        <a:t>1</a:t>
+                      </a:r>
+                    </a:p>
+                  </a:txBody>
+                  <a:tcPr anchor="ctr">
+                    <a:gradFill flip="none" rotWithShape="1">
+                      <a:gsLst>
+                        <a:gs pos="0">
+                          <a:srgbClr val="C00000">
+                            <a:tint val="66000"/>
+                            <a:satMod val="160000"/>
+                          </a:srgbClr>
+                        </a:gs>
+                        <a:gs pos="50000">
+                          <a:srgbClr val="C00000">
+                            <a:tint val="44500"/>
+                            <a:satMod val="160000"/>
+                          </a:srgbClr>
+                        </a:gs>
+                        <a:gs pos="100000">
+                          <a:srgbClr val="C00000">
+                            <a:tint val="23500"/>
+                            <a:satMod val="160000"/>
+                          </a:srgbClr>
+                        </a:gs>
+                      </a:gsLst>
+                      <a:lin ang="5400000" scaled="1"/>
+                      <a:tileRect/>
+                    </a:gradFill>
+                  </a:tcPr>
+                </a:tc>
+                <a:tc>
+                  <a:txBody>
+                    <a:bodyPr/>
+                    <a:lstStyle/>
+                    <a:p>
+                      <a:pPr algn="ctr"/>
+                      <a:r>
+                        <a:rPr lang="en-SI" dirty="0"/>
+                        <a:t>1</a:t>
+                      </a:r>
+                    </a:p>
+                  </a:txBody>
+                  <a:tcPr anchor="ctr">
+                    <a:gradFill flip="none" rotWithShape="1">
+                      <a:gsLst>
+                        <a:gs pos="0">
+                          <a:srgbClr val="0070C0">
+                            <a:tint val="66000"/>
+                            <a:satMod val="160000"/>
+                          </a:srgbClr>
+                        </a:gs>
+                        <a:gs pos="50000">
+                          <a:srgbClr val="0070C0">
+                            <a:tint val="44500"/>
+                            <a:satMod val="160000"/>
+                          </a:srgbClr>
+                        </a:gs>
+                        <a:gs pos="100000">
+                          <a:srgbClr val="0070C0">
+                            <a:tint val="23500"/>
+                            <a:satMod val="160000"/>
+                          </a:srgbClr>
+                        </a:gs>
+                      </a:gsLst>
+                      <a:lin ang="2700000" scaled="1"/>
+                      <a:tileRect/>
+                    </a:gradFill>
+                  </a:tcPr>
+                </a:tc>
+                <a:tc>
+                  <a:txBody>
+                    <a:bodyPr/>
+                    <a:lstStyle/>
+                    <a:p>
+                      <a:pPr algn="ctr"/>
+                      <a:r>
+                        <a:rPr lang="en-SI" dirty="0"/>
+                        <a:t>8</a:t>
+                      </a:r>
+                    </a:p>
+                  </a:txBody>
+                  <a:tcPr anchor="ctr">
+                    <a:gradFill flip="none" rotWithShape="1">
+                      <a:gsLst>
+                        <a:gs pos="0">
+                          <a:srgbClr val="C00000">
+                            <a:tint val="66000"/>
+                            <a:satMod val="160000"/>
+                          </a:srgbClr>
+                        </a:gs>
+                        <a:gs pos="50000">
+                          <a:srgbClr val="C00000">
+                            <a:tint val="44500"/>
+                            <a:satMod val="160000"/>
+                          </a:srgbClr>
+                        </a:gs>
+                        <a:gs pos="100000">
+                          <a:srgbClr val="C00000">
+                            <a:tint val="23500"/>
+                            <a:satMod val="160000"/>
+                          </a:srgbClr>
+                        </a:gs>
+                      </a:gsLst>
+                      <a:lin ang="2700000" scaled="1"/>
+                      <a:tileRect/>
+                    </a:gradFill>
+                  </a:tcPr>
+                </a:tc>
+                <a:tc>
+                  <a:txBody>
+                    <a:bodyPr/>
+                    <a:lstStyle/>
+                    <a:p>
+                      <a:pPr algn="ctr"/>
+                      <a:r>
+                        <a:rPr lang="en-SI" dirty="0"/>
+                        <a:t>7</a:t>
+                      </a:r>
+                    </a:p>
+                  </a:txBody>
+                  <a:tcPr anchor="ctr">
+                    <a:gradFill flip="none" rotWithShape="1">
+                      <a:gsLst>
+                        <a:gs pos="0">
+                          <a:srgbClr val="0070C0">
+                            <a:tint val="66000"/>
+                            <a:satMod val="160000"/>
+                          </a:srgbClr>
+                        </a:gs>
+                        <a:gs pos="50000">
+                          <a:srgbClr val="0070C0">
+                            <a:tint val="44500"/>
+                            <a:satMod val="160000"/>
+                          </a:srgbClr>
+                        </a:gs>
+                        <a:gs pos="100000">
+                          <a:srgbClr val="0070C0">
+                            <a:tint val="23500"/>
+                            <a:satMod val="160000"/>
+                          </a:srgbClr>
+                        </a:gs>
+                      </a:gsLst>
+                      <a:lin ang="2700000" scaled="1"/>
+                      <a:tileRect/>
+                    </a:gradFill>
+                  </a:tcPr>
+                </a:tc>
+                <a:tc>
+                  <a:txBody>
+                    <a:bodyPr/>
+                    <a:lstStyle/>
+                    <a:p>
+                      <a:pPr algn="ctr"/>
+                      <a:r>
+                        <a:rPr lang="en-SI" dirty="0"/>
+                        <a:t>5</a:t>
+                      </a:r>
+                    </a:p>
+                  </a:txBody>
+                  <a:tcPr anchor="ctr">
+                    <a:gradFill flip="none" rotWithShape="1">
+                      <a:gsLst>
+                        <a:gs pos="0">
+                          <a:srgbClr val="C00000">
+                            <a:tint val="66000"/>
+                            <a:satMod val="160000"/>
+                          </a:srgbClr>
+                        </a:gs>
+                        <a:gs pos="50000">
+                          <a:srgbClr val="C00000">
+                            <a:tint val="44500"/>
+                            <a:satMod val="160000"/>
+                          </a:srgbClr>
+                        </a:gs>
+                        <a:gs pos="100000">
+                          <a:srgbClr val="C00000">
+                            <a:tint val="23500"/>
+                            <a:satMod val="160000"/>
+                          </a:srgbClr>
+                        </a:gs>
+                      </a:gsLst>
+                      <a:lin ang="2700000" scaled="1"/>
+                      <a:tileRect/>
+                    </a:gradFill>
+                  </a:tcPr>
+                </a:tc>
+                <a:tc>
+                  <a:txBody>
+                    <a:bodyPr/>
+                    <a:lstStyle/>
+                    <a:p>
+                      <a:pPr algn="ctr"/>
+                      <a:r>
+                        <a:rPr lang="en-SI" dirty="0"/>
+                        <a:t>6</a:t>
+                      </a:r>
+                    </a:p>
+                  </a:txBody>
+                  <a:tcPr anchor="ctr">
+                    <a:gradFill flip="none" rotWithShape="1">
+                      <a:gsLst>
+                        <a:gs pos="0">
+                          <a:srgbClr val="0070C0">
+                            <a:tint val="66000"/>
+                            <a:satMod val="160000"/>
+                          </a:srgbClr>
+                        </a:gs>
+                        <a:gs pos="50000">
+                          <a:srgbClr val="0070C0">
+                            <a:tint val="44500"/>
+                            <a:satMod val="160000"/>
+                          </a:srgbClr>
+                        </a:gs>
+                        <a:gs pos="100000">
+                          <a:srgbClr val="0070C0">
+                            <a:tint val="23500"/>
+                            <a:satMod val="160000"/>
+                          </a:srgbClr>
+                        </a:gs>
+                      </a:gsLst>
+                      <a:lin ang="2700000" scaled="1"/>
+                      <a:tileRect/>
+                    </a:gradFill>
+                  </a:tcPr>
+                </a:tc>
+                <a:tc>
+                  <a:txBody>
+                    <a:bodyPr/>
+                    <a:lstStyle/>
+                    <a:p>
+                      <a:pPr algn="ctr"/>
+                      <a:r>
+                        <a:rPr lang="en-SI" dirty="0"/>
+                        <a:t>3</a:t>
+                      </a:r>
+                    </a:p>
+                  </a:txBody>
+                  <a:tcPr anchor="ctr">
+                    <a:gradFill flip="none" rotWithShape="1">
+                      <a:gsLst>
+                        <a:gs pos="0">
+                          <a:srgbClr val="C00000">
+                            <a:tint val="66000"/>
+                            <a:satMod val="160000"/>
+                          </a:srgbClr>
+                        </a:gs>
+                        <a:gs pos="50000">
+                          <a:srgbClr val="C00000">
+                            <a:tint val="44500"/>
+                            <a:satMod val="160000"/>
+                          </a:srgbClr>
+                        </a:gs>
+                        <a:gs pos="100000">
+                          <a:srgbClr val="C00000">
+                            <a:tint val="23500"/>
+                            <a:satMod val="160000"/>
+                          </a:srgbClr>
+                        </a:gs>
+                      </a:gsLst>
+                      <a:lin ang="2700000" scaled="1"/>
+                      <a:tileRect/>
+                    </a:gradFill>
+                  </a:tcPr>
+                </a:tc>
+                <a:tc>
+                  <a:txBody>
+                    <a:bodyPr/>
+                    <a:lstStyle/>
+                    <a:p>
+                      <a:pPr algn="ctr"/>
+                      <a:r>
+                        <a:rPr lang="en-SI" dirty="0"/>
+                        <a:t>6</a:t>
+                      </a:r>
+                    </a:p>
+                  </a:txBody>
+                  <a:tcPr anchor="ctr">
+                    <a:gradFill flip="none" rotWithShape="1">
+                      <a:gsLst>
+                        <a:gs pos="0">
+                          <a:srgbClr val="0070C0">
+                            <a:tint val="66000"/>
+                            <a:satMod val="160000"/>
+                          </a:srgbClr>
+                        </a:gs>
+                        <a:gs pos="50000">
+                          <a:srgbClr val="0070C0">
+                            <a:tint val="44500"/>
+                            <a:satMod val="160000"/>
+                          </a:srgbClr>
+                        </a:gs>
+                        <a:gs pos="100000">
+                          <a:srgbClr val="0070C0">
+                            <a:tint val="23500"/>
+                            <a:satMod val="160000"/>
+                          </a:srgbClr>
+                        </a:gs>
+                      </a:gsLst>
+                      <a:lin ang="2700000" scaled="1"/>
+                      <a:tileRect/>
+                    </a:gradFill>
+                  </a:tcPr>
+                </a:tc>
+                <a:tc>
+                  <a:txBody>
+                    <a:bodyPr/>
+                    <a:lstStyle/>
+                    <a:p>
+                      <a:pPr algn="ctr"/>
+                      <a:r>
+                        <a:rPr lang="en-SI" dirty="0"/>
+                        <a:t>4</a:t>
+                      </a:r>
+                    </a:p>
+                  </a:txBody>
+                  <a:tcPr anchor="ctr">
+                    <a:gradFill flip="none" rotWithShape="1">
+                      <a:gsLst>
+                        <a:gs pos="0">
+                          <a:srgbClr val="C00000">
+                            <a:tint val="66000"/>
+                            <a:satMod val="160000"/>
+                          </a:srgbClr>
+                        </a:gs>
+                        <a:gs pos="50000">
+                          <a:srgbClr val="C00000">
+                            <a:tint val="44500"/>
+                            <a:satMod val="160000"/>
+                          </a:srgbClr>
+                        </a:gs>
+                        <a:gs pos="100000">
+                          <a:srgbClr val="C00000">
+                            <a:tint val="23500"/>
+                            <a:satMod val="160000"/>
+                          </a:srgbClr>
+                        </a:gs>
+                      </a:gsLst>
+                      <a:lin ang="2700000" scaled="1"/>
+                      <a:tileRect/>
+                    </a:gradFill>
+                  </a:tcPr>
+                </a:tc>
+                <a:tc>
+                  <a:txBody>
+                    <a:bodyPr/>
+                    <a:lstStyle/>
+                    <a:p>
+                      <a:pPr algn="ctr"/>
+                      <a:r>
+                        <a:rPr lang="en-SI" dirty="0"/>
+                        <a:t>4</a:t>
+                      </a:r>
+                    </a:p>
+                  </a:txBody>
+                  <a:tcPr anchor="ctr">
+                    <a:gradFill flip="none" rotWithShape="1">
+                      <a:gsLst>
+                        <a:gs pos="0">
+                          <a:srgbClr val="0070C0">
+                            <a:tint val="66000"/>
+                            <a:satMod val="160000"/>
+                          </a:srgbClr>
+                        </a:gs>
+                        <a:gs pos="50000">
+                          <a:srgbClr val="0070C0">
+                            <a:tint val="44500"/>
+                            <a:satMod val="160000"/>
+                          </a:srgbClr>
+                        </a:gs>
+                        <a:gs pos="100000">
+                          <a:srgbClr val="0070C0">
+                            <a:tint val="23500"/>
+                            <a:satMod val="160000"/>
+                          </a:srgbClr>
+                        </a:gs>
+                      </a:gsLst>
+                      <a:lin ang="2700000" scaled="1"/>
+                      <a:tileRect/>
+                    </a:gradFill>
+                  </a:tcPr>
+                </a:tc>
+                <a:tc>
+                  <a:txBody>
+                    <a:bodyPr/>
+                    <a:lstStyle/>
+                    <a:p>
+                      <a:pPr algn="ctr"/>
+                      <a:r>
+                        <a:rPr lang="en-SI" dirty="0"/>
+                        <a:t>8</a:t>
+                      </a:r>
+                    </a:p>
+                  </a:txBody>
+                  <a:tcPr anchor="ctr">
+                    <a:gradFill flip="none" rotWithShape="1">
+                      <a:gsLst>
+                        <a:gs pos="0">
+                          <a:srgbClr val="C00000">
+                            <a:tint val="66000"/>
+                            <a:satMod val="160000"/>
+                          </a:srgbClr>
+                        </a:gs>
+                        <a:gs pos="50000">
+                          <a:srgbClr val="C00000">
+                            <a:tint val="44500"/>
+                            <a:satMod val="160000"/>
+                          </a:srgbClr>
+                        </a:gs>
+                        <a:gs pos="100000">
+                          <a:srgbClr val="C00000">
+                            <a:tint val="23500"/>
+                            <a:satMod val="160000"/>
+                          </a:srgbClr>
+                        </a:gs>
+                      </a:gsLst>
+                      <a:lin ang="2700000" scaled="1"/>
+                      <a:tileRect/>
+                    </a:gradFill>
+                  </a:tcPr>
+                </a:tc>
+                <a:tc>
+                  <a:txBody>
+                    <a:bodyPr/>
+                    <a:lstStyle/>
+                    <a:p>
+                      <a:pPr algn="ctr"/>
+                      <a:r>
+                        <a:rPr lang="en-SI" dirty="0"/>
+                        <a:t>3</a:t>
+                      </a:r>
+                    </a:p>
+                  </a:txBody>
+                  <a:tcPr anchor="ctr">
+                    <a:gradFill flip="none" rotWithShape="1">
+                      <a:gsLst>
+                        <a:gs pos="0">
+                          <a:srgbClr val="0070C0">
+                            <a:tint val="66000"/>
+                            <a:satMod val="160000"/>
+                          </a:srgbClr>
+                        </a:gs>
+                        <a:gs pos="50000">
+                          <a:srgbClr val="0070C0">
+                            <a:tint val="44500"/>
+                            <a:satMod val="160000"/>
+                          </a:srgbClr>
+                        </a:gs>
+                        <a:gs pos="100000">
+                          <a:srgbClr val="0070C0">
+                            <a:tint val="23500"/>
+                            <a:satMod val="160000"/>
+                          </a:srgbClr>
+                        </a:gs>
+                      </a:gsLst>
+                      <a:lin ang="2700000" scaled="1"/>
+                      <a:tileRect/>
+                    </a:gradFill>
+                  </a:tcPr>
+                </a:tc>
+                <a:tc>
+                  <a:txBody>
+                    <a:bodyPr/>
+                    <a:lstStyle/>
+                    <a:p>
+                      <a:pPr algn="ctr"/>
+                      <a:r>
+                        <a:rPr lang="en-SI" dirty="0"/>
+                        <a:t>9</a:t>
+                      </a:r>
+                    </a:p>
+                  </a:txBody>
+                  <a:tcPr anchor="ctr">
+                    <a:gradFill flip="none" rotWithShape="1">
+                      <a:gsLst>
+                        <a:gs pos="0">
+                          <a:srgbClr val="C00000">
+                            <a:tint val="66000"/>
+                            <a:satMod val="160000"/>
+                          </a:srgbClr>
+                        </a:gs>
+                        <a:gs pos="50000">
+                          <a:srgbClr val="C00000">
+                            <a:tint val="44500"/>
+                            <a:satMod val="160000"/>
+                          </a:srgbClr>
+                        </a:gs>
+                        <a:gs pos="100000">
+                          <a:srgbClr val="C00000">
+                            <a:tint val="23500"/>
+                            <a:satMod val="160000"/>
+                          </a:srgbClr>
+                        </a:gs>
+                      </a:gsLst>
+                      <a:lin ang="2700000" scaled="1"/>
+                      <a:tileRect/>
+                    </a:gradFill>
+                  </a:tcPr>
+                </a:tc>
+                <a:tc>
+                  <a:txBody>
+                    <a:bodyPr/>
+                    <a:lstStyle/>
+                    <a:p>
+                      <a:pPr algn="ctr"/>
+                      <a:r>
+                        <a:rPr lang="en-SI" dirty="0"/>
+                        <a:t>1</a:t>
+                      </a:r>
+                    </a:p>
+                  </a:txBody>
+                  <a:tcPr anchor="ctr">
+                    <a:gradFill flip="none" rotWithShape="1">
+                      <a:gsLst>
+                        <a:gs pos="0">
+                          <a:srgbClr val="0070C0">
+                            <a:tint val="66000"/>
+                            <a:satMod val="160000"/>
+                          </a:srgbClr>
+                        </a:gs>
+                        <a:gs pos="50000">
+                          <a:srgbClr val="0070C0">
+                            <a:tint val="44500"/>
+                            <a:satMod val="160000"/>
+                          </a:srgbClr>
+                        </a:gs>
+                        <a:gs pos="100000">
+                          <a:srgbClr val="0070C0">
+                            <a:tint val="23500"/>
+                            <a:satMod val="160000"/>
+                          </a:srgbClr>
+                        </a:gs>
+                      </a:gsLst>
+                      <a:lin ang="2700000" scaled="1"/>
+                      <a:tileRect/>
+                    </a:gradFill>
+                  </a:tcPr>
+                </a:tc>
+                <a:tc>
+                  <a:txBody>
+                    <a:bodyPr/>
+                    <a:lstStyle/>
+                    <a:p>
+                      <a:pPr algn="ctr"/>
+                      <a:r>
+                        <a:rPr lang="en-SI" dirty="0"/>
+                        <a:t>2</a:t>
+                      </a:r>
+                    </a:p>
+                  </a:txBody>
+                  <a:tcPr anchor="ctr">
+                    <a:gradFill flip="none" rotWithShape="1">
+                      <a:gsLst>
+                        <a:gs pos="0">
+                          <a:srgbClr val="C00000">
+                            <a:tint val="66000"/>
+                            <a:satMod val="160000"/>
+                          </a:srgbClr>
+                        </a:gs>
+                        <a:gs pos="50000">
+                          <a:srgbClr val="C00000">
+                            <a:tint val="44500"/>
+                            <a:satMod val="160000"/>
+                          </a:srgbClr>
+                        </a:gs>
+                        <a:gs pos="100000">
+                          <a:srgbClr val="C00000">
+                            <a:tint val="23500"/>
+                            <a:satMod val="160000"/>
+                          </a:srgbClr>
+                        </a:gs>
+                      </a:gsLst>
+                      <a:lin ang="2700000" scaled="1"/>
+                      <a:tileRect/>
+                    </a:gradFill>
+                  </a:tcPr>
+                </a:tc>
+                <a:tc>
+                  <a:txBody>
+                    <a:bodyPr/>
+                    <a:lstStyle/>
+                    <a:p>
+                      <a:pPr algn="ctr"/>
+                      <a:r>
+                        <a:rPr lang="en-SI" dirty="0"/>
+                        <a:t>2</a:t>
+                      </a:r>
+                    </a:p>
+                  </a:txBody>
+                  <a:tcPr anchor="ctr">
+                    <a:gradFill flip="none" rotWithShape="1">
+                      <a:gsLst>
+                        <a:gs pos="0">
+                          <a:srgbClr val="0070C0">
+                            <a:tint val="66000"/>
+                            <a:satMod val="160000"/>
+                          </a:srgbClr>
+                        </a:gs>
+                        <a:gs pos="50000">
+                          <a:srgbClr val="0070C0">
+                            <a:tint val="44500"/>
+                            <a:satMod val="160000"/>
+                          </a:srgbClr>
+                        </a:gs>
+                        <a:gs pos="100000">
+                          <a:srgbClr val="0070C0">
+                            <a:tint val="23500"/>
+                            <a:satMod val="160000"/>
+                          </a:srgbClr>
+                        </a:gs>
+                      </a:gsLst>
+                      <a:lin ang="2700000" scaled="1"/>
+                      <a:tileRect/>
+                    </a:gradFill>
+                  </a:tcPr>
+                </a:tc>
+                <a:tc>
+                  <a:txBody>
+                    <a:bodyPr/>
+                    <a:lstStyle/>
+                    <a:p>
+                      <a:pPr algn="ctr"/>
+                      <a:r>
+                        <a:rPr lang="en-SI" dirty="0"/>
+                        <a:t>3</a:t>
+                      </a:r>
+                    </a:p>
+                  </a:txBody>
+                  <a:tcPr anchor="ctr">
+                    <a:gradFill flip="none" rotWithShape="1">
+                      <a:gsLst>
+                        <a:gs pos="0">
+                          <a:srgbClr val="C00000">
+                            <a:tint val="66000"/>
+                            <a:satMod val="160000"/>
+                          </a:srgbClr>
+                        </a:gs>
+                        <a:gs pos="50000">
+                          <a:srgbClr val="C00000">
+                            <a:tint val="44500"/>
+                            <a:satMod val="160000"/>
+                          </a:srgbClr>
+                        </a:gs>
+                        <a:gs pos="100000">
+                          <a:srgbClr val="C00000">
+                            <a:tint val="23500"/>
+                            <a:satMod val="160000"/>
+                          </a:srgbClr>
+                        </a:gs>
+                      </a:gsLst>
+                      <a:lin ang="2700000" scaled="1"/>
+                      <a:tileRect/>
+                    </a:gradFill>
+                  </a:tcPr>
+                </a:tc>
+                <a:tc>
+                  <a:txBody>
+                    <a:bodyPr/>
+                    <a:lstStyle/>
+                    <a:p>
+                      <a:pPr algn="ctr"/>
+                      <a:r>
+                        <a:rPr lang="en-SI" dirty="0"/>
+                        <a:t>9</a:t>
+                      </a:r>
+                    </a:p>
+                  </a:txBody>
+                  <a:tcPr anchor="ctr">
+                    <a:gradFill flip="none" rotWithShape="1">
+                      <a:gsLst>
+                        <a:gs pos="0">
+                          <a:srgbClr val="0070C0">
+                            <a:tint val="66000"/>
+                            <a:satMod val="160000"/>
+                          </a:srgbClr>
+                        </a:gs>
+                        <a:gs pos="50000">
+                          <a:srgbClr val="0070C0">
+                            <a:tint val="44500"/>
+                            <a:satMod val="160000"/>
+                          </a:srgbClr>
+                        </a:gs>
+                        <a:gs pos="100000">
+                          <a:srgbClr val="0070C0">
+                            <a:tint val="23500"/>
+                            <a:satMod val="160000"/>
+                          </a:srgbClr>
+                        </a:gs>
+                      </a:gsLst>
+                      <a:lin ang="2700000" scaled="1"/>
+                      <a:tileRect/>
+                    </a:gradFill>
+                  </a:tcPr>
+                </a:tc>
+                <a:tc>
+                  <a:txBody>
+                    <a:bodyPr/>
+                    <a:lstStyle/>
+                    <a:p>
+                      <a:pPr algn="ctr"/>
+                      <a:r>
+                        <a:rPr lang="en-SI" dirty="0"/>
+                        <a:t>4</a:t>
+                      </a:r>
+                    </a:p>
+                  </a:txBody>
+                  <a:tcPr anchor="ctr">
+                    <a:gradFill flip="none" rotWithShape="1">
+                      <a:gsLst>
+                        <a:gs pos="0">
+                          <a:srgbClr val="C00000">
+                            <a:tint val="66000"/>
+                            <a:satMod val="160000"/>
+                          </a:srgbClr>
+                        </a:gs>
+                        <a:gs pos="50000">
+                          <a:srgbClr val="C00000">
+                            <a:tint val="44500"/>
+                            <a:satMod val="160000"/>
+                          </a:srgbClr>
+                        </a:gs>
+                        <a:gs pos="100000">
+                          <a:srgbClr val="C00000">
+                            <a:tint val="23500"/>
+                            <a:satMod val="160000"/>
+                          </a:srgbClr>
+                        </a:gs>
+                      </a:gsLst>
+                      <a:lin ang="2700000" scaled="1"/>
+                      <a:tileRect/>
+                    </a:gradFill>
+                  </a:tcPr>
+                </a:tc>
+                <a:tc>
+                  <a:txBody>
+                    <a:bodyPr/>
+                    <a:lstStyle/>
+                    <a:p>
+                      <a:pPr algn="ctr"/>
+                      <a:r>
+                        <a:rPr lang="en-SI" dirty="0"/>
+                        <a:t>0</a:t>
+                      </a:r>
+                    </a:p>
+                  </a:txBody>
+                  <a:tcPr anchor="ctr">
+                    <a:gradFill flip="none" rotWithShape="1">
+                      <a:gsLst>
+                        <a:gs pos="0">
+                          <a:srgbClr val="0070C0">
+                            <a:tint val="66000"/>
+                            <a:satMod val="160000"/>
+                          </a:srgbClr>
+                        </a:gs>
+                        <a:gs pos="50000">
+                          <a:srgbClr val="0070C0">
+                            <a:tint val="44500"/>
+                            <a:satMod val="160000"/>
+                          </a:srgbClr>
+                        </a:gs>
+                        <a:gs pos="100000">
+                          <a:srgbClr val="0070C0">
+                            <a:tint val="23500"/>
+                            <a:satMod val="160000"/>
+                          </a:srgbClr>
+                        </a:gs>
+                      </a:gsLst>
+                      <a:lin ang="2700000" scaled="1"/>
+                      <a:tileRect/>
+                    </a:gradFill>
+                  </a:tcPr>
+                </a:tc>
+                <a:extLst>
+                  <a:ext uri="{0D108BD9-81ED-4DB2-BD59-A6C34878D82A}">
+                    <a16:rowId xmlns:a16="http://schemas.microsoft.com/office/drawing/2014/main" val="15145394"/>
+                  </a:ext>
+                </a:extLst>
+              </a:tr>
+            </a:tbl>
+          </a:graphicData>
+        </a:graphic>
+      </p:graphicFrame>
+      <p:graphicFrame>
+        <p:nvGraphicFramePr>
+          <p:cNvPr id="5" name="Table 5">
+            <a:extLst>
+              <a:ext uri="{FF2B5EF4-FFF2-40B4-BE49-F238E27FC236}">
+                <a16:creationId xmlns:a16="http://schemas.microsoft.com/office/drawing/2014/main" id="{18C0B85E-DD53-1B26-0779-E51B75E827D6}"/>
+              </a:ext>
+            </a:extLst>
+          </p:cNvPr>
+          <p:cNvGraphicFramePr>
+            <a:graphicFrameLocks noGrp="1"/>
+          </p:cNvGraphicFramePr>
+          <p:nvPr>
+            <p:extLst>
+              <p:ext uri="{D42A27DB-BD31-4B8C-83A1-F6EECF244321}">
+                <p14:modId xmlns:p14="http://schemas.microsoft.com/office/powerpoint/2010/main" val="3493924854"/>
+              </p:ext>
+            </p:extLst>
+          </p:nvPr>
+        </p:nvGraphicFramePr>
+        <p:xfrm>
+          <a:off x="3413538" y="5808501"/>
+          <a:ext cx="5400000" cy="540000"/>
+        </p:xfrm>
+        <a:graphic>
+          <a:graphicData uri="http://schemas.openxmlformats.org/drawingml/2006/table">
+            <a:tbl>
+              <a:tblPr firstRow="1" bandRow="1">
+                <a:tableStyleId>{5940675A-B579-460E-94D1-54222C63F5DA}</a:tableStyleId>
+              </a:tblPr>
+              <a:tblGrid>
+                <a:gridCol w="540000">
+                  <a:extLst>
+                    <a:ext uri="{9D8B030D-6E8A-4147-A177-3AD203B41FA5}">
+                      <a16:colId xmlns:a16="http://schemas.microsoft.com/office/drawing/2014/main" val="1199146471"/>
+                    </a:ext>
+                  </a:extLst>
+                </a:gridCol>
+                <a:gridCol w="540000">
+                  <a:extLst>
+                    <a:ext uri="{9D8B030D-6E8A-4147-A177-3AD203B41FA5}">
+                      <a16:colId xmlns:a16="http://schemas.microsoft.com/office/drawing/2014/main" val="2957653468"/>
+                    </a:ext>
+                  </a:extLst>
+                </a:gridCol>
+                <a:gridCol w="540000">
+                  <a:extLst>
+                    <a:ext uri="{9D8B030D-6E8A-4147-A177-3AD203B41FA5}">
+                      <a16:colId xmlns:a16="http://schemas.microsoft.com/office/drawing/2014/main" val="3237410293"/>
+                    </a:ext>
+                  </a:extLst>
+                </a:gridCol>
+                <a:gridCol w="540000">
+                  <a:extLst>
+                    <a:ext uri="{9D8B030D-6E8A-4147-A177-3AD203B41FA5}">
+                      <a16:colId xmlns:a16="http://schemas.microsoft.com/office/drawing/2014/main" val="1873318386"/>
+                    </a:ext>
+                  </a:extLst>
+                </a:gridCol>
+                <a:gridCol w="540000">
+                  <a:extLst>
+                    <a:ext uri="{9D8B030D-6E8A-4147-A177-3AD203B41FA5}">
+                      <a16:colId xmlns:a16="http://schemas.microsoft.com/office/drawing/2014/main" val="3732661171"/>
+                    </a:ext>
+                  </a:extLst>
+                </a:gridCol>
+                <a:gridCol w="540000">
+                  <a:extLst>
+                    <a:ext uri="{9D8B030D-6E8A-4147-A177-3AD203B41FA5}">
+                      <a16:colId xmlns:a16="http://schemas.microsoft.com/office/drawing/2014/main" val="1593578793"/>
+                    </a:ext>
+                  </a:extLst>
+                </a:gridCol>
+                <a:gridCol w="540000">
+                  <a:extLst>
+                    <a:ext uri="{9D8B030D-6E8A-4147-A177-3AD203B41FA5}">
+                      <a16:colId xmlns:a16="http://schemas.microsoft.com/office/drawing/2014/main" val="3362920421"/>
+                    </a:ext>
+                  </a:extLst>
+                </a:gridCol>
+                <a:gridCol w="540000">
+                  <a:extLst>
+                    <a:ext uri="{9D8B030D-6E8A-4147-A177-3AD203B41FA5}">
+                      <a16:colId xmlns:a16="http://schemas.microsoft.com/office/drawing/2014/main" val="2425317450"/>
+                    </a:ext>
+                  </a:extLst>
+                </a:gridCol>
+                <a:gridCol w="540000">
+                  <a:extLst>
+                    <a:ext uri="{9D8B030D-6E8A-4147-A177-3AD203B41FA5}">
+                      <a16:colId xmlns:a16="http://schemas.microsoft.com/office/drawing/2014/main" val="527365265"/>
+                    </a:ext>
+                  </a:extLst>
+                </a:gridCol>
+                <a:gridCol w="540000">
+                  <a:extLst>
+                    <a:ext uri="{9D8B030D-6E8A-4147-A177-3AD203B41FA5}">
+                      <a16:colId xmlns:a16="http://schemas.microsoft.com/office/drawing/2014/main" val="1037668464"/>
+                    </a:ext>
+                  </a:extLst>
+                </a:gridCol>
+              </a:tblGrid>
+              <a:tr h="540000">
+                <a:tc>
+                  <a:txBody>
+                    <a:bodyPr/>
+                    <a:lstStyle/>
+                    <a:p>
+                      <a:pPr algn="ctr"/>
+                      <a:r>
+                        <a:rPr lang="en-SI" dirty="0"/>
+                        <a:t>0</a:t>
+                      </a:r>
+                    </a:p>
+                  </a:txBody>
+                  <a:tcPr anchor="ctr">
+                    <a:gradFill flip="none" rotWithShape="1">
+                      <a:gsLst>
+                        <a:gs pos="0">
+                          <a:srgbClr val="0070C0">
+                            <a:tint val="66000"/>
+                            <a:satMod val="160000"/>
+                          </a:srgbClr>
+                        </a:gs>
+                        <a:gs pos="50000">
+                          <a:srgbClr val="0070C0">
+                            <a:tint val="44500"/>
+                            <a:satMod val="160000"/>
+                          </a:srgbClr>
+                        </a:gs>
+                        <a:gs pos="100000">
+                          <a:srgbClr val="0070C0">
+                            <a:tint val="23500"/>
+                            <a:satMod val="160000"/>
+                          </a:srgbClr>
+                        </a:gs>
+                      </a:gsLst>
+                      <a:lin ang="2700000" scaled="1"/>
+                      <a:tileRect/>
+                    </a:gradFill>
+                  </a:tcPr>
+                </a:tc>
+                <a:tc>
+                  <a:txBody>
+                    <a:bodyPr/>
+                    <a:lstStyle/>
+                    <a:p>
+                      <a:pPr algn="ctr"/>
+                      <a:r>
+                        <a:rPr lang="en-SI" dirty="0"/>
+                        <a:t>1</a:t>
+                      </a:r>
+                    </a:p>
+                  </a:txBody>
+                  <a:tcPr anchor="ctr">
+                    <a:gradFill flip="none" rotWithShape="1">
+                      <a:gsLst>
+                        <a:gs pos="0">
+                          <a:srgbClr val="C00000">
+                            <a:tint val="66000"/>
+                            <a:satMod val="160000"/>
+                          </a:srgbClr>
+                        </a:gs>
+                        <a:gs pos="50000">
+                          <a:srgbClr val="C00000">
+                            <a:tint val="44500"/>
+                            <a:satMod val="160000"/>
+                          </a:srgbClr>
+                        </a:gs>
+                        <a:gs pos="100000">
+                          <a:srgbClr val="C00000">
+                            <a:tint val="23500"/>
+                            <a:satMod val="160000"/>
+                          </a:srgbClr>
+                        </a:gs>
+                      </a:gsLst>
+                      <a:lin ang="2700000" scaled="1"/>
+                      <a:tileRect/>
+                    </a:gradFill>
+                  </a:tcPr>
+                </a:tc>
+                <a:tc>
+                  <a:txBody>
+                    <a:bodyPr/>
+                    <a:lstStyle/>
+                    <a:p>
+                      <a:pPr algn="ctr"/>
+                      <a:r>
+                        <a:rPr lang="en-SI" dirty="0"/>
+                        <a:t>2</a:t>
+                      </a:r>
+                    </a:p>
+                  </a:txBody>
+                  <a:tcPr anchor="ctr">
+                    <a:gradFill flip="none" rotWithShape="1">
+                      <a:gsLst>
+                        <a:gs pos="0">
+                          <a:srgbClr val="0070C0">
+                            <a:tint val="66000"/>
+                            <a:satMod val="160000"/>
+                          </a:srgbClr>
+                        </a:gs>
+                        <a:gs pos="50000">
+                          <a:srgbClr val="0070C0">
+                            <a:tint val="44500"/>
+                            <a:satMod val="160000"/>
+                          </a:srgbClr>
+                        </a:gs>
+                        <a:gs pos="100000">
+                          <a:srgbClr val="0070C0">
+                            <a:tint val="23500"/>
+                            <a:satMod val="160000"/>
+                          </a:srgbClr>
+                        </a:gs>
+                      </a:gsLst>
+                      <a:lin ang="2700000" scaled="1"/>
+                      <a:tileRect/>
+                    </a:gradFill>
+                  </a:tcPr>
+                </a:tc>
+                <a:tc>
+                  <a:txBody>
+                    <a:bodyPr/>
+                    <a:lstStyle/>
+                    <a:p>
+                      <a:pPr algn="ctr"/>
+                      <a:r>
+                        <a:rPr lang="en-SI" dirty="0"/>
+                        <a:t>3</a:t>
+                      </a:r>
+                    </a:p>
+                  </a:txBody>
+                  <a:tcPr anchor="ctr">
+                    <a:gradFill flip="none" rotWithShape="1">
+                      <a:gsLst>
+                        <a:gs pos="0">
+                          <a:srgbClr val="0070C0">
+                            <a:tint val="66000"/>
+                            <a:satMod val="160000"/>
+                          </a:srgbClr>
+                        </a:gs>
+                        <a:gs pos="50000">
+                          <a:srgbClr val="0070C0">
+                            <a:tint val="44500"/>
+                            <a:satMod val="160000"/>
+                          </a:srgbClr>
+                        </a:gs>
+                        <a:gs pos="100000">
+                          <a:srgbClr val="0070C0">
+                            <a:tint val="23500"/>
+                            <a:satMod val="160000"/>
+                          </a:srgbClr>
+                        </a:gs>
+                      </a:gsLst>
+                      <a:lin ang="2700000" scaled="1"/>
+                      <a:tileRect/>
+                    </a:gradFill>
+                  </a:tcPr>
+                </a:tc>
+                <a:tc>
+                  <a:txBody>
+                    <a:bodyPr/>
+                    <a:lstStyle/>
+                    <a:p>
+                      <a:pPr algn="ctr"/>
+                      <a:r>
+                        <a:rPr lang="en-SI" dirty="0"/>
+                        <a:t>4</a:t>
+                      </a:r>
+                    </a:p>
+                  </a:txBody>
+                  <a:tcPr anchor="ctr">
+                    <a:gradFill flip="none" rotWithShape="1">
+                      <a:gsLst>
+                        <a:gs pos="0">
+                          <a:srgbClr val="0070C0">
+                            <a:tint val="66000"/>
+                            <a:satMod val="160000"/>
+                          </a:srgbClr>
+                        </a:gs>
+                        <a:gs pos="50000">
+                          <a:srgbClr val="0070C0">
+                            <a:tint val="44500"/>
+                            <a:satMod val="160000"/>
+                          </a:srgbClr>
+                        </a:gs>
+                        <a:gs pos="100000">
+                          <a:srgbClr val="0070C0">
+                            <a:tint val="23500"/>
+                            <a:satMod val="160000"/>
+                          </a:srgbClr>
+                        </a:gs>
+                      </a:gsLst>
+                      <a:lin ang="2700000" scaled="1"/>
+                      <a:tileRect/>
+                    </a:gradFill>
+                  </a:tcPr>
+                </a:tc>
+                <a:tc>
+                  <a:txBody>
+                    <a:bodyPr/>
+                    <a:lstStyle/>
+                    <a:p>
+                      <a:pPr algn="ctr"/>
+                      <a:r>
+                        <a:rPr lang="en-SI" dirty="0"/>
+                        <a:t>5</a:t>
+                      </a:r>
+                    </a:p>
+                  </a:txBody>
+                  <a:tcPr anchor="ctr">
+                    <a:gradFill flip="none" rotWithShape="1">
+                      <a:gsLst>
+                        <a:gs pos="0">
+                          <a:srgbClr val="C00000">
+                            <a:tint val="66000"/>
+                            <a:satMod val="160000"/>
+                          </a:srgbClr>
+                        </a:gs>
+                        <a:gs pos="50000">
+                          <a:srgbClr val="C00000">
+                            <a:tint val="44500"/>
+                            <a:satMod val="160000"/>
+                          </a:srgbClr>
+                        </a:gs>
+                        <a:gs pos="100000">
+                          <a:srgbClr val="C00000">
+                            <a:tint val="23500"/>
+                            <a:satMod val="160000"/>
+                          </a:srgbClr>
+                        </a:gs>
+                      </a:gsLst>
+                      <a:lin ang="2700000" scaled="1"/>
+                      <a:tileRect/>
+                    </a:gradFill>
+                  </a:tcPr>
+                </a:tc>
+                <a:tc>
+                  <a:txBody>
+                    <a:bodyPr/>
+                    <a:lstStyle/>
+                    <a:p>
+                      <a:pPr algn="ctr"/>
+                      <a:r>
+                        <a:rPr lang="en-SI" dirty="0"/>
+                        <a:t>6</a:t>
+                      </a:r>
+                    </a:p>
+                  </a:txBody>
+                  <a:tcPr anchor="ctr">
+                    <a:gradFill flip="none" rotWithShape="1">
+                      <a:gsLst>
+                        <a:gs pos="0">
+                          <a:srgbClr val="0070C0">
+                            <a:tint val="66000"/>
+                            <a:satMod val="160000"/>
+                          </a:srgbClr>
+                        </a:gs>
+                        <a:gs pos="50000">
+                          <a:srgbClr val="0070C0">
+                            <a:tint val="44500"/>
+                            <a:satMod val="160000"/>
+                          </a:srgbClr>
+                        </a:gs>
+                        <a:gs pos="100000">
+                          <a:srgbClr val="0070C0">
+                            <a:tint val="23500"/>
+                            <a:satMod val="160000"/>
+                          </a:srgbClr>
+                        </a:gs>
+                      </a:gsLst>
+                      <a:lin ang="2700000" scaled="1"/>
+                      <a:tileRect/>
+                    </a:gradFill>
+                  </a:tcPr>
+                </a:tc>
+                <a:tc>
+                  <a:txBody>
+                    <a:bodyPr/>
+                    <a:lstStyle/>
+                    <a:p>
+                      <a:pPr algn="ctr"/>
+                      <a:r>
+                        <a:rPr lang="en-SI" dirty="0"/>
+                        <a:t>7</a:t>
+                      </a:r>
+                    </a:p>
+                  </a:txBody>
+                  <a:tcPr anchor="ctr">
+                    <a:gradFill flip="none" rotWithShape="1">
+                      <a:gsLst>
+                        <a:gs pos="0">
+                          <a:srgbClr val="0070C0">
+                            <a:tint val="66000"/>
+                            <a:satMod val="160000"/>
+                          </a:srgbClr>
+                        </a:gs>
+                        <a:gs pos="50000">
+                          <a:srgbClr val="0070C0">
+                            <a:tint val="44500"/>
+                            <a:satMod val="160000"/>
+                          </a:srgbClr>
+                        </a:gs>
+                        <a:gs pos="100000">
+                          <a:srgbClr val="0070C0">
+                            <a:tint val="23500"/>
+                            <a:satMod val="160000"/>
+                          </a:srgbClr>
+                        </a:gs>
+                      </a:gsLst>
+                      <a:lin ang="2700000" scaled="1"/>
+                      <a:tileRect/>
+                    </a:gradFill>
+                  </a:tcPr>
+                </a:tc>
+                <a:tc>
+                  <a:txBody>
+                    <a:bodyPr/>
+                    <a:lstStyle/>
+                    <a:p>
+                      <a:pPr algn="ctr"/>
+                      <a:r>
+                        <a:rPr lang="en-SI" dirty="0"/>
+                        <a:t>8</a:t>
+                      </a:r>
+                    </a:p>
+                  </a:txBody>
+                  <a:tcPr anchor="ctr">
+                    <a:gradFill flip="none" rotWithShape="1">
+                      <a:gsLst>
+                        <a:gs pos="0">
+                          <a:srgbClr val="C00000">
+                            <a:tint val="66000"/>
+                            <a:satMod val="160000"/>
+                          </a:srgbClr>
+                        </a:gs>
+                        <a:gs pos="50000">
+                          <a:srgbClr val="C00000">
+                            <a:tint val="44500"/>
+                            <a:satMod val="160000"/>
+                          </a:srgbClr>
+                        </a:gs>
+                        <a:gs pos="100000">
+                          <a:srgbClr val="C00000">
+                            <a:tint val="23500"/>
+                            <a:satMod val="160000"/>
+                          </a:srgbClr>
+                        </a:gs>
+                      </a:gsLst>
+                      <a:lin ang="2700000" scaled="1"/>
+                      <a:tileRect/>
+                    </a:gradFill>
+                  </a:tcPr>
+                </a:tc>
+                <a:tc>
+                  <a:txBody>
+                    <a:bodyPr/>
+                    <a:lstStyle/>
+                    <a:p>
+                      <a:pPr algn="ctr"/>
+                      <a:r>
+                        <a:rPr lang="en-SI" dirty="0"/>
+                        <a:t>9</a:t>
+                      </a:r>
+                    </a:p>
+                  </a:txBody>
+                  <a:tcPr anchor="ctr">
+                    <a:gradFill flip="none" rotWithShape="1">
+                      <a:gsLst>
+                        <a:gs pos="0">
+                          <a:srgbClr val="0070C0">
+                            <a:tint val="66000"/>
+                            <a:satMod val="160000"/>
+                          </a:srgbClr>
+                        </a:gs>
+                        <a:gs pos="50000">
+                          <a:srgbClr val="0070C0">
+                            <a:tint val="44500"/>
+                            <a:satMod val="160000"/>
+                          </a:srgbClr>
+                        </a:gs>
+                        <a:gs pos="100000">
+                          <a:srgbClr val="0070C0">
+                            <a:tint val="23500"/>
+                            <a:satMod val="160000"/>
+                          </a:srgbClr>
+                        </a:gs>
+                      </a:gsLst>
+                      <a:lin ang="2700000" scaled="1"/>
+                      <a:tileRect/>
+                    </a:gradFill>
+                  </a:tcPr>
+                </a:tc>
+                <a:extLst>
+                  <a:ext uri="{0D108BD9-81ED-4DB2-BD59-A6C34878D82A}">
+                    <a16:rowId xmlns:a16="http://schemas.microsoft.com/office/drawing/2014/main" val="1060007286"/>
+                  </a:ext>
+                </a:extLst>
+              </a:tr>
+            </a:tbl>
+          </a:graphicData>
+        </a:graphic>
+      </p:graphicFrame>
+      <p:graphicFrame>
+        <p:nvGraphicFramePr>
+          <p:cNvPr id="6" name="Table 5">
+            <a:extLst>
+              <a:ext uri="{FF2B5EF4-FFF2-40B4-BE49-F238E27FC236}">
+                <a16:creationId xmlns:a16="http://schemas.microsoft.com/office/drawing/2014/main" id="{56176B64-88E0-4673-803A-81AC150695DD}"/>
+              </a:ext>
+            </a:extLst>
+          </p:cNvPr>
+          <p:cNvGraphicFramePr>
+            <a:graphicFrameLocks noGrp="1"/>
+          </p:cNvGraphicFramePr>
+          <p:nvPr>
+            <p:extLst>
+              <p:ext uri="{D42A27DB-BD31-4B8C-83A1-F6EECF244321}">
+                <p14:modId xmlns:p14="http://schemas.microsoft.com/office/powerpoint/2010/main" val="1583313992"/>
+              </p:ext>
+            </p:extLst>
+          </p:nvPr>
+        </p:nvGraphicFramePr>
+        <p:xfrm>
+          <a:off x="3416851" y="5145893"/>
+          <a:ext cx="5400000" cy="540000"/>
+        </p:xfrm>
+        <a:graphic>
+          <a:graphicData uri="http://schemas.openxmlformats.org/drawingml/2006/table">
+            <a:tbl>
+              <a:tblPr firstRow="1" bandRow="1">
+                <a:tableStyleId>{5940675A-B579-460E-94D1-54222C63F5DA}</a:tableStyleId>
+              </a:tblPr>
+              <a:tblGrid>
+                <a:gridCol w="540000">
+                  <a:extLst>
+                    <a:ext uri="{9D8B030D-6E8A-4147-A177-3AD203B41FA5}">
+                      <a16:colId xmlns:a16="http://schemas.microsoft.com/office/drawing/2014/main" val="1199146471"/>
+                    </a:ext>
+                  </a:extLst>
+                </a:gridCol>
+                <a:gridCol w="540000">
+                  <a:extLst>
+                    <a:ext uri="{9D8B030D-6E8A-4147-A177-3AD203B41FA5}">
+                      <a16:colId xmlns:a16="http://schemas.microsoft.com/office/drawing/2014/main" val="2957653468"/>
+                    </a:ext>
+                  </a:extLst>
+                </a:gridCol>
+                <a:gridCol w="540000">
+                  <a:extLst>
+                    <a:ext uri="{9D8B030D-6E8A-4147-A177-3AD203B41FA5}">
+                      <a16:colId xmlns:a16="http://schemas.microsoft.com/office/drawing/2014/main" val="3237410293"/>
+                    </a:ext>
+                  </a:extLst>
+                </a:gridCol>
+                <a:gridCol w="540000">
+                  <a:extLst>
+                    <a:ext uri="{9D8B030D-6E8A-4147-A177-3AD203B41FA5}">
+                      <a16:colId xmlns:a16="http://schemas.microsoft.com/office/drawing/2014/main" val="1873318386"/>
+                    </a:ext>
+                  </a:extLst>
+                </a:gridCol>
+                <a:gridCol w="540000">
+                  <a:extLst>
+                    <a:ext uri="{9D8B030D-6E8A-4147-A177-3AD203B41FA5}">
+                      <a16:colId xmlns:a16="http://schemas.microsoft.com/office/drawing/2014/main" val="3732661171"/>
+                    </a:ext>
+                  </a:extLst>
+                </a:gridCol>
+                <a:gridCol w="540000">
+                  <a:extLst>
+                    <a:ext uri="{9D8B030D-6E8A-4147-A177-3AD203B41FA5}">
+                      <a16:colId xmlns:a16="http://schemas.microsoft.com/office/drawing/2014/main" val="1593578793"/>
+                    </a:ext>
+                  </a:extLst>
+                </a:gridCol>
+                <a:gridCol w="540000">
+                  <a:extLst>
+                    <a:ext uri="{9D8B030D-6E8A-4147-A177-3AD203B41FA5}">
+                      <a16:colId xmlns:a16="http://schemas.microsoft.com/office/drawing/2014/main" val="3362920421"/>
+                    </a:ext>
+                  </a:extLst>
+                </a:gridCol>
+                <a:gridCol w="540000">
+                  <a:extLst>
+                    <a:ext uri="{9D8B030D-6E8A-4147-A177-3AD203B41FA5}">
+                      <a16:colId xmlns:a16="http://schemas.microsoft.com/office/drawing/2014/main" val="2425317450"/>
+                    </a:ext>
+                  </a:extLst>
+                </a:gridCol>
+                <a:gridCol w="540000">
+                  <a:extLst>
+                    <a:ext uri="{9D8B030D-6E8A-4147-A177-3AD203B41FA5}">
+                      <a16:colId xmlns:a16="http://schemas.microsoft.com/office/drawing/2014/main" val="527365265"/>
+                    </a:ext>
+                  </a:extLst>
+                </a:gridCol>
+                <a:gridCol w="540000">
+                  <a:extLst>
+                    <a:ext uri="{9D8B030D-6E8A-4147-A177-3AD203B41FA5}">
+                      <a16:colId xmlns:a16="http://schemas.microsoft.com/office/drawing/2014/main" val="1037668464"/>
+                    </a:ext>
+                  </a:extLst>
+                </a:gridCol>
+              </a:tblGrid>
+              <a:tr h="540000">
+                <a:tc>
+                  <a:txBody>
+                    <a:bodyPr/>
+                    <a:lstStyle/>
+                    <a:p>
+                      <a:pPr algn="ctr"/>
+                      <a:r>
+                        <a:rPr lang="en-SI" dirty="0"/>
+                        <a:t>0</a:t>
+                      </a:r>
+                    </a:p>
+                  </a:txBody>
+                  <a:tcPr anchor="ctr">
+                    <a:gradFill flip="none" rotWithShape="1">
+                      <a:gsLst>
+                        <a:gs pos="0">
+                          <a:srgbClr val="0070C0">
+                            <a:tint val="66000"/>
+                            <a:satMod val="160000"/>
+                          </a:srgbClr>
+                        </a:gs>
+                        <a:gs pos="50000">
+                          <a:srgbClr val="0070C0">
+                            <a:tint val="44500"/>
+                            <a:satMod val="160000"/>
+                          </a:srgbClr>
+                        </a:gs>
+                        <a:gs pos="100000">
+                          <a:srgbClr val="0070C0">
+                            <a:tint val="23500"/>
+                            <a:satMod val="160000"/>
+                          </a:srgbClr>
+                        </a:gs>
+                      </a:gsLst>
+                      <a:lin ang="2700000" scaled="1"/>
+                      <a:tileRect/>
+                    </a:gradFill>
+                  </a:tcPr>
+                </a:tc>
+                <a:tc>
+                  <a:txBody>
+                    <a:bodyPr/>
+                    <a:lstStyle/>
+                    <a:p>
+                      <a:pPr algn="ctr"/>
+                      <a:r>
+                        <a:rPr lang="en-SI" dirty="0"/>
+                        <a:t>1</a:t>
+                      </a:r>
+                    </a:p>
+                  </a:txBody>
+                  <a:tcPr anchor="ctr">
+                    <a:gradFill flip="none" rotWithShape="1">
+                      <a:gsLst>
+                        <a:gs pos="0">
+                          <a:srgbClr val="C00000">
+                            <a:tint val="66000"/>
+                            <a:satMod val="160000"/>
+                          </a:srgbClr>
+                        </a:gs>
+                        <a:gs pos="50000">
+                          <a:srgbClr val="C00000">
+                            <a:tint val="44500"/>
+                            <a:satMod val="160000"/>
+                          </a:srgbClr>
+                        </a:gs>
+                        <a:gs pos="100000">
+                          <a:srgbClr val="C00000">
+                            <a:tint val="23500"/>
+                            <a:satMod val="160000"/>
+                          </a:srgbClr>
+                        </a:gs>
+                      </a:gsLst>
+                      <a:lin ang="2700000" scaled="1"/>
+                      <a:tileRect/>
+                    </a:gradFill>
+                  </a:tcPr>
+                </a:tc>
+                <a:tc>
+                  <a:txBody>
+                    <a:bodyPr/>
+                    <a:lstStyle/>
+                    <a:p>
+                      <a:pPr algn="ctr"/>
+                      <a:r>
+                        <a:rPr lang="en-SI" dirty="0"/>
+                        <a:t>2</a:t>
+                      </a:r>
+                    </a:p>
+                  </a:txBody>
+                  <a:tcPr anchor="ctr">
+                    <a:gradFill flip="none" rotWithShape="1">
+                      <a:gsLst>
+                        <a:gs pos="0">
+                          <a:srgbClr val="0070C0">
+                            <a:tint val="66000"/>
+                            <a:satMod val="160000"/>
+                          </a:srgbClr>
+                        </a:gs>
+                        <a:gs pos="50000">
+                          <a:srgbClr val="0070C0">
+                            <a:tint val="44500"/>
+                            <a:satMod val="160000"/>
+                          </a:srgbClr>
+                        </a:gs>
+                        <a:gs pos="100000">
+                          <a:srgbClr val="0070C0">
+                            <a:tint val="23500"/>
+                            <a:satMod val="160000"/>
+                          </a:srgbClr>
+                        </a:gs>
+                      </a:gsLst>
+                      <a:lin ang="2700000" scaled="1"/>
+                      <a:tileRect/>
+                    </a:gradFill>
+                  </a:tcPr>
+                </a:tc>
+                <a:tc>
+                  <a:txBody>
+                    <a:bodyPr/>
+                    <a:lstStyle/>
+                    <a:p>
+                      <a:pPr algn="ctr"/>
+                      <a:r>
+                        <a:rPr lang="en-SI" dirty="0"/>
+                        <a:t>3</a:t>
+                      </a:r>
+                    </a:p>
+                  </a:txBody>
+                  <a:tcPr anchor="ctr">
+                    <a:gradFill flip="none" rotWithShape="1">
+                      <a:gsLst>
+                        <a:gs pos="0">
+                          <a:srgbClr val="0070C0">
+                            <a:tint val="66000"/>
+                            <a:satMod val="160000"/>
+                          </a:srgbClr>
+                        </a:gs>
+                        <a:gs pos="50000">
+                          <a:srgbClr val="0070C0">
+                            <a:tint val="44500"/>
+                            <a:satMod val="160000"/>
+                          </a:srgbClr>
+                        </a:gs>
+                        <a:gs pos="100000">
+                          <a:srgbClr val="0070C0">
+                            <a:tint val="23500"/>
+                            <a:satMod val="160000"/>
+                          </a:srgbClr>
+                        </a:gs>
+                      </a:gsLst>
+                      <a:lin ang="2700000" scaled="1"/>
+                      <a:tileRect/>
+                    </a:gradFill>
+                  </a:tcPr>
+                </a:tc>
+                <a:tc>
+                  <a:txBody>
+                    <a:bodyPr/>
+                    <a:lstStyle/>
+                    <a:p>
+                      <a:pPr algn="ctr"/>
+                      <a:r>
+                        <a:rPr lang="en-SI" dirty="0"/>
+                        <a:t>4</a:t>
+                      </a:r>
+                    </a:p>
+                  </a:txBody>
+                  <a:tcPr anchor="ctr">
+                    <a:gradFill flip="none" rotWithShape="1">
+                      <a:gsLst>
+                        <a:gs pos="0">
+                          <a:srgbClr val="0070C0">
+                            <a:tint val="66000"/>
+                            <a:satMod val="160000"/>
+                          </a:srgbClr>
+                        </a:gs>
+                        <a:gs pos="50000">
+                          <a:srgbClr val="0070C0">
+                            <a:tint val="44500"/>
+                            <a:satMod val="160000"/>
+                          </a:srgbClr>
+                        </a:gs>
+                        <a:gs pos="100000">
+                          <a:srgbClr val="0070C0">
+                            <a:tint val="23500"/>
+                            <a:satMod val="160000"/>
+                          </a:srgbClr>
+                        </a:gs>
+                      </a:gsLst>
+                      <a:lin ang="2700000" scaled="1"/>
+                      <a:tileRect/>
+                    </a:gradFill>
+                  </a:tcPr>
+                </a:tc>
+                <a:tc>
+                  <a:txBody>
+                    <a:bodyPr/>
+                    <a:lstStyle/>
+                    <a:p>
+                      <a:pPr algn="ctr"/>
+                      <a:r>
+                        <a:rPr lang="en-SI" dirty="0"/>
+                        <a:t>5</a:t>
+                      </a:r>
+                    </a:p>
+                  </a:txBody>
+                  <a:tcPr anchor="ctr">
+                    <a:gradFill flip="none" rotWithShape="1">
+                      <a:gsLst>
+                        <a:gs pos="0">
+                          <a:srgbClr val="C00000">
+                            <a:tint val="66000"/>
+                            <a:satMod val="160000"/>
+                          </a:srgbClr>
+                        </a:gs>
+                        <a:gs pos="50000">
+                          <a:srgbClr val="C00000">
+                            <a:tint val="44500"/>
+                            <a:satMod val="160000"/>
+                          </a:srgbClr>
+                        </a:gs>
+                        <a:gs pos="100000">
+                          <a:srgbClr val="C00000">
+                            <a:tint val="23500"/>
+                            <a:satMod val="160000"/>
+                          </a:srgbClr>
+                        </a:gs>
+                      </a:gsLst>
+                      <a:lin ang="2700000" scaled="1"/>
+                      <a:tileRect/>
+                    </a:gradFill>
+                  </a:tcPr>
+                </a:tc>
+                <a:tc>
+                  <a:txBody>
+                    <a:bodyPr/>
+                    <a:lstStyle/>
+                    <a:p>
+                      <a:pPr algn="ctr"/>
+                      <a:r>
+                        <a:rPr lang="en-SI" dirty="0"/>
+                        <a:t>6</a:t>
+                      </a:r>
+                    </a:p>
+                  </a:txBody>
+                  <a:tcPr anchor="ctr">
+                    <a:gradFill flip="none" rotWithShape="1">
+                      <a:gsLst>
+                        <a:gs pos="0">
+                          <a:srgbClr val="0070C0">
+                            <a:tint val="66000"/>
+                            <a:satMod val="160000"/>
+                          </a:srgbClr>
+                        </a:gs>
+                        <a:gs pos="50000">
+                          <a:srgbClr val="0070C0">
+                            <a:tint val="44500"/>
+                            <a:satMod val="160000"/>
+                          </a:srgbClr>
+                        </a:gs>
+                        <a:gs pos="100000">
+                          <a:srgbClr val="0070C0">
+                            <a:tint val="23500"/>
+                            <a:satMod val="160000"/>
+                          </a:srgbClr>
+                        </a:gs>
+                      </a:gsLst>
+                      <a:lin ang="2700000" scaled="1"/>
+                      <a:tileRect/>
+                    </a:gradFill>
+                  </a:tcPr>
+                </a:tc>
+                <a:tc>
+                  <a:txBody>
+                    <a:bodyPr/>
+                    <a:lstStyle/>
+                    <a:p>
+                      <a:pPr algn="ctr"/>
+                      <a:r>
+                        <a:rPr lang="en-SI" dirty="0"/>
+                        <a:t>7</a:t>
+                      </a:r>
+                    </a:p>
+                  </a:txBody>
+                  <a:tcPr anchor="ctr">
+                    <a:gradFill flip="none" rotWithShape="1">
+                      <a:gsLst>
+                        <a:gs pos="0">
+                          <a:srgbClr val="0070C0">
+                            <a:tint val="66000"/>
+                            <a:satMod val="160000"/>
+                          </a:srgbClr>
+                        </a:gs>
+                        <a:gs pos="50000">
+                          <a:srgbClr val="0070C0">
+                            <a:tint val="44500"/>
+                            <a:satMod val="160000"/>
+                          </a:srgbClr>
+                        </a:gs>
+                        <a:gs pos="100000">
+                          <a:srgbClr val="0070C0">
+                            <a:tint val="23500"/>
+                            <a:satMod val="160000"/>
+                          </a:srgbClr>
+                        </a:gs>
+                      </a:gsLst>
+                      <a:lin ang="2700000" scaled="1"/>
+                      <a:tileRect/>
+                    </a:gradFill>
+                  </a:tcPr>
+                </a:tc>
+                <a:tc>
+                  <a:txBody>
+                    <a:bodyPr/>
+                    <a:lstStyle/>
+                    <a:p>
+                      <a:pPr algn="ctr"/>
+                      <a:r>
+                        <a:rPr lang="en-SI" dirty="0"/>
+                        <a:t>8</a:t>
+                      </a:r>
+                    </a:p>
+                  </a:txBody>
+                  <a:tcPr anchor="ctr">
+                    <a:gradFill flip="none" rotWithShape="1">
+                      <a:gsLst>
+                        <a:gs pos="0">
+                          <a:srgbClr val="C00000">
+                            <a:tint val="66000"/>
+                            <a:satMod val="160000"/>
+                          </a:srgbClr>
+                        </a:gs>
+                        <a:gs pos="50000">
+                          <a:srgbClr val="C00000">
+                            <a:tint val="44500"/>
+                            <a:satMod val="160000"/>
+                          </a:srgbClr>
+                        </a:gs>
+                        <a:gs pos="100000">
+                          <a:srgbClr val="C00000">
+                            <a:tint val="23500"/>
+                            <a:satMod val="160000"/>
+                          </a:srgbClr>
+                        </a:gs>
+                      </a:gsLst>
+                      <a:lin ang="2700000" scaled="1"/>
+                      <a:tileRect/>
+                    </a:gradFill>
+                  </a:tcPr>
+                </a:tc>
+                <a:tc>
+                  <a:txBody>
+                    <a:bodyPr/>
+                    <a:lstStyle/>
+                    <a:p>
+                      <a:pPr algn="ctr"/>
+                      <a:r>
+                        <a:rPr lang="en-SI" dirty="0"/>
+                        <a:t>9</a:t>
+                      </a:r>
+                    </a:p>
+                  </a:txBody>
+                  <a:tcPr anchor="ctr">
+                    <a:gradFill flip="none" rotWithShape="1">
+                      <a:gsLst>
+                        <a:gs pos="0">
+                          <a:srgbClr val="C00000">
+                            <a:tint val="66000"/>
+                            <a:satMod val="160000"/>
+                          </a:srgbClr>
+                        </a:gs>
+                        <a:gs pos="50000">
+                          <a:srgbClr val="C00000">
+                            <a:tint val="44500"/>
+                            <a:satMod val="160000"/>
+                          </a:srgbClr>
+                        </a:gs>
+                        <a:gs pos="100000">
+                          <a:srgbClr val="C00000">
+                            <a:tint val="23500"/>
+                            <a:satMod val="160000"/>
+                          </a:srgbClr>
+                        </a:gs>
+                      </a:gsLst>
+                      <a:lin ang="0" scaled="1"/>
+                      <a:tileRect/>
+                    </a:gradFill>
+                  </a:tcPr>
+                </a:tc>
+                <a:extLst>
+                  <a:ext uri="{0D108BD9-81ED-4DB2-BD59-A6C34878D82A}">
+                    <a16:rowId xmlns:a16="http://schemas.microsoft.com/office/drawing/2014/main" val="1060007286"/>
+                  </a:ext>
+                </a:extLst>
+              </a:tr>
+            </a:tbl>
+          </a:graphicData>
+        </a:graphic>
+      </p:graphicFrame>
     </p:spTree>
     <p:extLst>
       <p:ext uri="{BB962C8B-B14F-4D97-AF65-F5344CB8AC3E}">
@@ -10278,6 +13784,737 @@
   <p:clrMapOvr>
     <a:masterClrMapping/>
   </p:clrMapOvr>
+  <p:timing>
+    <p:tnLst>
+      <p:par>
+        <p:cTn id="1" dur="indefinite" restart="never" nodeType="tmRoot">
+          <p:childTnLst>
+            <p:seq concurrent="1" nextAc="seek">
+              <p:cTn id="2" dur="indefinite" nodeType="mainSeq">
+                <p:childTnLst>
+                  <p:par>
+                    <p:cTn id="3" fill="hold">
+                      <p:stCondLst>
+                        <p:cond delay="indefinite"/>
+                      </p:stCondLst>
+                      <p:childTnLst>
+                        <p:par>
+                          <p:cTn id="4" fill="hold">
+                            <p:stCondLst>
+                              <p:cond delay="0"/>
+                            </p:stCondLst>
+                            <p:childTnLst>
+                              <p:par>
+                                <p:cTn id="5" presetID="2" presetClass="entr" presetSubtype="4" fill="hold" grpId="0" nodeType="clickEffect">
+                                  <p:stCondLst>
+                                    <p:cond delay="0"/>
+                                  </p:stCondLst>
+                                  <p:childTnLst>
+                                    <p:set>
+                                      <p:cBhvr>
+                                        <p:cTn id="6" dur="1" fill="hold">
+                                          <p:stCondLst>
+                                            <p:cond delay="0"/>
+                                          </p:stCondLst>
+                                        </p:cTn>
+                                        <p:tgtEl>
+                                          <p:spTgt spid="2"/>
+                                        </p:tgtEl>
+                                        <p:attrNameLst>
+                                          <p:attrName>style.visibility</p:attrName>
+                                        </p:attrNameLst>
+                                      </p:cBhvr>
+                                      <p:to>
+                                        <p:strVal val="visible"/>
+                                      </p:to>
+                                    </p:set>
+                                    <p:anim calcmode="lin" valueType="num">
+                                      <p:cBhvr additive="base">
+                                        <p:cTn id="7" dur="500" fill="hold"/>
+                                        <p:tgtEl>
+                                          <p:spTgt spid="2"/>
+                                        </p:tgtEl>
+                                        <p:attrNameLst>
+                                          <p:attrName>ppt_x</p:attrName>
+                                        </p:attrNameLst>
+                                      </p:cBhvr>
+                                      <p:tavLst>
+                                        <p:tav tm="0">
+                                          <p:val>
+                                            <p:strVal val="#ppt_x"/>
+                                          </p:val>
+                                        </p:tav>
+                                        <p:tav tm="100000">
+                                          <p:val>
+                                            <p:strVal val="#ppt_x"/>
+                                          </p:val>
+                                        </p:tav>
+                                      </p:tavLst>
+                                    </p:anim>
+                                    <p:anim calcmode="lin" valueType="num">
+                                      <p:cBhvr additive="base">
+                                        <p:cTn id="8" dur="500" fill="hold"/>
+                                        <p:tgtEl>
+                                          <p:spTgt spid="2"/>
+                                        </p:tgtEl>
+                                        <p:attrNameLst>
+                                          <p:attrName>ppt_y</p:attrName>
+                                        </p:attrNameLst>
+                                      </p:cBhvr>
+                                      <p:tavLst>
+                                        <p:tav tm="0">
+                                          <p:val>
+                                            <p:strVal val="1+#ppt_h/2"/>
+                                          </p:val>
+                                        </p:tav>
+                                        <p:tav tm="100000">
+                                          <p:val>
+                                            <p:strVal val="#ppt_y"/>
+                                          </p:val>
+                                        </p:tav>
+                                      </p:tavLst>
+                                    </p:anim>
+                                  </p:childTnLst>
+                                </p:cTn>
+                              </p:par>
+                              <p:par>
+                                <p:cTn id="9" presetID="2" presetClass="entr" presetSubtype="4" fill="hold" grpId="0" nodeType="withEffect">
+                                  <p:stCondLst>
+                                    <p:cond delay="0"/>
+                                  </p:stCondLst>
+                                  <p:childTnLst>
+                                    <p:set>
+                                      <p:cBhvr>
+                                        <p:cTn id="10" dur="1" fill="hold">
+                                          <p:stCondLst>
+                                            <p:cond delay="0"/>
+                                          </p:stCondLst>
+                                        </p:cTn>
+                                        <p:tgtEl>
+                                          <p:spTgt spid="3">
+                                            <p:txEl>
+                                              <p:pRg st="0" end="0"/>
+                                            </p:txEl>
+                                          </p:spTgt>
+                                        </p:tgtEl>
+                                        <p:attrNameLst>
+                                          <p:attrName>style.visibility</p:attrName>
+                                        </p:attrNameLst>
+                                      </p:cBhvr>
+                                      <p:to>
+                                        <p:strVal val="visible"/>
+                                      </p:to>
+                                    </p:set>
+                                    <p:anim calcmode="lin" valueType="num">
+                                      <p:cBhvr additive="base">
+                                        <p:cTn id="11" dur="500" fill="hold"/>
+                                        <p:tgtEl>
+                                          <p:spTgt spid="3">
+                                            <p:txEl>
+                                              <p:pRg st="0" end="0"/>
+                                            </p:txEl>
+                                          </p:spTgt>
+                                        </p:tgtEl>
+                                        <p:attrNameLst>
+                                          <p:attrName>ppt_x</p:attrName>
+                                        </p:attrNameLst>
+                                      </p:cBhvr>
+                                      <p:tavLst>
+                                        <p:tav tm="0">
+                                          <p:val>
+                                            <p:strVal val="#ppt_x"/>
+                                          </p:val>
+                                        </p:tav>
+                                        <p:tav tm="100000">
+                                          <p:val>
+                                            <p:strVal val="#ppt_x"/>
+                                          </p:val>
+                                        </p:tav>
+                                      </p:tavLst>
+                                    </p:anim>
+                                    <p:anim calcmode="lin" valueType="num">
+                                      <p:cBhvr additive="base">
+                                        <p:cTn id="12" dur="500" fill="hold"/>
+                                        <p:tgtEl>
+                                          <p:spTgt spid="3">
+                                            <p:txEl>
+                                              <p:pRg st="0" end="0"/>
+                                            </p:txEl>
+                                          </p:spTgt>
+                                        </p:tgtEl>
+                                        <p:attrNameLst>
+                                          <p:attrName>ppt_y</p:attrName>
+                                        </p:attrNameLst>
+                                      </p:cBhvr>
+                                      <p:tavLst>
+                                        <p:tav tm="0">
+                                          <p:val>
+                                            <p:strVal val="1+#ppt_h/2"/>
+                                          </p:val>
+                                        </p:tav>
+                                        <p:tav tm="100000">
+                                          <p:val>
+                                            <p:strVal val="#ppt_y"/>
+                                          </p:val>
+                                        </p:tav>
+                                      </p:tavLst>
+                                    </p:anim>
+                                  </p:childTnLst>
+                                </p:cTn>
+                              </p:par>
+                              <p:par>
+                                <p:cTn id="13" presetID="2" presetClass="entr" presetSubtype="4" fill="hold" grpId="0" nodeType="withEffect">
+                                  <p:stCondLst>
+                                    <p:cond delay="0"/>
+                                  </p:stCondLst>
+                                  <p:childTnLst>
+                                    <p:set>
+                                      <p:cBhvr>
+                                        <p:cTn id="14" dur="1" fill="hold">
+                                          <p:stCondLst>
+                                            <p:cond delay="0"/>
+                                          </p:stCondLst>
+                                        </p:cTn>
+                                        <p:tgtEl>
+                                          <p:spTgt spid="3">
+                                            <p:txEl>
+                                              <p:pRg st="1" end="1"/>
+                                            </p:txEl>
+                                          </p:spTgt>
+                                        </p:tgtEl>
+                                        <p:attrNameLst>
+                                          <p:attrName>style.visibility</p:attrName>
+                                        </p:attrNameLst>
+                                      </p:cBhvr>
+                                      <p:to>
+                                        <p:strVal val="visible"/>
+                                      </p:to>
+                                    </p:set>
+                                    <p:anim calcmode="lin" valueType="num">
+                                      <p:cBhvr additive="base">
+                                        <p:cTn id="15" dur="500" fill="hold"/>
+                                        <p:tgtEl>
+                                          <p:spTgt spid="3">
+                                            <p:txEl>
+                                              <p:pRg st="1" end="1"/>
+                                            </p:txEl>
+                                          </p:spTgt>
+                                        </p:tgtEl>
+                                        <p:attrNameLst>
+                                          <p:attrName>ppt_x</p:attrName>
+                                        </p:attrNameLst>
+                                      </p:cBhvr>
+                                      <p:tavLst>
+                                        <p:tav tm="0">
+                                          <p:val>
+                                            <p:strVal val="#ppt_x"/>
+                                          </p:val>
+                                        </p:tav>
+                                        <p:tav tm="100000">
+                                          <p:val>
+                                            <p:strVal val="#ppt_x"/>
+                                          </p:val>
+                                        </p:tav>
+                                      </p:tavLst>
+                                    </p:anim>
+                                    <p:anim calcmode="lin" valueType="num">
+                                      <p:cBhvr additive="base">
+                                        <p:cTn id="16" dur="500" fill="hold"/>
+                                        <p:tgtEl>
+                                          <p:spTgt spid="3">
+                                            <p:txEl>
+                                              <p:pRg st="1" end="1"/>
+                                            </p:txEl>
+                                          </p:spTgt>
+                                        </p:tgtEl>
+                                        <p:attrNameLst>
+                                          <p:attrName>ppt_y</p:attrName>
+                                        </p:attrNameLst>
+                                      </p:cBhvr>
+                                      <p:tavLst>
+                                        <p:tav tm="0">
+                                          <p:val>
+                                            <p:strVal val="1+#ppt_h/2"/>
+                                          </p:val>
+                                        </p:tav>
+                                        <p:tav tm="100000">
+                                          <p:val>
+                                            <p:strVal val="#ppt_y"/>
+                                          </p:val>
+                                        </p:tav>
+                                      </p:tavLst>
+                                    </p:anim>
+                                  </p:childTnLst>
+                                </p:cTn>
+                              </p:par>
+                              <p:par>
+                                <p:cTn id="17" presetID="2" presetClass="entr" presetSubtype="4" fill="hold" grpId="0" nodeType="withEffect">
+                                  <p:stCondLst>
+                                    <p:cond delay="0"/>
+                                  </p:stCondLst>
+                                  <p:childTnLst>
+                                    <p:set>
+                                      <p:cBhvr>
+                                        <p:cTn id="18" dur="1" fill="hold">
+                                          <p:stCondLst>
+                                            <p:cond delay="0"/>
+                                          </p:stCondLst>
+                                        </p:cTn>
+                                        <p:tgtEl>
+                                          <p:spTgt spid="3">
+                                            <p:txEl>
+                                              <p:pRg st="2" end="2"/>
+                                            </p:txEl>
+                                          </p:spTgt>
+                                        </p:tgtEl>
+                                        <p:attrNameLst>
+                                          <p:attrName>style.visibility</p:attrName>
+                                        </p:attrNameLst>
+                                      </p:cBhvr>
+                                      <p:to>
+                                        <p:strVal val="visible"/>
+                                      </p:to>
+                                    </p:set>
+                                    <p:anim calcmode="lin" valueType="num">
+                                      <p:cBhvr additive="base">
+                                        <p:cTn id="19" dur="500" fill="hold"/>
+                                        <p:tgtEl>
+                                          <p:spTgt spid="3">
+                                            <p:txEl>
+                                              <p:pRg st="2" end="2"/>
+                                            </p:txEl>
+                                          </p:spTgt>
+                                        </p:tgtEl>
+                                        <p:attrNameLst>
+                                          <p:attrName>ppt_x</p:attrName>
+                                        </p:attrNameLst>
+                                      </p:cBhvr>
+                                      <p:tavLst>
+                                        <p:tav tm="0">
+                                          <p:val>
+                                            <p:strVal val="#ppt_x"/>
+                                          </p:val>
+                                        </p:tav>
+                                        <p:tav tm="100000">
+                                          <p:val>
+                                            <p:strVal val="#ppt_x"/>
+                                          </p:val>
+                                        </p:tav>
+                                      </p:tavLst>
+                                    </p:anim>
+                                    <p:anim calcmode="lin" valueType="num">
+                                      <p:cBhvr additive="base">
+                                        <p:cTn id="20" dur="500" fill="hold"/>
+                                        <p:tgtEl>
+                                          <p:spTgt spid="3">
+                                            <p:txEl>
+                                              <p:pRg st="2" end="2"/>
+                                            </p:txEl>
+                                          </p:spTgt>
+                                        </p:tgtEl>
+                                        <p:attrNameLst>
+                                          <p:attrName>ppt_y</p:attrName>
+                                        </p:attrNameLst>
+                                      </p:cBhvr>
+                                      <p:tavLst>
+                                        <p:tav tm="0">
+                                          <p:val>
+                                            <p:strVal val="1+#ppt_h/2"/>
+                                          </p:val>
+                                        </p:tav>
+                                        <p:tav tm="100000">
+                                          <p:val>
+                                            <p:strVal val="#ppt_y"/>
+                                          </p:val>
+                                        </p:tav>
+                                      </p:tavLst>
+                                    </p:anim>
+                                  </p:childTnLst>
+                                </p:cTn>
+                              </p:par>
+                              <p:par>
+                                <p:cTn id="21" presetID="2" presetClass="entr" presetSubtype="4" fill="hold" grpId="0" nodeType="withEffect">
+                                  <p:stCondLst>
+                                    <p:cond delay="0"/>
+                                  </p:stCondLst>
+                                  <p:childTnLst>
+                                    <p:set>
+                                      <p:cBhvr>
+                                        <p:cTn id="22" dur="1" fill="hold">
+                                          <p:stCondLst>
+                                            <p:cond delay="0"/>
+                                          </p:stCondLst>
+                                        </p:cTn>
+                                        <p:tgtEl>
+                                          <p:spTgt spid="3">
+                                            <p:txEl>
+                                              <p:pRg st="3" end="3"/>
+                                            </p:txEl>
+                                          </p:spTgt>
+                                        </p:tgtEl>
+                                        <p:attrNameLst>
+                                          <p:attrName>style.visibility</p:attrName>
+                                        </p:attrNameLst>
+                                      </p:cBhvr>
+                                      <p:to>
+                                        <p:strVal val="visible"/>
+                                      </p:to>
+                                    </p:set>
+                                    <p:anim calcmode="lin" valueType="num">
+                                      <p:cBhvr additive="base">
+                                        <p:cTn id="23" dur="500" fill="hold"/>
+                                        <p:tgtEl>
+                                          <p:spTgt spid="3">
+                                            <p:txEl>
+                                              <p:pRg st="3" end="3"/>
+                                            </p:txEl>
+                                          </p:spTgt>
+                                        </p:tgtEl>
+                                        <p:attrNameLst>
+                                          <p:attrName>ppt_x</p:attrName>
+                                        </p:attrNameLst>
+                                      </p:cBhvr>
+                                      <p:tavLst>
+                                        <p:tav tm="0">
+                                          <p:val>
+                                            <p:strVal val="#ppt_x"/>
+                                          </p:val>
+                                        </p:tav>
+                                        <p:tav tm="100000">
+                                          <p:val>
+                                            <p:strVal val="#ppt_x"/>
+                                          </p:val>
+                                        </p:tav>
+                                      </p:tavLst>
+                                    </p:anim>
+                                    <p:anim calcmode="lin" valueType="num">
+                                      <p:cBhvr additive="base">
+                                        <p:cTn id="24" dur="500" fill="hold"/>
+                                        <p:tgtEl>
+                                          <p:spTgt spid="3">
+                                            <p:txEl>
+                                              <p:pRg st="3" end="3"/>
+                                            </p:txEl>
+                                          </p:spTgt>
+                                        </p:tgtEl>
+                                        <p:attrNameLst>
+                                          <p:attrName>ppt_y</p:attrName>
+                                        </p:attrNameLst>
+                                      </p:cBhvr>
+                                      <p:tavLst>
+                                        <p:tav tm="0">
+                                          <p:val>
+                                            <p:strVal val="1+#ppt_h/2"/>
+                                          </p:val>
+                                        </p:tav>
+                                        <p:tav tm="100000">
+                                          <p:val>
+                                            <p:strVal val="#ppt_y"/>
+                                          </p:val>
+                                        </p:tav>
+                                      </p:tavLst>
+                                    </p:anim>
+                                  </p:childTnLst>
+                                </p:cTn>
+                              </p:par>
+                            </p:childTnLst>
+                          </p:cTn>
+                        </p:par>
+                      </p:childTnLst>
+                    </p:cTn>
+                  </p:par>
+                  <p:par>
+                    <p:cTn id="25" fill="hold">
+                      <p:stCondLst>
+                        <p:cond delay="indefinite"/>
+                      </p:stCondLst>
+                      <p:childTnLst>
+                        <p:par>
+                          <p:cTn id="26" fill="hold">
+                            <p:stCondLst>
+                              <p:cond delay="0"/>
+                            </p:stCondLst>
+                            <p:childTnLst>
+                              <p:par>
+                                <p:cTn id="27" presetID="2" presetClass="entr" presetSubtype="4" fill="hold" nodeType="clickEffect">
+                                  <p:stCondLst>
+                                    <p:cond delay="0"/>
+                                  </p:stCondLst>
+                                  <p:childTnLst>
+                                    <p:set>
+                                      <p:cBhvr>
+                                        <p:cTn id="28" dur="1" fill="hold">
+                                          <p:stCondLst>
+                                            <p:cond delay="0"/>
+                                          </p:stCondLst>
+                                        </p:cTn>
+                                        <p:tgtEl>
+                                          <p:spTgt spid="4"/>
+                                        </p:tgtEl>
+                                        <p:attrNameLst>
+                                          <p:attrName>style.visibility</p:attrName>
+                                        </p:attrNameLst>
+                                      </p:cBhvr>
+                                      <p:to>
+                                        <p:strVal val="visible"/>
+                                      </p:to>
+                                    </p:set>
+                                    <p:anim calcmode="lin" valueType="num">
+                                      <p:cBhvr additive="base">
+                                        <p:cTn id="29" dur="500" fill="hold"/>
+                                        <p:tgtEl>
+                                          <p:spTgt spid="4"/>
+                                        </p:tgtEl>
+                                        <p:attrNameLst>
+                                          <p:attrName>ppt_x</p:attrName>
+                                        </p:attrNameLst>
+                                      </p:cBhvr>
+                                      <p:tavLst>
+                                        <p:tav tm="0">
+                                          <p:val>
+                                            <p:strVal val="#ppt_x"/>
+                                          </p:val>
+                                        </p:tav>
+                                        <p:tav tm="100000">
+                                          <p:val>
+                                            <p:strVal val="#ppt_x"/>
+                                          </p:val>
+                                        </p:tav>
+                                      </p:tavLst>
+                                    </p:anim>
+                                    <p:anim calcmode="lin" valueType="num">
+                                      <p:cBhvr additive="base">
+                                        <p:cTn id="30" dur="500" fill="hold"/>
+                                        <p:tgtEl>
+                                          <p:spTgt spid="4"/>
+                                        </p:tgtEl>
+                                        <p:attrNameLst>
+                                          <p:attrName>ppt_y</p:attrName>
+                                        </p:attrNameLst>
+                                      </p:cBhvr>
+                                      <p:tavLst>
+                                        <p:tav tm="0">
+                                          <p:val>
+                                            <p:strVal val="1+#ppt_h/2"/>
+                                          </p:val>
+                                        </p:tav>
+                                        <p:tav tm="100000">
+                                          <p:val>
+                                            <p:strVal val="#ppt_y"/>
+                                          </p:val>
+                                        </p:tav>
+                                      </p:tavLst>
+                                    </p:anim>
+                                  </p:childTnLst>
+                                </p:cTn>
+                              </p:par>
+                            </p:childTnLst>
+                          </p:cTn>
+                        </p:par>
+                      </p:childTnLst>
+                    </p:cTn>
+                  </p:par>
+                  <p:par>
+                    <p:cTn id="31" fill="hold">
+                      <p:stCondLst>
+                        <p:cond delay="indefinite"/>
+                      </p:stCondLst>
+                      <p:childTnLst>
+                        <p:par>
+                          <p:cTn id="32" fill="hold">
+                            <p:stCondLst>
+                              <p:cond delay="0"/>
+                            </p:stCondLst>
+                            <p:childTnLst>
+                              <p:par>
+                                <p:cTn id="33" presetID="2" presetClass="entr" presetSubtype="4" fill="hold" grpId="0" nodeType="clickEffect">
+                                  <p:stCondLst>
+                                    <p:cond delay="0"/>
+                                  </p:stCondLst>
+                                  <p:childTnLst>
+                                    <p:set>
+                                      <p:cBhvr>
+                                        <p:cTn id="34" dur="1" fill="hold">
+                                          <p:stCondLst>
+                                            <p:cond delay="0"/>
+                                          </p:stCondLst>
+                                        </p:cTn>
+                                        <p:tgtEl>
+                                          <p:spTgt spid="3">
+                                            <p:txEl>
+                                              <p:pRg st="7" end="7"/>
+                                            </p:txEl>
+                                          </p:spTgt>
+                                        </p:tgtEl>
+                                        <p:attrNameLst>
+                                          <p:attrName>style.visibility</p:attrName>
+                                        </p:attrNameLst>
+                                      </p:cBhvr>
+                                      <p:to>
+                                        <p:strVal val="visible"/>
+                                      </p:to>
+                                    </p:set>
+                                    <p:anim calcmode="lin" valueType="num">
+                                      <p:cBhvr additive="base">
+                                        <p:cTn id="35" dur="500" fill="hold"/>
+                                        <p:tgtEl>
+                                          <p:spTgt spid="3">
+                                            <p:txEl>
+                                              <p:pRg st="7" end="7"/>
+                                            </p:txEl>
+                                          </p:spTgt>
+                                        </p:tgtEl>
+                                        <p:attrNameLst>
+                                          <p:attrName>ppt_x</p:attrName>
+                                        </p:attrNameLst>
+                                      </p:cBhvr>
+                                      <p:tavLst>
+                                        <p:tav tm="0">
+                                          <p:val>
+                                            <p:strVal val="#ppt_x"/>
+                                          </p:val>
+                                        </p:tav>
+                                        <p:tav tm="100000">
+                                          <p:val>
+                                            <p:strVal val="#ppt_x"/>
+                                          </p:val>
+                                        </p:tav>
+                                      </p:tavLst>
+                                    </p:anim>
+                                    <p:anim calcmode="lin" valueType="num">
+                                      <p:cBhvr additive="base">
+                                        <p:cTn id="36" dur="500" fill="hold"/>
+                                        <p:tgtEl>
+                                          <p:spTgt spid="3">
+                                            <p:txEl>
+                                              <p:pRg st="7" end="7"/>
+                                            </p:txEl>
+                                          </p:spTgt>
+                                        </p:tgtEl>
+                                        <p:attrNameLst>
+                                          <p:attrName>ppt_y</p:attrName>
+                                        </p:attrNameLst>
+                                      </p:cBhvr>
+                                      <p:tavLst>
+                                        <p:tav tm="0">
+                                          <p:val>
+                                            <p:strVal val="1+#ppt_h/2"/>
+                                          </p:val>
+                                        </p:tav>
+                                        <p:tav tm="100000">
+                                          <p:val>
+                                            <p:strVal val="#ppt_y"/>
+                                          </p:val>
+                                        </p:tav>
+                                      </p:tavLst>
+                                    </p:anim>
+                                  </p:childTnLst>
+                                </p:cTn>
+                              </p:par>
+                            </p:childTnLst>
+                          </p:cTn>
+                        </p:par>
+                      </p:childTnLst>
+                    </p:cTn>
+                  </p:par>
+                  <p:par>
+                    <p:cTn id="37" fill="hold">
+                      <p:stCondLst>
+                        <p:cond delay="indefinite"/>
+                      </p:stCondLst>
+                      <p:childTnLst>
+                        <p:par>
+                          <p:cTn id="38" fill="hold">
+                            <p:stCondLst>
+                              <p:cond delay="0"/>
+                            </p:stCondLst>
+                            <p:childTnLst>
+                              <p:par>
+                                <p:cTn id="39" presetID="1" presetClass="entr" presetSubtype="0" fill="hold" nodeType="clickEffect">
+                                  <p:stCondLst>
+                                    <p:cond delay="0"/>
+                                  </p:stCondLst>
+                                  <p:childTnLst>
+                                    <p:set>
+                                      <p:cBhvr>
+                                        <p:cTn id="40" dur="1" fill="hold">
+                                          <p:stCondLst>
+                                            <p:cond delay="0"/>
+                                          </p:stCondLst>
+                                        </p:cTn>
+                                        <p:tgtEl>
+                                          <p:spTgt spid="6"/>
+                                        </p:tgtEl>
+                                        <p:attrNameLst>
+                                          <p:attrName>style.visibility</p:attrName>
+                                        </p:attrNameLst>
+                                      </p:cBhvr>
+                                      <p:to>
+                                        <p:strVal val="visible"/>
+                                      </p:to>
+                                    </p:set>
+                                  </p:childTnLst>
+                                </p:cTn>
+                              </p:par>
+                              <p:par>
+                                <p:cTn id="41" presetID="1" presetClass="entr" presetSubtype="0" fill="hold" nodeType="withEffect">
+                                  <p:stCondLst>
+                                    <p:cond delay="0"/>
+                                  </p:stCondLst>
+                                  <p:childTnLst>
+                                    <p:set>
+                                      <p:cBhvr>
+                                        <p:cTn id="42" dur="1" fill="hold">
+                                          <p:stCondLst>
+                                            <p:cond delay="0"/>
+                                          </p:stCondLst>
+                                        </p:cTn>
+                                        <p:tgtEl>
+                                          <p:spTgt spid="5"/>
+                                        </p:tgtEl>
+                                        <p:attrNameLst>
+                                          <p:attrName>style.visibility</p:attrName>
+                                        </p:attrNameLst>
+                                      </p:cBhvr>
+                                      <p:to>
+                                        <p:strVal val="visible"/>
+                                      </p:to>
+                                    </p:set>
+                                  </p:childTnLst>
+                                </p:cTn>
+                              </p:par>
+                            </p:childTnLst>
+                          </p:cTn>
+                        </p:par>
+                      </p:childTnLst>
+                    </p:cTn>
+                  </p:par>
+                </p:childTnLst>
+              </p:cTn>
+              <p:prevCondLst>
+                <p:cond evt="onPrev" delay="0">
+                  <p:tgtEl>
+                    <p:sldTgt/>
+                  </p:tgtEl>
+                </p:cond>
+              </p:prevCondLst>
+              <p:nextCondLst>
+                <p:cond evt="onNext" delay="0">
+                  <p:tgtEl>
+                    <p:sldTgt/>
+                  </p:tgtEl>
+                </p:cond>
+              </p:nextCondLst>
+            </p:seq>
+          </p:childTnLst>
+        </p:cTn>
+      </p:par>
+    </p:tnLst>
+    <p:bldLst>
+      <p:bldP spid="2" grpId="0"/>
+      <p:bldP spid="3" grpId="0" uiExpand="1" build="p"/>
+    </p:bldLst>
+  </p:timing>
 </p:sld>
 </file>
 
@@ -10352,7 +14589,7 @@
         </p:blipFill>
         <p:spPr>
           <a:xfrm>
-            <a:off x="1115185" y="2369699"/>
+            <a:off x="1091331" y="2242479"/>
             <a:ext cx="10365618" cy="2705884"/>
           </a:xfrm>
           <a:prstGeom prst="rect">
